--- a/2_3.pptx
+++ b/2_3.pptx
@@ -1,45 +1,45 @@
 
 <file path=ppt/presentation.xml><?xml version="1.0" encoding="utf-8"?>
-<p:presentation xmlns:a="http://schemas.openxmlformats.org/drawingml/2006/main" xmlns:r="http://schemas.openxmlformats.org/officeDocument/2006/relationships" xmlns:p="http://schemas.openxmlformats.org/presentationml/2006/main" xmlns:m="http://schemas.openxmlformats.org/officeDocument/2006/math" xmlns:a14="http://schemas.microsoft.com/office/drawing/2010/main">
+<p:presentation xmlns:a="http://schemas.openxmlformats.org/drawingml/2006/main" xmlns:r="http://schemas.openxmlformats.org/officeDocument/2006/relationships" xmlns:p="http://schemas.openxmlformats.org/presentationml/2006/main">
   <p:sldMasterIdLst>
-    <p:sldMasterId id="2147483648" r:id="rId5"/>
+    <p:sldMasterId id="2147483648" r:id="rId1"/>
   </p:sldMasterIdLst>
   <p:notesMasterIdLst>
-    <p:notesMasterId r:id="rId7"/>
+    <p:notesMasterId r:id="rId34"/>
   </p:notesMasterIdLst>
   <p:sldIdLst>
-    <p:sldId id="256" r:id="rId8"/>
-    <p:sldId id="257" r:id="rId9"/>
-    <p:sldId id="258" r:id="rId10"/>
-    <p:sldId id="259" r:id="rId11"/>
-    <p:sldId id="260" r:id="rId12"/>
-    <p:sldId id="261" r:id="rId13"/>
-    <p:sldId id="262" r:id="rId14"/>
-    <p:sldId id="263" r:id="rId15"/>
-    <p:sldId id="264" r:id="rId16"/>
-    <p:sldId id="265" r:id="rId17"/>
-    <p:sldId id="266" r:id="rId18"/>
-    <p:sldId id="267" r:id="rId19"/>
-    <p:sldId id="268" r:id="rId20"/>
-    <p:sldId id="269" r:id="rId21"/>
-    <p:sldId id="270" r:id="rId22"/>
-    <p:sldId id="271" r:id="rId23"/>
-    <p:sldId id="272" r:id="rId24"/>
-    <p:sldId id="273" r:id="rId25"/>
-    <p:sldId id="274" r:id="rId26"/>
-    <p:sldId id="275" r:id="rId27"/>
-    <p:sldId id="276" r:id="rId28"/>
-    <p:sldId id="277" r:id="rId29"/>
-    <p:sldId id="278" r:id="rId30"/>
-    <p:sldId id="279" r:id="rId31"/>
-    <p:sldId id="280" r:id="rId32"/>
-    <p:sldId id="281" r:id="rId33"/>
-    <p:sldId id="282" r:id="rId34"/>
-    <p:sldId id="283" r:id="rId35"/>
-    <p:sldId id="284" r:id="rId36"/>
-    <p:sldId id="285" r:id="rId37"/>
-    <p:sldId id="286" r:id="rId38"/>
-    <p:sldId id="287" r:id="rId39"/>
+    <p:sldId id="256" r:id="rId2"/>
+    <p:sldId id="257" r:id="rId3"/>
+    <p:sldId id="258" r:id="rId4"/>
+    <p:sldId id="259" r:id="rId5"/>
+    <p:sldId id="260" r:id="rId6"/>
+    <p:sldId id="261" r:id="rId7"/>
+    <p:sldId id="262" r:id="rId8"/>
+    <p:sldId id="263" r:id="rId9"/>
+    <p:sldId id="264" r:id="rId10"/>
+    <p:sldId id="265" r:id="rId11"/>
+    <p:sldId id="266" r:id="rId12"/>
+    <p:sldId id="267" r:id="rId13"/>
+    <p:sldId id="268" r:id="rId14"/>
+    <p:sldId id="269" r:id="rId15"/>
+    <p:sldId id="270" r:id="rId16"/>
+    <p:sldId id="271" r:id="rId17"/>
+    <p:sldId id="272" r:id="rId18"/>
+    <p:sldId id="273" r:id="rId19"/>
+    <p:sldId id="274" r:id="rId20"/>
+    <p:sldId id="275" r:id="rId21"/>
+    <p:sldId id="276" r:id="rId22"/>
+    <p:sldId id="277" r:id="rId23"/>
+    <p:sldId id="278" r:id="rId24"/>
+    <p:sldId id="279" r:id="rId25"/>
+    <p:sldId id="280" r:id="rId26"/>
+    <p:sldId id="281" r:id="rId27"/>
+    <p:sldId id="282" r:id="rId28"/>
+    <p:sldId id="283" r:id="rId29"/>
+    <p:sldId id="284" r:id="rId30"/>
+    <p:sldId id="285" r:id="rId31"/>
+    <p:sldId id="286" r:id="rId32"/>
+    <p:sldId id="287" r:id="rId33"/>
   </p:sldIdLst>
   <p:sldSz cx="24384000" cy="13716000"/>
   <p:notesSz cx="6858000" cy="9144000"/>
@@ -59,7 +59,7 @@
       <a:buFontTx/>
       <a:buNone/>
       <a:tabLst/>
-      <a:defRPr b="0" baseline="0" cap="none" i="0" spc="0" strike="noStrike" sz="1800" u="none" kumimoji="0" normalizeH="0">
+      <a:defRPr kumimoji="0" sz="1800" b="0" i="0" u="none" strike="noStrike" cap="none" spc="0" normalizeH="0" baseline="0">
         <a:ln>
           <a:noFill/>
         </a:ln>
@@ -85,7 +85,7 @@
       <a:buFontTx/>
       <a:buNone/>
       <a:tabLst/>
-      <a:defRPr b="1" baseline="0" cap="none" i="0" spc="0" strike="noStrike" sz="3000" u="none" kumimoji="0" normalizeH="0">
+      <a:defRPr kumimoji="0" sz="3000" b="1" i="0" u="none" strike="noStrike" cap="none" spc="0" normalizeH="0" baseline="0">
         <a:ln>
           <a:noFill/>
         </a:ln>
@@ -115,7 +115,7 @@
       <a:buFontTx/>
       <a:buNone/>
       <a:tabLst/>
-      <a:defRPr b="1" baseline="0" cap="none" i="0" spc="0" strike="noStrike" sz="3000" u="none" kumimoji="0" normalizeH="0">
+      <a:defRPr kumimoji="0" sz="3000" b="1" i="0" u="none" strike="noStrike" cap="none" spc="0" normalizeH="0" baseline="0">
         <a:ln>
           <a:noFill/>
         </a:ln>
@@ -145,7 +145,7 @@
       <a:buFontTx/>
       <a:buNone/>
       <a:tabLst/>
-      <a:defRPr b="1" baseline="0" cap="none" i="0" spc="0" strike="noStrike" sz="3000" u="none" kumimoji="0" normalizeH="0">
+      <a:defRPr kumimoji="0" sz="3000" b="1" i="0" u="none" strike="noStrike" cap="none" spc="0" normalizeH="0" baseline="0">
         <a:ln>
           <a:noFill/>
         </a:ln>
@@ -175,7 +175,7 @@
       <a:buFontTx/>
       <a:buNone/>
       <a:tabLst/>
-      <a:defRPr b="1" baseline="0" cap="none" i="0" spc="0" strike="noStrike" sz="3000" u="none" kumimoji="0" normalizeH="0">
+      <a:defRPr kumimoji="0" sz="3000" b="1" i="0" u="none" strike="noStrike" cap="none" spc="0" normalizeH="0" baseline="0">
         <a:ln>
           <a:noFill/>
         </a:ln>
@@ -205,7 +205,7 @@
       <a:buFontTx/>
       <a:buNone/>
       <a:tabLst/>
-      <a:defRPr b="1" baseline="0" cap="none" i="0" spc="0" strike="noStrike" sz="3000" u="none" kumimoji="0" normalizeH="0">
+      <a:defRPr kumimoji="0" sz="3000" b="1" i="0" u="none" strike="noStrike" cap="none" spc="0" normalizeH="0" baseline="0">
         <a:ln>
           <a:noFill/>
         </a:ln>
@@ -235,7 +235,7 @@
       <a:buFontTx/>
       <a:buNone/>
       <a:tabLst/>
-      <a:defRPr b="1" baseline="0" cap="none" i="0" spc="0" strike="noStrike" sz="3000" u="none" kumimoji="0" normalizeH="0">
+      <a:defRPr kumimoji="0" sz="3000" b="1" i="0" u="none" strike="noStrike" cap="none" spc="0" normalizeH="0" baseline="0">
         <a:ln>
           <a:noFill/>
         </a:ln>
@@ -265,7 +265,7 @@
       <a:buFontTx/>
       <a:buNone/>
       <a:tabLst/>
-      <a:defRPr b="1" baseline="0" cap="none" i="0" spc="0" strike="noStrike" sz="3000" u="none" kumimoji="0" normalizeH="0">
+      <a:defRPr kumimoji="0" sz="3000" b="1" i="0" u="none" strike="noStrike" cap="none" spc="0" normalizeH="0" baseline="0">
         <a:ln>
           <a:noFill/>
         </a:ln>
@@ -295,7 +295,7 @@
       <a:buFontTx/>
       <a:buNone/>
       <a:tabLst/>
-      <a:defRPr b="1" baseline="0" cap="none" i="0" spc="0" strike="noStrike" sz="3000" u="none" kumimoji="0" normalizeH="0">
+      <a:defRPr kumimoji="0" sz="3000" b="1" i="0" u="none" strike="noStrike" cap="none" spc="0" normalizeH="0" baseline="0">
         <a:ln>
           <a:noFill/>
         </a:ln>
@@ -325,7 +325,7 @@
       <a:buFontTx/>
       <a:buNone/>
       <a:tabLst/>
-      <a:defRPr b="1" baseline="0" cap="none" i="0" spc="0" strike="noStrike" sz="3000" u="none" kumimoji="0" normalizeH="0">
+      <a:defRPr kumimoji="0" sz="3000" b="1" i="0" u="none" strike="noStrike" cap="none" spc="0" normalizeH="0" baseline="0">
         <a:ln>
           <a:noFill/>
         </a:ln>
@@ -341,16 +341,33 @@
       </a:defRPr>
     </a:lvl9pPr>
   </p:defaultTextStyle>
+  <p:extLst>
+    <p:ext uri="{EFAFB233-063F-42B5-8137-9DF3F51BA10A}">
+      <p15:sldGuideLst xmlns:p15="http://schemas.microsoft.com/office/powerpoint/2012/main">
+        <p15:guide id="1" orient="horz" pos="4320" userDrawn="1">
+          <p15:clr>
+            <a:srgbClr val="A4A3A4"/>
+          </p15:clr>
+        </p15:guide>
+        <p15:guide id="2" pos="7680" userDrawn="1">
+          <p15:clr>
+            <a:srgbClr val="A4A3A4"/>
+          </p15:clr>
+        </p15:guide>
+      </p15:sldGuideLst>
+    </p:ext>
+  </p:extLst>
 </p:presentation>
 </file>
 
-<file path=ppt/commentAuthors.xml><?xml version="1.0" encoding="utf-8"?>
-<p:cmAuthorLst xmlns:a="http://schemas.openxmlformats.org/drawingml/2006/main" xmlns:r="http://schemas.openxmlformats.org/officeDocument/2006/relationships" xmlns:p="http://schemas.openxmlformats.org/presentationml/2006/main" xmlns:m="http://schemas.openxmlformats.org/officeDocument/2006/math" xmlns:a14="http://schemas.microsoft.com/office/drawing/2010/main"/>
-</file>
-
 <file path=ppt/notesMasters/notesMaster1.xml><?xml version="1.0" encoding="utf-8"?>
-<p:notesMaster xmlns:a="http://schemas.openxmlformats.org/drawingml/2006/main" xmlns:r="http://schemas.openxmlformats.org/officeDocument/2006/relationships" xmlns:p="http://schemas.openxmlformats.org/presentationml/2006/main" xmlns:m="http://schemas.openxmlformats.org/officeDocument/2006/math" xmlns:a14="http://schemas.microsoft.com/office/drawing/2010/main">
+<p:notesMaster xmlns:a="http://schemas.openxmlformats.org/drawingml/2006/main" xmlns:r="http://schemas.openxmlformats.org/officeDocument/2006/relationships" xmlns:p="http://schemas.openxmlformats.org/presentationml/2006/main">
   <p:cSld>
+    <p:bg>
+      <p:bgRef idx="1001">
+        <a:schemeClr val="bg1"/>
+      </p:bgRef>
+    </p:bg>
     <p:spTree>
       <p:nvGrpSpPr>
         <p:cNvPr id="1" name=""/>
@@ -368,7 +385,9 @@
       <p:sp>
         <p:nvSpPr>
           <p:cNvPr id="125" name="Shape 125"/>
-          <p:cNvSpPr/>
+          <p:cNvSpPr>
+            <a:spLocks noGrp="1" noRot="1" noChangeAspect="1"/>
+          </p:cNvSpPr>
           <p:nvPr>
             <p:ph type="sldImg"/>
           </p:nvPr>
@@ -386,14 +405,16 @@
           <a:bodyPr/>
           <a:lstStyle/>
           <a:p>
-            <a:pPr/>
+            <a:endParaRPr/>
           </a:p>
         </p:txBody>
       </p:sp>
       <p:sp>
         <p:nvSpPr>
           <p:cNvPr id="126" name="Shape 126"/>
-          <p:cNvSpPr/>
+          <p:cNvSpPr>
+            <a:spLocks noGrp="1"/>
+          </p:cNvSpPr>
           <p:nvPr>
             <p:ph type="body" sz="quarter" idx="1"/>
           </p:nvPr>
@@ -411,7 +432,7 @@
           <a:bodyPr/>
           <a:lstStyle/>
           <a:p>
-            <a:pPr/>
+            <a:endParaRPr/>
           </a:p>
         </p:txBody>
       </p:sp>
@@ -523,7 +544,7 @@
 </file>
 
 <file path=ppt/slideLayouts/slideLayout1.xml><?xml version="1.0" encoding="utf-8"?>
-<p:sldLayout xmlns:a="http://schemas.openxmlformats.org/drawingml/2006/main" xmlns:r="http://schemas.openxmlformats.org/officeDocument/2006/relationships" xmlns:p="http://schemas.openxmlformats.org/presentationml/2006/main" xmlns:m="http://schemas.openxmlformats.org/officeDocument/2006/math" xmlns:a14="http://schemas.microsoft.com/office/drawing/2010/main" type="title" showMasterSp="1" showMasterPhAnim="1">
+<p:sldLayout xmlns:a="http://schemas.openxmlformats.org/drawingml/2006/main" xmlns:r="http://schemas.openxmlformats.org/officeDocument/2006/relationships" xmlns:p="http://schemas.openxmlformats.org/presentationml/2006/main" type="title">
   <p:cSld name="Title">
     <p:spTree>
       <p:nvGrpSpPr>
@@ -542,7 +563,9 @@
       <p:sp>
         <p:nvSpPr>
           <p:cNvPr id="11" name="Title Text"/>
-          <p:cNvSpPr txBox="1"/>
+          <p:cNvSpPr txBox="1">
+            <a:spLocks noGrp="1"/>
+          </p:cNvSpPr>
           <p:nvPr>
             <p:ph type="title"/>
           </p:nvPr>
@@ -560,7 +583,6 @@
           <a:bodyPr anchor="b"/>
           <a:lstStyle/>
           <a:p>
-            <a:pPr/>
             <a:r>
               <a:t>Title Text</a:t>
             </a:r>
@@ -570,7 +592,9 @@
       <p:sp>
         <p:nvSpPr>
           <p:cNvPr id="12" name="Body Level One…"/>
-          <p:cNvSpPr txBox="1"/>
+          <p:cNvSpPr txBox="1">
+            <a:spLocks noGrp="1"/>
+          </p:cNvSpPr>
           <p:nvPr>
             <p:ph type="body" sz="quarter" idx="1"/>
           </p:nvPr>
@@ -629,7 +653,6 @@
             </a:lvl5pPr>
           </a:lstStyle>
           <a:p>
-            <a:pPr/>
             <a:r>
               <a:t>Body Level One</a:t>
             </a:r>
@@ -663,7 +686,9 @@
       <p:sp>
         <p:nvSpPr>
           <p:cNvPr id="13" name="Slide Number"/>
-          <p:cNvSpPr txBox="1"/>
+          <p:cNvSpPr txBox="1">
+            <a:spLocks noGrp="1"/>
+          </p:cNvSpPr>
           <p:nvPr>
             <p:ph type="sldNum" sz="quarter" idx="2"/>
           </p:nvPr>
@@ -677,8 +702,10 @@
           <a:bodyPr/>
           <a:lstStyle/>
           <a:p>
-            <a:pPr/>
-            <a:fld id="{86CB4B4D-7CA3-9044-876B-883B54F8677D}" type="slidenum"/>
+            <a:fld id="{86CB4B4D-7CA3-9044-876B-883B54F8677D}" type="slidenum">
+              <a:t>‹#›</a:t>
+            </a:fld>
+            <a:endParaRPr/>
           </a:p>
         </p:txBody>
       </p:sp>
@@ -687,12 +714,12 @@
   <p:clrMapOvr>
     <a:masterClrMapping/>
   </p:clrMapOvr>
-  <p:transition xmlns:p14="http://schemas.microsoft.com/office/powerpoint/2010/main" spd="med" advClick="1"/>
+  <p:transition spd="med"/>
 </p:sldLayout>
 </file>
 
 <file path=ppt/slideLayouts/slideLayout10.xml><?xml version="1.0" encoding="utf-8"?>
-<p:sldLayout xmlns:a="http://schemas.openxmlformats.org/drawingml/2006/main" xmlns:r="http://schemas.openxmlformats.org/officeDocument/2006/relationships" xmlns:p="http://schemas.openxmlformats.org/presentationml/2006/main" xmlns:m="http://schemas.openxmlformats.org/officeDocument/2006/math" xmlns:a14="http://schemas.microsoft.com/office/drawing/2010/main" type="tx" showMasterSp="1" showMasterPhAnim="1">
+<p:sldLayout xmlns:a="http://schemas.openxmlformats.org/drawingml/2006/main" xmlns:r="http://schemas.openxmlformats.org/officeDocument/2006/relationships" xmlns:p="http://schemas.openxmlformats.org/presentationml/2006/main" type="tx">
   <p:cSld name="Quote">
     <p:spTree>
       <p:nvGrpSpPr>
@@ -711,7 +738,9 @@
       <p:sp>
         <p:nvSpPr>
           <p:cNvPr id="93" name="–Johnny Appleseed"/>
-          <p:cNvSpPr txBox="1"/>
+          <p:cNvSpPr txBox="1">
+            <a:spLocks noGrp="1"/>
+          </p:cNvSpPr>
           <p:nvPr>
             <p:ph type="body" sz="quarter" idx="21"/>
           </p:nvPr>
@@ -736,11 +765,10 @@
               </a:spcBef>
               <a:buSzTx/>
               <a:buNone/>
-              <a:defRPr i="1" sz="3200"/>
+              <a:defRPr sz="3200" i="1"/>
             </a:lvl1pPr>
           </a:lstStyle>
           <a:p>
-            <a:pPr/>
             <a:r>
               <a:t>–Johnny Appleseed</a:t>
             </a:r>
@@ -750,7 +778,9 @@
       <p:sp>
         <p:nvSpPr>
           <p:cNvPr id="94" name="“Type a quote here.”"/>
-          <p:cNvSpPr txBox="1"/>
+          <p:cNvSpPr txBox="1">
+            <a:spLocks noGrp="1"/>
+          </p:cNvSpPr>
           <p:nvPr>
             <p:ph type="body" sz="quarter" idx="22"/>
           </p:nvPr>
@@ -784,7 +814,6 @@
             </a:lvl1pPr>
           </a:lstStyle>
           <a:p>
-            <a:pPr/>
             <a:r>
               <a:t>“Type a quote here.” </a:t>
             </a:r>
@@ -794,7 +823,9 @@
       <p:sp>
         <p:nvSpPr>
           <p:cNvPr id="95" name="Slide Number"/>
-          <p:cNvSpPr txBox="1"/>
+          <p:cNvSpPr txBox="1">
+            <a:spLocks noGrp="1"/>
+          </p:cNvSpPr>
           <p:nvPr>
             <p:ph type="sldNum" sz="quarter" idx="2"/>
           </p:nvPr>
@@ -808,8 +839,10 @@
           <a:bodyPr/>
           <a:lstStyle/>
           <a:p>
-            <a:pPr/>
-            <a:fld id="{86CB4B4D-7CA3-9044-876B-883B54F8677D}" type="slidenum"/>
+            <a:fld id="{86CB4B4D-7CA3-9044-876B-883B54F8677D}" type="slidenum">
+              <a:t>‹#›</a:t>
+            </a:fld>
+            <a:endParaRPr/>
           </a:p>
         </p:txBody>
       </p:sp>
@@ -818,12 +851,12 @@
   <p:clrMapOvr>
     <a:masterClrMapping/>
   </p:clrMapOvr>
-  <p:transition xmlns:p14="http://schemas.microsoft.com/office/powerpoint/2010/main" spd="med" advClick="1"/>
+  <p:transition spd="med"/>
 </p:sldLayout>
 </file>
 
 <file path=ppt/slideLayouts/slideLayout11.xml><?xml version="1.0" encoding="utf-8"?>
-<p:sldLayout xmlns:a="http://schemas.openxmlformats.org/drawingml/2006/main" xmlns:r="http://schemas.openxmlformats.org/officeDocument/2006/relationships" xmlns:p="http://schemas.openxmlformats.org/presentationml/2006/main" xmlns:m="http://schemas.openxmlformats.org/officeDocument/2006/math" xmlns:a14="http://schemas.microsoft.com/office/drawing/2010/main" type="tx" showMasterSp="1" showMasterPhAnim="1">
+<p:sldLayout xmlns:a="http://schemas.openxmlformats.org/drawingml/2006/main" xmlns:r="http://schemas.openxmlformats.org/officeDocument/2006/relationships" xmlns:p="http://schemas.openxmlformats.org/presentationml/2006/main" type="tx">
   <p:cSld name="Photo">
     <p:spTree>
       <p:nvGrpSpPr>
@@ -842,7 +875,9 @@
       <p:sp>
         <p:nvSpPr>
           <p:cNvPr id="102" name="View of beach and sea from a grassy sand dune"/>
-          <p:cNvSpPr/>
+          <p:cNvSpPr>
+            <a:spLocks noGrp="1"/>
+          </p:cNvSpPr>
           <p:nvPr>
             <p:ph type="pic" idx="21"/>
           </p:nvPr>
@@ -862,14 +897,16 @@
           </a:bodyPr>
           <a:lstStyle/>
           <a:p>
-            <a:pPr/>
+            <a:endParaRPr/>
           </a:p>
         </p:txBody>
       </p:sp>
       <p:sp>
         <p:nvSpPr>
           <p:cNvPr id="103" name="Slide Number"/>
-          <p:cNvSpPr txBox="1"/>
+          <p:cNvSpPr txBox="1">
+            <a:spLocks noGrp="1"/>
+          </p:cNvSpPr>
           <p:nvPr>
             <p:ph type="sldNum" sz="quarter" idx="2"/>
           </p:nvPr>
@@ -883,8 +920,10 @@
           <a:bodyPr/>
           <a:lstStyle/>
           <a:p>
-            <a:pPr/>
-            <a:fld id="{86CB4B4D-7CA3-9044-876B-883B54F8677D}" type="slidenum"/>
+            <a:fld id="{86CB4B4D-7CA3-9044-876B-883B54F8677D}" type="slidenum">
+              <a:t>‹#›</a:t>
+            </a:fld>
+            <a:endParaRPr/>
           </a:p>
         </p:txBody>
       </p:sp>
@@ -893,12 +932,12 @@
   <p:clrMapOvr>
     <a:masterClrMapping/>
   </p:clrMapOvr>
-  <p:transition xmlns:p14="http://schemas.microsoft.com/office/powerpoint/2010/main" spd="med" advClick="1"/>
+  <p:transition spd="med"/>
 </p:sldLayout>
 </file>
 
 <file path=ppt/slideLayouts/slideLayout12.xml><?xml version="1.0" encoding="utf-8"?>
-<p:sldLayout xmlns:a="http://schemas.openxmlformats.org/drawingml/2006/main" xmlns:r="http://schemas.openxmlformats.org/officeDocument/2006/relationships" xmlns:p="http://schemas.openxmlformats.org/presentationml/2006/main" xmlns:m="http://schemas.openxmlformats.org/officeDocument/2006/math" xmlns:a14="http://schemas.microsoft.com/office/drawing/2010/main" type="tx" showMasterSp="1" showMasterPhAnim="1">
+<p:sldLayout xmlns:a="http://schemas.openxmlformats.org/drawingml/2006/main" xmlns:r="http://schemas.openxmlformats.org/officeDocument/2006/relationships" xmlns:p="http://schemas.openxmlformats.org/presentationml/2006/main" type="tx">
   <p:cSld name="Blank">
     <p:spTree>
       <p:nvGrpSpPr>
@@ -917,7 +956,9 @@
       <p:sp>
         <p:nvSpPr>
           <p:cNvPr id="110" name="Slide Number"/>
-          <p:cNvSpPr txBox="1"/>
+          <p:cNvSpPr txBox="1">
+            <a:spLocks noGrp="1"/>
+          </p:cNvSpPr>
           <p:nvPr>
             <p:ph type="sldNum" sz="quarter" idx="2"/>
           </p:nvPr>
@@ -931,8 +972,10 @@
           <a:bodyPr/>
           <a:lstStyle/>
           <a:p>
-            <a:pPr/>
-            <a:fld id="{86CB4B4D-7CA3-9044-876B-883B54F8677D}" type="slidenum"/>
+            <a:fld id="{86CB4B4D-7CA3-9044-876B-883B54F8677D}" type="slidenum">
+              <a:t>‹#›</a:t>
+            </a:fld>
+            <a:endParaRPr/>
           </a:p>
         </p:txBody>
       </p:sp>
@@ -941,12 +984,12 @@
   <p:clrMapOvr>
     <a:masterClrMapping/>
   </p:clrMapOvr>
-  <p:transition xmlns:p14="http://schemas.microsoft.com/office/powerpoint/2010/main" spd="med" advClick="1"/>
+  <p:transition spd="med"/>
 </p:sldLayout>
 </file>
 
 <file path=ppt/slideLayouts/slideLayout13.xml><?xml version="1.0" encoding="utf-8"?>
-<p:sldLayout xmlns:a="http://schemas.openxmlformats.org/drawingml/2006/main" xmlns:r="http://schemas.openxmlformats.org/officeDocument/2006/relationships" xmlns:p="http://schemas.openxmlformats.org/presentationml/2006/main" xmlns:m="http://schemas.openxmlformats.org/officeDocument/2006/math" xmlns:a14="http://schemas.microsoft.com/office/drawing/2010/main" type="tx" showMasterSp="1" showMasterPhAnim="1">
+<p:sldLayout xmlns:a="http://schemas.openxmlformats.org/drawingml/2006/main" xmlns:r="http://schemas.openxmlformats.org/officeDocument/2006/relationships" xmlns:p="http://schemas.openxmlformats.org/presentationml/2006/main" type="tx">
   <p:cSld name="Title Only">
     <p:spTree>
       <p:nvGrpSpPr>
@@ -965,7 +1008,9 @@
       <p:sp>
         <p:nvSpPr>
           <p:cNvPr id="117" name="Slide Title"/>
-          <p:cNvSpPr txBox="1"/>
+          <p:cNvSpPr txBox="1">
+            <a:spLocks noGrp="1"/>
+          </p:cNvSpPr>
           <p:nvPr>
             <p:ph type="title" hasCustomPrompt="1"/>
           </p:nvPr>
@@ -986,7 +1031,7 @@
               <a:lnSpc>
                 <a:spcPct val="80000"/>
               </a:lnSpc>
-              <a:defRPr b="1" spc="-170" sz="8500">
+              <a:defRPr sz="8500" b="1" spc="-170">
                 <a:latin typeface="Helvetica Neue"/>
                 <a:ea typeface="Helvetica Neue"/>
                 <a:cs typeface="Helvetica Neue"/>
@@ -995,7 +1040,6 @@
             </a:lvl1pPr>
           </a:lstStyle>
           <a:p>
-            <a:pPr/>
             <a:r>
               <a:t>Slide Title</a:t>
             </a:r>
@@ -1005,7 +1049,9 @@
       <p:sp>
         <p:nvSpPr>
           <p:cNvPr id="118" name="Slide Subtitle"/>
-          <p:cNvSpPr txBox="1"/>
+          <p:cNvSpPr txBox="1">
+            <a:spLocks noGrp="1"/>
+          </p:cNvSpPr>
           <p:nvPr>
             <p:ph type="body" sz="quarter" idx="21" hasCustomPrompt="1"/>
           </p:nvPr>
@@ -1028,11 +1074,10 @@
               </a:spcBef>
               <a:buSzTx/>
               <a:buNone/>
-              <a:defRPr b="1" sz="5500"/>
+              <a:defRPr sz="5500" b="1"/>
             </a:lvl1pPr>
           </a:lstStyle>
           <a:p>
-            <a:pPr/>
             <a:r>
               <a:t>Slide Subtitle</a:t>
             </a:r>
@@ -1042,7 +1087,9 @@
       <p:sp>
         <p:nvSpPr>
           <p:cNvPr id="119" name="Slide Number"/>
-          <p:cNvSpPr txBox="1"/>
+          <p:cNvSpPr txBox="1">
+            <a:spLocks noGrp="1"/>
+          </p:cNvSpPr>
           <p:nvPr>
             <p:ph type="sldNum" sz="quarter" idx="2"/>
           </p:nvPr>
@@ -1069,8 +1116,10 @@
             </a:lvl1pPr>
           </a:lstStyle>
           <a:p>
-            <a:pPr/>
-            <a:fld id="{86CB4B4D-7CA3-9044-876B-883B54F8677D}" type="slidenum"/>
+            <a:fld id="{86CB4B4D-7CA3-9044-876B-883B54F8677D}" type="slidenum">
+              <a:t>‹#›</a:t>
+            </a:fld>
+            <a:endParaRPr/>
           </a:p>
         </p:txBody>
       </p:sp>
@@ -1079,12 +1128,12 @@
   <p:clrMapOvr>
     <a:masterClrMapping/>
   </p:clrMapOvr>
-  <p:transition xmlns:p14="http://schemas.microsoft.com/office/powerpoint/2010/main" spd="med" advClick="1"/>
+  <p:transition spd="med"/>
 </p:sldLayout>
 </file>
 
 <file path=ppt/slideLayouts/slideLayout2.xml><?xml version="1.0" encoding="utf-8"?>
-<p:sldLayout xmlns:a="http://schemas.openxmlformats.org/drawingml/2006/main" xmlns:r="http://schemas.openxmlformats.org/officeDocument/2006/relationships" xmlns:p="http://schemas.openxmlformats.org/presentationml/2006/main" xmlns:m="http://schemas.openxmlformats.org/officeDocument/2006/math" xmlns:a14="http://schemas.microsoft.com/office/drawing/2010/main" type="tx" showMasterSp="1" showMasterPhAnim="1">
+<p:sldLayout xmlns:a="http://schemas.openxmlformats.org/drawingml/2006/main" xmlns:r="http://schemas.openxmlformats.org/officeDocument/2006/relationships" xmlns:p="http://schemas.openxmlformats.org/presentationml/2006/main" type="tx">
   <p:cSld name="Photo - Horizontal">
     <p:spTree>
       <p:nvGrpSpPr>
@@ -1103,7 +1152,9 @@
       <p:sp>
         <p:nvSpPr>
           <p:cNvPr id="20" name="View of beach and sea from a grassy sand dune"/>
-          <p:cNvSpPr/>
+          <p:cNvSpPr>
+            <a:spLocks noGrp="1"/>
+          </p:cNvSpPr>
           <p:nvPr>
             <p:ph type="pic" idx="21"/>
           </p:nvPr>
@@ -1123,14 +1174,16 @@
           </a:bodyPr>
           <a:lstStyle/>
           <a:p>
-            <a:pPr/>
+            <a:endParaRPr/>
           </a:p>
         </p:txBody>
       </p:sp>
       <p:sp>
         <p:nvSpPr>
           <p:cNvPr id="21" name="Title Text"/>
-          <p:cNvSpPr txBox="1"/>
+          <p:cNvSpPr txBox="1">
+            <a:spLocks noGrp="1"/>
+          </p:cNvSpPr>
           <p:nvPr>
             <p:ph type="title"/>
           </p:nvPr>
@@ -1148,7 +1201,6 @@
           <a:bodyPr anchor="b"/>
           <a:lstStyle/>
           <a:p>
-            <a:pPr/>
             <a:r>
               <a:t>Title Text</a:t>
             </a:r>
@@ -1158,7 +1210,9 @@
       <p:sp>
         <p:nvSpPr>
           <p:cNvPr id="22" name="Body Level One…"/>
-          <p:cNvSpPr txBox="1"/>
+          <p:cNvSpPr txBox="1">
+            <a:spLocks noGrp="1"/>
+          </p:cNvSpPr>
           <p:nvPr>
             <p:ph type="body" sz="quarter" idx="1"/>
           </p:nvPr>
@@ -1217,7 +1271,6 @@
             </a:lvl5pPr>
           </a:lstStyle>
           <a:p>
-            <a:pPr/>
             <a:r>
               <a:t>Body Level One</a:t>
             </a:r>
@@ -1251,7 +1304,9 @@
       <p:sp>
         <p:nvSpPr>
           <p:cNvPr id="23" name="Slide Number"/>
-          <p:cNvSpPr txBox="1"/>
+          <p:cNvSpPr txBox="1">
+            <a:spLocks noGrp="1"/>
+          </p:cNvSpPr>
           <p:nvPr>
             <p:ph type="sldNum" sz="quarter" idx="2"/>
           </p:nvPr>
@@ -1265,8 +1320,10 @@
           <a:bodyPr/>
           <a:lstStyle/>
           <a:p>
-            <a:pPr/>
-            <a:fld id="{86CB4B4D-7CA3-9044-876B-883B54F8677D}" type="slidenum"/>
+            <a:fld id="{86CB4B4D-7CA3-9044-876B-883B54F8677D}" type="slidenum">
+              <a:t>‹#›</a:t>
+            </a:fld>
+            <a:endParaRPr/>
           </a:p>
         </p:txBody>
       </p:sp>
@@ -1275,12 +1332,12 @@
   <p:clrMapOvr>
     <a:masterClrMapping/>
   </p:clrMapOvr>
-  <p:transition xmlns:p14="http://schemas.microsoft.com/office/powerpoint/2010/main" spd="med" advClick="1"/>
+  <p:transition spd="med"/>
 </p:sldLayout>
 </file>
 
 <file path=ppt/slideLayouts/slideLayout3.xml><?xml version="1.0" encoding="utf-8"?>
-<p:sldLayout xmlns:a="http://schemas.openxmlformats.org/drawingml/2006/main" xmlns:r="http://schemas.openxmlformats.org/officeDocument/2006/relationships" xmlns:p="http://schemas.openxmlformats.org/presentationml/2006/main" xmlns:m="http://schemas.openxmlformats.org/officeDocument/2006/math" xmlns:a14="http://schemas.microsoft.com/office/drawing/2010/main" type="tx" showMasterSp="1" showMasterPhAnim="1">
+<p:sldLayout xmlns:a="http://schemas.openxmlformats.org/drawingml/2006/main" xmlns:r="http://schemas.openxmlformats.org/officeDocument/2006/relationships" xmlns:p="http://schemas.openxmlformats.org/presentationml/2006/main" type="tx">
   <p:cSld name="Title - Centre">
     <p:spTree>
       <p:nvGrpSpPr>
@@ -1299,7 +1356,9 @@
       <p:sp>
         <p:nvSpPr>
           <p:cNvPr id="30" name="Title Text"/>
-          <p:cNvSpPr txBox="1"/>
+          <p:cNvSpPr txBox="1">
+            <a:spLocks noGrp="1"/>
+          </p:cNvSpPr>
           <p:nvPr>
             <p:ph type="title"/>
           </p:nvPr>
@@ -1317,7 +1376,6 @@
           <a:bodyPr/>
           <a:lstStyle/>
           <a:p>
-            <a:pPr/>
             <a:r>
               <a:t>Title Text</a:t>
             </a:r>
@@ -1327,7 +1385,9 @@
       <p:sp>
         <p:nvSpPr>
           <p:cNvPr id="31" name="Slide Number"/>
-          <p:cNvSpPr txBox="1"/>
+          <p:cNvSpPr txBox="1">
+            <a:spLocks noGrp="1"/>
+          </p:cNvSpPr>
           <p:nvPr>
             <p:ph type="sldNum" sz="quarter" idx="2"/>
           </p:nvPr>
@@ -1341,8 +1401,10 @@
           <a:bodyPr/>
           <a:lstStyle/>
           <a:p>
-            <a:pPr/>
-            <a:fld id="{86CB4B4D-7CA3-9044-876B-883B54F8677D}" type="slidenum"/>
+            <a:fld id="{86CB4B4D-7CA3-9044-876B-883B54F8677D}" type="slidenum">
+              <a:t>‹#›</a:t>
+            </a:fld>
+            <a:endParaRPr/>
           </a:p>
         </p:txBody>
       </p:sp>
@@ -1351,12 +1413,12 @@
   <p:clrMapOvr>
     <a:masterClrMapping/>
   </p:clrMapOvr>
-  <p:transition xmlns:p14="http://schemas.microsoft.com/office/powerpoint/2010/main" spd="med" advClick="1"/>
+  <p:transition spd="med"/>
 </p:sldLayout>
 </file>
 
 <file path=ppt/slideLayouts/slideLayout4.xml><?xml version="1.0" encoding="utf-8"?>
-<p:sldLayout xmlns:a="http://schemas.openxmlformats.org/drawingml/2006/main" xmlns:r="http://schemas.openxmlformats.org/officeDocument/2006/relationships" xmlns:p="http://schemas.openxmlformats.org/presentationml/2006/main" xmlns:m="http://schemas.openxmlformats.org/officeDocument/2006/math" xmlns:a14="http://schemas.microsoft.com/office/drawing/2010/main" type="tx" showMasterSp="1" showMasterPhAnim="1">
+<p:sldLayout xmlns:a="http://schemas.openxmlformats.org/drawingml/2006/main" xmlns:r="http://schemas.openxmlformats.org/officeDocument/2006/relationships" xmlns:p="http://schemas.openxmlformats.org/presentationml/2006/main" type="tx">
   <p:cSld name="Photo - Vertical">
     <p:spTree>
       <p:nvGrpSpPr>
@@ -1375,7 +1437,9 @@
       <p:sp>
         <p:nvSpPr>
           <p:cNvPr id="38" name="Heron flying low over a beach with a short fence in the foreground"/>
-          <p:cNvSpPr/>
+          <p:cNvSpPr>
+            <a:spLocks noGrp="1"/>
+          </p:cNvSpPr>
           <p:nvPr>
             <p:ph type="pic" sz="half" idx="21"/>
           </p:nvPr>
@@ -1395,14 +1459,16 @@
           </a:bodyPr>
           <a:lstStyle/>
           <a:p>
-            <a:pPr/>
+            <a:endParaRPr/>
           </a:p>
         </p:txBody>
       </p:sp>
       <p:sp>
         <p:nvSpPr>
           <p:cNvPr id="39" name="Title Text"/>
-          <p:cNvSpPr txBox="1"/>
+          <p:cNvSpPr txBox="1">
+            <a:spLocks noGrp="1"/>
+          </p:cNvSpPr>
           <p:nvPr>
             <p:ph type="title"/>
           </p:nvPr>
@@ -1424,7 +1490,6 @@
             </a:lvl1pPr>
           </a:lstStyle>
           <a:p>
-            <a:pPr/>
             <a:r>
               <a:t>Title Text</a:t>
             </a:r>
@@ -1434,7 +1499,9 @@
       <p:sp>
         <p:nvSpPr>
           <p:cNvPr id="40" name="Body Level One…"/>
-          <p:cNvSpPr txBox="1"/>
+          <p:cNvSpPr txBox="1">
+            <a:spLocks noGrp="1"/>
+          </p:cNvSpPr>
           <p:nvPr>
             <p:ph type="body" sz="quarter" idx="1"/>
           </p:nvPr>
@@ -1493,7 +1560,6 @@
             </a:lvl5pPr>
           </a:lstStyle>
           <a:p>
-            <a:pPr/>
             <a:r>
               <a:t>Body Level One</a:t>
             </a:r>
@@ -1527,7 +1593,9 @@
       <p:sp>
         <p:nvSpPr>
           <p:cNvPr id="41" name="Slide Number"/>
-          <p:cNvSpPr txBox="1"/>
+          <p:cNvSpPr txBox="1">
+            <a:spLocks noGrp="1"/>
+          </p:cNvSpPr>
           <p:nvPr>
             <p:ph type="sldNum" sz="quarter" idx="2"/>
           </p:nvPr>
@@ -1541,8 +1609,10 @@
           <a:bodyPr/>
           <a:lstStyle/>
           <a:p>
-            <a:pPr/>
-            <a:fld id="{86CB4B4D-7CA3-9044-876B-883B54F8677D}" type="slidenum"/>
+            <a:fld id="{86CB4B4D-7CA3-9044-876B-883B54F8677D}" type="slidenum">
+              <a:t>‹#›</a:t>
+            </a:fld>
+            <a:endParaRPr/>
           </a:p>
         </p:txBody>
       </p:sp>
@@ -1551,12 +1621,12 @@
   <p:clrMapOvr>
     <a:masterClrMapping/>
   </p:clrMapOvr>
-  <p:transition xmlns:p14="http://schemas.microsoft.com/office/powerpoint/2010/main" spd="med" advClick="1"/>
+  <p:transition spd="med"/>
 </p:sldLayout>
 </file>
 
 <file path=ppt/slideLayouts/slideLayout5.xml><?xml version="1.0" encoding="utf-8"?>
-<p:sldLayout xmlns:a="http://schemas.openxmlformats.org/drawingml/2006/main" xmlns:r="http://schemas.openxmlformats.org/officeDocument/2006/relationships" xmlns:p="http://schemas.openxmlformats.org/presentationml/2006/main" xmlns:m="http://schemas.openxmlformats.org/officeDocument/2006/math" xmlns:a14="http://schemas.microsoft.com/office/drawing/2010/main" type="tx" showMasterSp="1" showMasterPhAnim="1">
+<p:sldLayout xmlns:a="http://schemas.openxmlformats.org/drawingml/2006/main" xmlns:r="http://schemas.openxmlformats.org/officeDocument/2006/relationships" xmlns:p="http://schemas.openxmlformats.org/presentationml/2006/main" type="tx">
   <p:cSld name="Title - Top">
     <p:spTree>
       <p:nvGrpSpPr>
@@ -1575,7 +1645,9 @@
       <p:sp>
         <p:nvSpPr>
           <p:cNvPr id="48" name="Title Text"/>
-          <p:cNvSpPr txBox="1"/>
+          <p:cNvSpPr txBox="1">
+            <a:spLocks noGrp="1"/>
+          </p:cNvSpPr>
           <p:nvPr>
             <p:ph type="title"/>
           </p:nvPr>
@@ -1589,7 +1661,6 @@
           <a:bodyPr/>
           <a:lstStyle/>
           <a:p>
-            <a:pPr/>
             <a:r>
               <a:t>Title Text</a:t>
             </a:r>
@@ -1599,7 +1670,9 @@
       <p:sp>
         <p:nvSpPr>
           <p:cNvPr id="49" name="Slide Number"/>
-          <p:cNvSpPr txBox="1"/>
+          <p:cNvSpPr txBox="1">
+            <a:spLocks noGrp="1"/>
+          </p:cNvSpPr>
           <p:nvPr>
             <p:ph type="sldNum" sz="quarter" idx="2"/>
           </p:nvPr>
@@ -1613,8 +1686,10 @@
           <a:bodyPr/>
           <a:lstStyle/>
           <a:p>
-            <a:pPr/>
-            <a:fld id="{86CB4B4D-7CA3-9044-876B-883B54F8677D}" type="slidenum"/>
+            <a:fld id="{86CB4B4D-7CA3-9044-876B-883B54F8677D}" type="slidenum">
+              <a:t>‹#›</a:t>
+            </a:fld>
+            <a:endParaRPr/>
           </a:p>
         </p:txBody>
       </p:sp>
@@ -1623,12 +1698,12 @@
   <p:clrMapOvr>
     <a:masterClrMapping/>
   </p:clrMapOvr>
-  <p:transition xmlns:p14="http://schemas.microsoft.com/office/powerpoint/2010/main" spd="med" advClick="1"/>
+  <p:transition spd="med"/>
 </p:sldLayout>
 </file>
 
 <file path=ppt/slideLayouts/slideLayout6.xml><?xml version="1.0" encoding="utf-8"?>
-<p:sldLayout xmlns:a="http://schemas.openxmlformats.org/drawingml/2006/main" xmlns:r="http://schemas.openxmlformats.org/officeDocument/2006/relationships" xmlns:p="http://schemas.openxmlformats.org/presentationml/2006/main" xmlns:m="http://schemas.openxmlformats.org/officeDocument/2006/math" xmlns:a14="http://schemas.microsoft.com/office/drawing/2010/main" type="tx" showMasterSp="1" showMasterPhAnim="1">
+<p:sldLayout xmlns:a="http://schemas.openxmlformats.org/drawingml/2006/main" xmlns:r="http://schemas.openxmlformats.org/officeDocument/2006/relationships" xmlns:p="http://schemas.openxmlformats.org/presentationml/2006/main" type="tx">
   <p:cSld name="Title &amp; Bullets">
     <p:spTree>
       <p:nvGrpSpPr>
@@ -1647,7 +1722,9 @@
       <p:sp>
         <p:nvSpPr>
           <p:cNvPr id="56" name="Title Text"/>
-          <p:cNvSpPr txBox="1"/>
+          <p:cNvSpPr txBox="1">
+            <a:spLocks noGrp="1"/>
+          </p:cNvSpPr>
           <p:nvPr>
             <p:ph type="title"/>
           </p:nvPr>
@@ -1661,7 +1738,6 @@
           <a:bodyPr/>
           <a:lstStyle/>
           <a:p>
-            <a:pPr/>
             <a:r>
               <a:t>Title Text</a:t>
             </a:r>
@@ -1671,7 +1747,9 @@
       <p:sp>
         <p:nvSpPr>
           <p:cNvPr id="57" name="Body Level One…"/>
-          <p:cNvSpPr txBox="1"/>
+          <p:cNvSpPr txBox="1">
+            <a:spLocks noGrp="1"/>
+          </p:cNvSpPr>
           <p:nvPr>
             <p:ph type="body" idx="1"/>
           </p:nvPr>
@@ -1701,7 +1779,6 @@
             </a:lvl5pPr>
           </a:lstStyle>
           <a:p>
-            <a:pPr/>
             <a:r>
               <a:t>Body Level One</a:t>
             </a:r>
@@ -1735,7 +1812,9 @@
       <p:sp>
         <p:nvSpPr>
           <p:cNvPr id="58" name="Slide Number"/>
-          <p:cNvSpPr txBox="1"/>
+          <p:cNvSpPr txBox="1">
+            <a:spLocks noGrp="1"/>
+          </p:cNvSpPr>
           <p:nvPr>
             <p:ph type="sldNum" sz="quarter" idx="2"/>
           </p:nvPr>
@@ -1749,8 +1828,10 @@
           <a:bodyPr/>
           <a:lstStyle/>
           <a:p>
-            <a:pPr/>
-            <a:fld id="{86CB4B4D-7CA3-9044-876B-883B54F8677D}" type="slidenum"/>
+            <a:fld id="{86CB4B4D-7CA3-9044-876B-883B54F8677D}" type="slidenum">
+              <a:t>‹#›</a:t>
+            </a:fld>
+            <a:endParaRPr/>
           </a:p>
         </p:txBody>
       </p:sp>
@@ -1759,12 +1840,12 @@
   <p:clrMapOvr>
     <a:masterClrMapping/>
   </p:clrMapOvr>
-  <p:transition xmlns:p14="http://schemas.microsoft.com/office/powerpoint/2010/main" spd="med" advClick="1"/>
+  <p:transition spd="med"/>
 </p:sldLayout>
 </file>
 
 <file path=ppt/slideLayouts/slideLayout7.xml><?xml version="1.0" encoding="utf-8"?>
-<p:sldLayout xmlns:a="http://schemas.openxmlformats.org/drawingml/2006/main" xmlns:r="http://schemas.openxmlformats.org/officeDocument/2006/relationships" xmlns:p="http://schemas.openxmlformats.org/presentationml/2006/main" xmlns:m="http://schemas.openxmlformats.org/officeDocument/2006/math" xmlns:a14="http://schemas.microsoft.com/office/drawing/2010/main" type="tx" showMasterSp="1" showMasterPhAnim="1">
+<p:sldLayout xmlns:a="http://schemas.openxmlformats.org/drawingml/2006/main" xmlns:r="http://schemas.openxmlformats.org/officeDocument/2006/relationships" xmlns:p="http://schemas.openxmlformats.org/presentationml/2006/main" type="tx">
   <p:cSld name="Title, Bullets &amp; Photo">
     <p:spTree>
       <p:nvGrpSpPr>
@@ -1783,7 +1864,9 @@
       <p:sp>
         <p:nvSpPr>
           <p:cNvPr id="65" name="Sandy path between two hills leading to the ocean"/>
-          <p:cNvSpPr/>
+          <p:cNvSpPr>
+            <a:spLocks noGrp="1"/>
+          </p:cNvSpPr>
           <p:nvPr>
             <p:ph type="pic" sz="half" idx="21"/>
           </p:nvPr>
@@ -1803,14 +1886,16 @@
           </a:bodyPr>
           <a:lstStyle/>
           <a:p>
-            <a:pPr/>
+            <a:endParaRPr/>
           </a:p>
         </p:txBody>
       </p:sp>
       <p:sp>
         <p:nvSpPr>
           <p:cNvPr id="66" name="Title Text"/>
-          <p:cNvSpPr txBox="1"/>
+          <p:cNvSpPr txBox="1">
+            <a:spLocks noGrp="1"/>
+          </p:cNvSpPr>
           <p:nvPr>
             <p:ph type="title"/>
           </p:nvPr>
@@ -1824,7 +1909,6 @@
           <a:bodyPr/>
           <a:lstStyle/>
           <a:p>
-            <a:pPr/>
             <a:r>
               <a:t>Title Text</a:t>
             </a:r>
@@ -1834,7 +1918,9 @@
       <p:sp>
         <p:nvSpPr>
           <p:cNvPr id="67" name="Body Level One…"/>
-          <p:cNvSpPr txBox="1"/>
+          <p:cNvSpPr txBox="1">
+            <a:spLocks noGrp="1"/>
+          </p:cNvSpPr>
           <p:nvPr>
             <p:ph type="body" sz="half" idx="1"/>
           </p:nvPr>
@@ -1883,7 +1969,6 @@
             </a:lvl5pPr>
           </a:lstStyle>
           <a:p>
-            <a:pPr/>
             <a:r>
               <a:t>Body Level One</a:t>
             </a:r>
@@ -1917,7 +2002,9 @@
       <p:sp>
         <p:nvSpPr>
           <p:cNvPr id="68" name="Slide Number"/>
-          <p:cNvSpPr txBox="1"/>
+          <p:cNvSpPr txBox="1">
+            <a:spLocks noGrp="1"/>
+          </p:cNvSpPr>
           <p:nvPr>
             <p:ph type="sldNum" sz="quarter" idx="2"/>
           </p:nvPr>
@@ -1931,8 +2018,10 @@
           <a:bodyPr/>
           <a:lstStyle/>
           <a:p>
-            <a:pPr/>
-            <a:fld id="{86CB4B4D-7CA3-9044-876B-883B54F8677D}" type="slidenum"/>
+            <a:fld id="{86CB4B4D-7CA3-9044-876B-883B54F8677D}" type="slidenum">
+              <a:t>‹#›</a:t>
+            </a:fld>
+            <a:endParaRPr/>
           </a:p>
         </p:txBody>
       </p:sp>
@@ -1941,12 +2030,12 @@
   <p:clrMapOvr>
     <a:masterClrMapping/>
   </p:clrMapOvr>
-  <p:transition xmlns:p14="http://schemas.microsoft.com/office/powerpoint/2010/main" spd="med" advClick="1"/>
+  <p:transition spd="med"/>
 </p:sldLayout>
 </file>
 
 <file path=ppt/slideLayouts/slideLayout8.xml><?xml version="1.0" encoding="utf-8"?>
-<p:sldLayout xmlns:a="http://schemas.openxmlformats.org/drawingml/2006/main" xmlns:r="http://schemas.openxmlformats.org/officeDocument/2006/relationships" xmlns:p="http://schemas.openxmlformats.org/presentationml/2006/main" xmlns:m="http://schemas.openxmlformats.org/officeDocument/2006/math" xmlns:a14="http://schemas.microsoft.com/office/drawing/2010/main" type="tx" showMasterSp="1" showMasterPhAnim="1">
+<p:sldLayout xmlns:a="http://schemas.openxmlformats.org/drawingml/2006/main" xmlns:r="http://schemas.openxmlformats.org/officeDocument/2006/relationships" xmlns:p="http://schemas.openxmlformats.org/presentationml/2006/main" type="tx">
   <p:cSld name="Bullets">
     <p:spTree>
       <p:nvGrpSpPr>
@@ -1965,7 +2054,9 @@
       <p:sp>
         <p:nvSpPr>
           <p:cNvPr id="75" name="Body Level One…"/>
-          <p:cNvSpPr txBox="1"/>
+          <p:cNvSpPr txBox="1">
+            <a:spLocks noGrp="1"/>
+          </p:cNvSpPr>
           <p:nvPr>
             <p:ph type="body" idx="1"/>
           </p:nvPr>
@@ -1999,7 +2090,6 @@
             </a:lvl5pPr>
           </a:lstStyle>
           <a:p>
-            <a:pPr/>
             <a:r>
               <a:t>Body Level One</a:t>
             </a:r>
@@ -2033,7 +2123,9 @@
       <p:sp>
         <p:nvSpPr>
           <p:cNvPr id="76" name="Slide Number"/>
-          <p:cNvSpPr txBox="1"/>
+          <p:cNvSpPr txBox="1">
+            <a:spLocks noGrp="1"/>
+          </p:cNvSpPr>
           <p:nvPr>
             <p:ph type="sldNum" sz="quarter" idx="2"/>
           </p:nvPr>
@@ -2047,8 +2139,10 @@
           <a:bodyPr/>
           <a:lstStyle/>
           <a:p>
-            <a:pPr/>
-            <a:fld id="{86CB4B4D-7CA3-9044-876B-883B54F8677D}" type="slidenum"/>
+            <a:fld id="{86CB4B4D-7CA3-9044-876B-883B54F8677D}" type="slidenum">
+              <a:t>‹#›</a:t>
+            </a:fld>
+            <a:endParaRPr/>
           </a:p>
         </p:txBody>
       </p:sp>
@@ -2057,12 +2151,12 @@
   <p:clrMapOvr>
     <a:masterClrMapping/>
   </p:clrMapOvr>
-  <p:transition xmlns:p14="http://schemas.microsoft.com/office/powerpoint/2010/main" spd="med" advClick="1"/>
+  <p:transition spd="med"/>
 </p:sldLayout>
 </file>
 
 <file path=ppt/slideLayouts/slideLayout9.xml><?xml version="1.0" encoding="utf-8"?>
-<p:sldLayout xmlns:a="http://schemas.openxmlformats.org/drawingml/2006/main" xmlns:r="http://schemas.openxmlformats.org/officeDocument/2006/relationships" xmlns:p="http://schemas.openxmlformats.org/presentationml/2006/main" xmlns:m="http://schemas.openxmlformats.org/officeDocument/2006/math" xmlns:a14="http://schemas.microsoft.com/office/drawing/2010/main" type="tx" showMasterSp="1" showMasterPhAnim="1">
+<p:sldLayout xmlns:a="http://schemas.openxmlformats.org/drawingml/2006/main" xmlns:r="http://schemas.openxmlformats.org/officeDocument/2006/relationships" xmlns:p="http://schemas.openxmlformats.org/presentationml/2006/main" type="tx">
   <p:cSld name="Photo - 3 Up">
     <p:spTree>
       <p:nvGrpSpPr>
@@ -2081,7 +2175,9 @@
       <p:sp>
         <p:nvSpPr>
           <p:cNvPr id="83" name="Sandy path between two hills leading to the ocean"/>
-          <p:cNvSpPr/>
+          <p:cNvSpPr>
+            <a:spLocks noGrp="1"/>
+          </p:cNvSpPr>
           <p:nvPr>
             <p:ph type="pic" sz="quarter" idx="21"/>
           </p:nvPr>
@@ -2101,14 +2197,16 @@
           </a:bodyPr>
           <a:lstStyle/>
           <a:p>
-            <a:pPr/>
+            <a:endParaRPr/>
           </a:p>
         </p:txBody>
       </p:sp>
       <p:sp>
         <p:nvSpPr>
           <p:cNvPr id="84" name="Heron flying low over a beach with a short fence in the foreground"/>
-          <p:cNvSpPr/>
+          <p:cNvSpPr>
+            <a:spLocks noGrp="1"/>
+          </p:cNvSpPr>
           <p:nvPr>
             <p:ph type="pic" sz="quarter" idx="22"/>
           </p:nvPr>
@@ -2128,14 +2226,16 @@
           </a:bodyPr>
           <a:lstStyle/>
           <a:p>
-            <a:pPr/>
+            <a:endParaRPr/>
           </a:p>
         </p:txBody>
       </p:sp>
       <p:sp>
         <p:nvSpPr>
           <p:cNvPr id="85" name="View of beach and sea from a grassy sand dune"/>
-          <p:cNvSpPr/>
+          <p:cNvSpPr>
+            <a:spLocks noGrp="1"/>
+          </p:cNvSpPr>
           <p:nvPr>
             <p:ph type="pic" idx="23"/>
           </p:nvPr>
@@ -2155,14 +2255,16 @@
           </a:bodyPr>
           <a:lstStyle/>
           <a:p>
-            <a:pPr/>
+            <a:endParaRPr/>
           </a:p>
         </p:txBody>
       </p:sp>
       <p:sp>
         <p:nvSpPr>
           <p:cNvPr id="86" name="Slide Number"/>
-          <p:cNvSpPr txBox="1"/>
+          <p:cNvSpPr txBox="1">
+            <a:spLocks noGrp="1"/>
+          </p:cNvSpPr>
           <p:nvPr>
             <p:ph type="sldNum" sz="quarter" idx="2"/>
           </p:nvPr>
@@ -2176,8 +2278,10 @@
           <a:bodyPr/>
           <a:lstStyle/>
           <a:p>
-            <a:pPr/>
-            <a:fld id="{86CB4B4D-7CA3-9044-876B-883B54F8677D}" type="slidenum"/>
+            <a:fld id="{86CB4B4D-7CA3-9044-876B-883B54F8677D}" type="slidenum">
+              <a:t>‹#›</a:t>
+            </a:fld>
+            <a:endParaRPr/>
           </a:p>
         </p:txBody>
       </p:sp>
@@ -2186,18 +2290,19 @@
   <p:clrMapOvr>
     <a:masterClrMapping/>
   </p:clrMapOvr>
-  <p:transition xmlns:p14="http://schemas.microsoft.com/office/powerpoint/2010/main" spd="med" advClick="1"/>
+  <p:transition spd="med"/>
 </p:sldLayout>
 </file>
 
 <file path=ppt/slideMasters/slideMaster1.xml><?xml version="1.0" encoding="utf-8"?>
-<p:sldMaster xmlns:a="http://schemas.openxmlformats.org/drawingml/2006/main" xmlns:r="http://schemas.openxmlformats.org/officeDocument/2006/relationships" xmlns:p="http://schemas.openxmlformats.org/presentationml/2006/main" xmlns:m="http://schemas.openxmlformats.org/officeDocument/2006/math" xmlns:a14="http://schemas.microsoft.com/office/drawing/2010/main">
+<p:sldMaster xmlns:a="http://schemas.openxmlformats.org/drawingml/2006/main" xmlns:r="http://schemas.openxmlformats.org/officeDocument/2006/relationships" xmlns:p="http://schemas.openxmlformats.org/presentationml/2006/main">
   <p:cSld>
     <p:bg>
       <p:bgPr>
         <a:solidFill>
           <a:srgbClr val="FFFFFF"/>
         </a:solidFill>
+        <a:effectLst/>
       </p:bgPr>
     </p:bg>
     <p:spTree>
@@ -2217,7 +2322,9 @@
       <p:sp>
         <p:nvSpPr>
           <p:cNvPr id="2" name="Title Text"/>
-          <p:cNvSpPr txBox="1"/>
+          <p:cNvSpPr txBox="1">
+            <a:spLocks noGrp="1"/>
+          </p:cNvSpPr>
           <p:nvPr>
             <p:ph type="title"/>
           </p:nvPr>
@@ -2235,17 +2342,16 @@
           </a:ln>
           <a:extLst>
             <a:ext uri="{C572A759-6A51-4108-AA02-DFA0A04FC94B}">
-              <ma14:wrappingTextBoxFlag xmlns:ma14="http://schemas.microsoft.com/office/mac/drawingml/2011/main" val="1"/>
+              <ma14:wrappingTextBoxFlag xmlns:ma14="http://schemas.microsoft.com/office/mac/drawingml/2011/main" xmlns:a14="http://schemas.microsoft.com/office/drawing/2010/main" xmlns:m="http://schemas.openxmlformats.org/officeDocument/2006/math" xmlns="" val="1"/>
             </a:ext>
           </a:extLst>
         </p:spPr>
         <p:txBody>
           <a:bodyPr lIns="50800" tIns="50800" rIns="50800" bIns="50800" anchor="ctr">
-            <a:normAutofit fontScale="100000" lnSpcReduction="0"/>
+            <a:normAutofit/>
           </a:bodyPr>
           <a:lstStyle/>
           <a:p>
-            <a:pPr/>
             <a:r>
               <a:t>Title Text</a:t>
             </a:r>
@@ -2255,7 +2361,9 @@
       <p:sp>
         <p:nvSpPr>
           <p:cNvPr id="3" name="Body Level One…"/>
-          <p:cNvSpPr txBox="1"/>
+          <p:cNvSpPr txBox="1">
+            <a:spLocks noGrp="1"/>
+          </p:cNvSpPr>
           <p:nvPr>
             <p:ph type="body" idx="1"/>
           </p:nvPr>
@@ -2273,17 +2381,16 @@
           </a:ln>
           <a:extLst>
             <a:ext uri="{C572A759-6A51-4108-AA02-DFA0A04FC94B}">
-              <ma14:wrappingTextBoxFlag xmlns:ma14="http://schemas.microsoft.com/office/mac/drawingml/2011/main" val="1"/>
+              <ma14:wrappingTextBoxFlag xmlns:ma14="http://schemas.microsoft.com/office/mac/drawingml/2011/main" xmlns:a14="http://schemas.microsoft.com/office/drawing/2010/main" xmlns:m="http://schemas.openxmlformats.org/officeDocument/2006/math" xmlns="" val="1"/>
             </a:ext>
           </a:extLst>
         </p:spPr>
         <p:txBody>
           <a:bodyPr lIns="50800" tIns="50800" rIns="50800" bIns="50800" anchor="ctr">
-            <a:normAutofit fontScale="100000" lnSpcReduction="0"/>
+            <a:normAutofit/>
           </a:bodyPr>
           <a:lstStyle/>
           <a:p>
-            <a:pPr/>
             <a:r>
               <a:t>Body Level One</a:t>
             </a:r>
@@ -2317,7 +2424,9 @@
       <p:sp>
         <p:nvSpPr>
           <p:cNvPr id="4" name="Slide Number"/>
-          <p:cNvSpPr txBox="1"/>
+          <p:cNvSpPr txBox="1">
+            <a:spLocks noGrp="1"/>
+          </p:cNvSpPr>
           <p:nvPr>
             <p:ph type="sldNum" sz="quarter" idx="2"/>
           </p:nvPr>
@@ -2340,7 +2449,7 @@
           </a:bodyPr>
           <a:lstStyle>
             <a:lvl1pPr>
-              <a:defRPr b="0" sz="2400">
+              <a:defRPr sz="2400" b="0">
                 <a:latin typeface="Helvetica Neue Light"/>
                 <a:ea typeface="Helvetica Neue Light"/>
                 <a:cs typeface="Helvetica Neue Light"/>
@@ -2349,8 +2458,10 @@
             </a:lvl1pPr>
           </a:lstStyle>
           <a:p>
-            <a:pPr/>
-            <a:fld id="{86CB4B4D-7CA3-9044-876B-883B54F8677D}" type="slidenum"/>
+            <a:fld id="{86CB4B4D-7CA3-9044-876B-883B54F8677D}" type="slidenum">
+              <a:t>‹#›</a:t>
+            </a:fld>
+            <a:endParaRPr/>
           </a:p>
         </p:txBody>
       </p:sp>
@@ -2358,21 +2469,21 @@
   </p:cSld>
   <p:clrMap bg1="lt1" tx1="dk1" bg2="lt2" tx2="dk2" accent1="accent1" accent2="accent2" accent3="accent3" accent4="accent4" accent5="accent5" accent6="accent6" hlink="hlink" folHlink="folHlink"/>
   <p:sldLayoutIdLst>
-    <p:sldLayoutId id="2147483649" r:id="rId2"/>
-    <p:sldLayoutId id="2147483650" r:id="rId3"/>
-    <p:sldLayoutId id="2147483651" r:id="rId4"/>
-    <p:sldLayoutId id="2147483652" r:id="rId5"/>
-    <p:sldLayoutId id="2147483653" r:id="rId6"/>
-    <p:sldLayoutId id="2147483654" r:id="rId7"/>
-    <p:sldLayoutId id="2147483655" r:id="rId8"/>
-    <p:sldLayoutId id="2147483656" r:id="rId9"/>
-    <p:sldLayoutId id="2147483657" r:id="rId10"/>
-    <p:sldLayoutId id="2147483658" r:id="rId11"/>
-    <p:sldLayoutId id="2147483659" r:id="rId12"/>
-    <p:sldLayoutId id="2147483660" r:id="rId13"/>
-    <p:sldLayoutId id="2147483661" r:id="rId14"/>
+    <p:sldLayoutId id="2147483649" r:id="rId1"/>
+    <p:sldLayoutId id="2147483650" r:id="rId2"/>
+    <p:sldLayoutId id="2147483651" r:id="rId3"/>
+    <p:sldLayoutId id="2147483652" r:id="rId4"/>
+    <p:sldLayoutId id="2147483653" r:id="rId5"/>
+    <p:sldLayoutId id="2147483654" r:id="rId6"/>
+    <p:sldLayoutId id="2147483655" r:id="rId7"/>
+    <p:sldLayoutId id="2147483656" r:id="rId8"/>
+    <p:sldLayoutId id="2147483657" r:id="rId9"/>
+    <p:sldLayoutId id="2147483658" r:id="rId10"/>
+    <p:sldLayoutId id="2147483659" r:id="rId11"/>
+    <p:sldLayoutId id="2147483660" r:id="rId12"/>
+    <p:sldLayoutId id="2147483661" r:id="rId13"/>
   </p:sldLayoutIdLst>
-  <p:transition xmlns:p14="http://schemas.microsoft.com/office/powerpoint/2010/main" spd="med" advClick="1"/>
+  <p:transition spd="med"/>
   <p:txStyles>
     <p:titleStyle>
       <a:lvl1pPr marL="0" marR="0" indent="0" algn="ctr" defTabSz="825500" rtl="0" latinLnBrk="0">
@@ -2390,7 +2501,7 @@
         <a:buFontTx/>
         <a:buNone/>
         <a:tabLst/>
-        <a:defRPr b="0" baseline="0" cap="none" i="0" spc="0" strike="noStrike" sz="11200" u="none">
+        <a:defRPr sz="11200" b="0" i="0" u="none" strike="noStrike" cap="none" spc="0" baseline="0">
           <a:solidFill>
             <a:srgbClr val="000000"/>
           </a:solidFill>
@@ -2416,7 +2527,7 @@
         <a:buFontTx/>
         <a:buNone/>
         <a:tabLst/>
-        <a:defRPr b="0" baseline="0" cap="none" i="0" spc="0" strike="noStrike" sz="11200" u="none">
+        <a:defRPr sz="11200" b="0" i="0" u="none" strike="noStrike" cap="none" spc="0" baseline="0">
           <a:solidFill>
             <a:srgbClr val="000000"/>
           </a:solidFill>
@@ -2442,7 +2553,7 @@
         <a:buFontTx/>
         <a:buNone/>
         <a:tabLst/>
-        <a:defRPr b="0" baseline="0" cap="none" i="0" spc="0" strike="noStrike" sz="11200" u="none">
+        <a:defRPr sz="11200" b="0" i="0" u="none" strike="noStrike" cap="none" spc="0" baseline="0">
           <a:solidFill>
             <a:srgbClr val="000000"/>
           </a:solidFill>
@@ -2468,7 +2579,7 @@
         <a:buFontTx/>
         <a:buNone/>
         <a:tabLst/>
-        <a:defRPr b="0" baseline="0" cap="none" i="0" spc="0" strike="noStrike" sz="11200" u="none">
+        <a:defRPr sz="11200" b="0" i="0" u="none" strike="noStrike" cap="none" spc="0" baseline="0">
           <a:solidFill>
             <a:srgbClr val="000000"/>
           </a:solidFill>
@@ -2494,7 +2605,7 @@
         <a:buFontTx/>
         <a:buNone/>
         <a:tabLst/>
-        <a:defRPr b="0" baseline="0" cap="none" i="0" spc="0" strike="noStrike" sz="11200" u="none">
+        <a:defRPr sz="11200" b="0" i="0" u="none" strike="noStrike" cap="none" spc="0" baseline="0">
           <a:solidFill>
             <a:srgbClr val="000000"/>
           </a:solidFill>
@@ -2520,7 +2631,7 @@
         <a:buFontTx/>
         <a:buNone/>
         <a:tabLst/>
-        <a:defRPr b="0" baseline="0" cap="none" i="0" spc="0" strike="noStrike" sz="11200" u="none">
+        <a:defRPr sz="11200" b="0" i="0" u="none" strike="noStrike" cap="none" spc="0" baseline="0">
           <a:solidFill>
             <a:srgbClr val="000000"/>
           </a:solidFill>
@@ -2546,7 +2657,7 @@
         <a:buFontTx/>
         <a:buNone/>
         <a:tabLst/>
-        <a:defRPr b="0" baseline="0" cap="none" i="0" spc="0" strike="noStrike" sz="11200" u="none">
+        <a:defRPr sz="11200" b="0" i="0" u="none" strike="noStrike" cap="none" spc="0" baseline="0">
           <a:solidFill>
             <a:srgbClr val="000000"/>
           </a:solidFill>
@@ -2572,7 +2683,7 @@
         <a:buFontTx/>
         <a:buNone/>
         <a:tabLst/>
-        <a:defRPr b="0" baseline="0" cap="none" i="0" spc="0" strike="noStrike" sz="11200" u="none">
+        <a:defRPr sz="11200" b="0" i="0" u="none" strike="noStrike" cap="none" spc="0" baseline="0">
           <a:solidFill>
             <a:srgbClr val="000000"/>
           </a:solidFill>
@@ -2598,7 +2709,7 @@
         <a:buFontTx/>
         <a:buNone/>
         <a:tabLst/>
-        <a:defRPr b="0" baseline="0" cap="none" i="0" spc="0" strike="noStrike" sz="11200" u="none">
+        <a:defRPr sz="11200" b="0" i="0" u="none" strike="noStrike" cap="none" spc="0" baseline="0">
           <a:solidFill>
             <a:srgbClr val="000000"/>
           </a:solidFill>
@@ -2626,7 +2737,7 @@
         <a:buFontTx/>
         <a:buChar char="•"/>
         <a:tabLst/>
-        <a:defRPr b="0" baseline="0" cap="none" i="0" spc="0" strike="noStrike" sz="5200" u="none">
+        <a:defRPr sz="5200" b="0" i="0" u="none" strike="noStrike" cap="none" spc="0" baseline="0">
           <a:solidFill>
             <a:srgbClr val="000000"/>
           </a:solidFill>
@@ -2652,7 +2763,7 @@
         <a:buFontTx/>
         <a:buChar char="•"/>
         <a:tabLst/>
-        <a:defRPr b="0" baseline="0" cap="none" i="0" spc="0" strike="noStrike" sz="5200" u="none">
+        <a:defRPr sz="5200" b="0" i="0" u="none" strike="noStrike" cap="none" spc="0" baseline="0">
           <a:solidFill>
             <a:srgbClr val="000000"/>
           </a:solidFill>
@@ -2678,7 +2789,7 @@
         <a:buFontTx/>
         <a:buChar char="•"/>
         <a:tabLst/>
-        <a:defRPr b="0" baseline="0" cap="none" i="0" spc="0" strike="noStrike" sz="5200" u="none">
+        <a:defRPr sz="5200" b="0" i="0" u="none" strike="noStrike" cap="none" spc="0" baseline="0">
           <a:solidFill>
             <a:srgbClr val="000000"/>
           </a:solidFill>
@@ -2704,7 +2815,7 @@
         <a:buFontTx/>
         <a:buChar char="•"/>
         <a:tabLst/>
-        <a:defRPr b="0" baseline="0" cap="none" i="0" spc="0" strike="noStrike" sz="5200" u="none">
+        <a:defRPr sz="5200" b="0" i="0" u="none" strike="noStrike" cap="none" spc="0" baseline="0">
           <a:solidFill>
             <a:srgbClr val="000000"/>
           </a:solidFill>
@@ -2730,7 +2841,7 @@
         <a:buFontTx/>
         <a:buChar char="•"/>
         <a:tabLst/>
-        <a:defRPr b="0" baseline="0" cap="none" i="0" spc="0" strike="noStrike" sz="5200" u="none">
+        <a:defRPr sz="5200" b="0" i="0" u="none" strike="noStrike" cap="none" spc="0" baseline="0">
           <a:solidFill>
             <a:srgbClr val="000000"/>
           </a:solidFill>
@@ -2756,7 +2867,7 @@
         <a:buFontTx/>
         <a:buChar char="•"/>
         <a:tabLst/>
-        <a:defRPr b="0" baseline="0" cap="none" i="0" spc="0" strike="noStrike" sz="5200" u="none">
+        <a:defRPr sz="5200" b="0" i="0" u="none" strike="noStrike" cap="none" spc="0" baseline="0">
           <a:solidFill>
             <a:srgbClr val="000000"/>
           </a:solidFill>
@@ -2782,7 +2893,7 @@
         <a:buFontTx/>
         <a:buChar char="•"/>
         <a:tabLst/>
-        <a:defRPr b="0" baseline="0" cap="none" i="0" spc="0" strike="noStrike" sz="5200" u="none">
+        <a:defRPr sz="5200" b="0" i="0" u="none" strike="noStrike" cap="none" spc="0" baseline="0">
           <a:solidFill>
             <a:srgbClr val="000000"/>
           </a:solidFill>
@@ -2808,7 +2919,7 @@
         <a:buFontTx/>
         <a:buChar char="•"/>
         <a:tabLst/>
-        <a:defRPr b="0" baseline="0" cap="none" i="0" spc="0" strike="noStrike" sz="5200" u="none">
+        <a:defRPr sz="5200" b="0" i="0" u="none" strike="noStrike" cap="none" spc="0" baseline="0">
           <a:solidFill>
             <a:srgbClr val="000000"/>
           </a:solidFill>
@@ -2834,7 +2945,7 @@
         <a:buFontTx/>
         <a:buChar char="•"/>
         <a:tabLst/>
-        <a:defRPr b="0" baseline="0" cap="none" i="0" spc="0" strike="noStrike" sz="5200" u="none">
+        <a:defRPr sz="5200" b="0" i="0" u="none" strike="noStrike" cap="none" spc="0" baseline="0">
           <a:solidFill>
             <a:srgbClr val="000000"/>
           </a:solidFill>
@@ -2862,7 +2973,7 @@
         <a:buFontTx/>
         <a:buNone/>
         <a:tabLst/>
-        <a:defRPr b="0" baseline="0" cap="none" i="0" spc="0" strike="noStrike" sz="2400" u="none">
+        <a:defRPr sz="2400" b="0" i="0" u="none" strike="noStrike" cap="none" spc="0" baseline="0">
           <a:solidFill>
             <a:schemeClr val="tx1"/>
           </a:solidFill>
@@ -2888,7 +2999,7 @@
         <a:buFontTx/>
         <a:buNone/>
         <a:tabLst/>
-        <a:defRPr b="0" baseline="0" cap="none" i="0" spc="0" strike="noStrike" sz="2400" u="none">
+        <a:defRPr sz="2400" b="0" i="0" u="none" strike="noStrike" cap="none" spc="0" baseline="0">
           <a:solidFill>
             <a:schemeClr val="tx1"/>
           </a:solidFill>
@@ -2914,7 +3025,7 @@
         <a:buFontTx/>
         <a:buNone/>
         <a:tabLst/>
-        <a:defRPr b="0" baseline="0" cap="none" i="0" spc="0" strike="noStrike" sz="2400" u="none">
+        <a:defRPr sz="2400" b="0" i="0" u="none" strike="noStrike" cap="none" spc="0" baseline="0">
           <a:solidFill>
             <a:schemeClr val="tx1"/>
           </a:solidFill>
@@ -2940,7 +3051,7 @@
         <a:buFontTx/>
         <a:buNone/>
         <a:tabLst/>
-        <a:defRPr b="0" baseline="0" cap="none" i="0" spc="0" strike="noStrike" sz="2400" u="none">
+        <a:defRPr sz="2400" b="0" i="0" u="none" strike="noStrike" cap="none" spc="0" baseline="0">
           <a:solidFill>
             <a:schemeClr val="tx1"/>
           </a:solidFill>
@@ -2966,7 +3077,7 @@
         <a:buFontTx/>
         <a:buNone/>
         <a:tabLst/>
-        <a:defRPr b="0" baseline="0" cap="none" i="0" spc="0" strike="noStrike" sz="2400" u="none">
+        <a:defRPr sz="2400" b="0" i="0" u="none" strike="noStrike" cap="none" spc="0" baseline="0">
           <a:solidFill>
             <a:schemeClr val="tx1"/>
           </a:solidFill>
@@ -2992,7 +3103,7 @@
         <a:buFontTx/>
         <a:buNone/>
         <a:tabLst/>
-        <a:defRPr b="0" baseline="0" cap="none" i="0" spc="0" strike="noStrike" sz="2400" u="none">
+        <a:defRPr sz="2400" b="0" i="0" u="none" strike="noStrike" cap="none" spc="0" baseline="0">
           <a:solidFill>
             <a:schemeClr val="tx1"/>
           </a:solidFill>
@@ -3018,7 +3129,7 @@
         <a:buFontTx/>
         <a:buNone/>
         <a:tabLst/>
-        <a:defRPr b="0" baseline="0" cap="none" i="0" spc="0" strike="noStrike" sz="2400" u="none">
+        <a:defRPr sz="2400" b="0" i="0" u="none" strike="noStrike" cap="none" spc="0" baseline="0">
           <a:solidFill>
             <a:schemeClr val="tx1"/>
           </a:solidFill>
@@ -3044,7 +3155,7 @@
         <a:buFontTx/>
         <a:buNone/>
         <a:tabLst/>
-        <a:defRPr b="0" baseline="0" cap="none" i="0" spc="0" strike="noStrike" sz="2400" u="none">
+        <a:defRPr sz="2400" b="0" i="0" u="none" strike="noStrike" cap="none" spc="0" baseline="0">
           <a:solidFill>
             <a:schemeClr val="tx1"/>
           </a:solidFill>
@@ -3070,7 +3181,7 @@
         <a:buFontTx/>
         <a:buNone/>
         <a:tabLst/>
-        <a:defRPr b="0" baseline="0" cap="none" i="0" spc="0" strike="noStrike" sz="2400" u="none">
+        <a:defRPr sz="2400" b="0" i="0" u="none" strike="noStrike" cap="none" spc="0" baseline="0">
           <a:solidFill>
             <a:schemeClr val="tx1"/>
           </a:solidFill>
@@ -3087,7 +3198,7 @@
 </file>
 
 <file path=ppt/slides/slide1.xml><?xml version="1.0" encoding="utf-8"?>
-<p:sld xmlns:a="http://schemas.openxmlformats.org/drawingml/2006/main" xmlns:r="http://schemas.openxmlformats.org/officeDocument/2006/relationships" xmlns:p="http://schemas.openxmlformats.org/presentationml/2006/main" xmlns:m="http://schemas.openxmlformats.org/officeDocument/2006/math" xmlns:a14="http://schemas.microsoft.com/office/drawing/2010/main" showMasterSp="1" showMasterPhAnim="1">
+<p:sld xmlns:a="http://schemas.openxmlformats.org/drawingml/2006/main" xmlns:r="http://schemas.openxmlformats.org/officeDocument/2006/relationships" xmlns:p="http://schemas.openxmlformats.org/presentationml/2006/main">
   <p:cSld>
     <p:spTree>
       <p:nvGrpSpPr>
@@ -3106,7 +3217,9 @@
       <p:sp>
         <p:nvSpPr>
           <p:cNvPr id="128" name="Модели машинного обучения в Scikit-learn (Настройка модели, логистическая регрессия)"/>
-          <p:cNvSpPr txBox="1"/>
+          <p:cNvSpPr txBox="1">
+            <a:spLocks noGrp="1"/>
+          </p:cNvSpPr>
           <p:nvPr>
             <p:ph type="ctrTitle"/>
           </p:nvPr>
@@ -3141,7 +3254,9 @@
       <p:sp>
         <p:nvSpPr>
           <p:cNvPr id="129" name="Специалист по большим данным"/>
-          <p:cNvSpPr txBox="1"/>
+          <p:cNvSpPr txBox="1">
+            <a:spLocks noGrp="1"/>
+          </p:cNvSpPr>
           <p:nvPr>
             <p:ph type="subTitle" sz="quarter" idx="1"/>
           </p:nvPr>
@@ -3155,7 +3270,6 @@
           <a:bodyPr/>
           <a:lstStyle/>
           <a:p>
-            <a:pPr/>
             <a:r>
               <a:t>Специалист по большим данным</a:t>
             </a:r>
@@ -3167,12 +3281,12 @@
   <p:clrMapOvr>
     <a:masterClrMapping/>
   </p:clrMapOvr>
-  <p:transition xmlns:p14="http://schemas.microsoft.com/office/powerpoint/2010/main" spd="med" advClick="1"/>
+  <p:transition spd="med"/>
 </p:sld>
 </file>
 
 <file path=ppt/slides/slide10.xml><?xml version="1.0" encoding="utf-8"?>
-<p:sld xmlns:a="http://schemas.openxmlformats.org/drawingml/2006/main" xmlns:r="http://schemas.openxmlformats.org/officeDocument/2006/relationships" xmlns:p="http://schemas.openxmlformats.org/presentationml/2006/main" xmlns:m="http://schemas.openxmlformats.org/officeDocument/2006/math" xmlns:a14="http://schemas.microsoft.com/office/drawing/2010/main" showMasterSp="1" showMasterPhAnim="1">
+<p:sld xmlns:a="http://schemas.openxmlformats.org/drawingml/2006/main" xmlns:r="http://schemas.openxmlformats.org/officeDocument/2006/relationships" xmlns:p="http://schemas.openxmlformats.org/presentationml/2006/main">
   <p:cSld>
     <p:spTree>
       <p:nvGrpSpPr>
@@ -3191,7 +3305,9 @@
       <p:sp>
         <p:nvSpPr>
           <p:cNvPr id="159" name="Матрица ошибок в sklearn"/>
-          <p:cNvSpPr txBox="1"/>
+          <p:cNvSpPr txBox="1">
+            <a:spLocks noGrp="1"/>
+          </p:cNvSpPr>
           <p:nvPr>
             <p:ph type="title"/>
           </p:nvPr>
@@ -3209,7 +3325,6 @@
           <a:bodyPr/>
           <a:lstStyle/>
           <a:p>
-            <a:pPr/>
             <a:r>
               <a:t>Матрица ошибок в sklearn </a:t>
             </a:r>
@@ -3219,7 +3334,9 @@
       <p:sp>
         <p:nvSpPr>
           <p:cNvPr id="160" name="from sklearn.metrics import classification_report, confusion_matrix…"/>
-          <p:cNvSpPr txBox="1"/>
+          <p:cNvSpPr txBox="1">
+            <a:spLocks noGrp="1"/>
+          </p:cNvSpPr>
           <p:nvPr>
             <p:ph type="body" idx="1"/>
           </p:nvPr>
@@ -3241,7 +3358,7 @@
             </a:solidFill>
           </a:ln>
           <a:effectLst>
-            <a:outerShdw sx="100000" sy="100000" kx="0" ky="0" algn="b" rotWithShape="0" blurRad="63500" dist="25400" dir="5400000">
+            <a:outerShdw blurRad="63500" dist="25400" dir="5400000" rotWithShape="0">
               <a:srgbClr val="000000">
                 <a:alpha val="50000"/>
               </a:srgbClr>
@@ -3388,9 +3505,7 @@
           <p:nvPr/>
         </p:nvPicPr>
         <p:blipFill>
-          <a:blip r:embed="rId2">
-            <a:extLst/>
-          </a:blip>
+          <a:blip r:embed="rId2"/>
           <a:stretch>
             <a:fillRect/>
           </a:stretch>
@@ -3413,12 +3528,12 @@
   <p:clrMapOvr>
     <a:masterClrMapping/>
   </p:clrMapOvr>
-  <p:transition xmlns:p14="http://schemas.microsoft.com/office/powerpoint/2010/main" spd="med" advClick="1"/>
+  <p:transition spd="med"/>
 </p:sld>
 </file>
 
 <file path=ppt/slides/slide11.xml><?xml version="1.0" encoding="utf-8"?>
-<p:sld xmlns:a="http://schemas.openxmlformats.org/drawingml/2006/main" xmlns:r="http://schemas.openxmlformats.org/officeDocument/2006/relationships" xmlns:p="http://schemas.openxmlformats.org/presentationml/2006/main" xmlns:m="http://schemas.openxmlformats.org/officeDocument/2006/math" xmlns:a14="http://schemas.microsoft.com/office/drawing/2010/main" showMasterSp="1" showMasterPhAnim="1">
+<p:sld xmlns:a="http://schemas.openxmlformats.org/drawingml/2006/main" xmlns:r="http://schemas.openxmlformats.org/officeDocument/2006/relationships" xmlns:p="http://schemas.openxmlformats.org/presentationml/2006/main">
   <p:cSld>
     <p:spTree>
       <p:nvGrpSpPr>
@@ -3437,7 +3552,9 @@
       <p:sp>
         <p:nvSpPr>
           <p:cNvPr id="163" name="print(classification_report(y_test, y_pred))"/>
-          <p:cNvSpPr txBox="1"/>
+          <p:cNvSpPr txBox="1">
+            <a:spLocks noGrp="1"/>
+          </p:cNvSpPr>
           <p:nvPr>
             <p:ph type="body" sz="quarter" idx="1"/>
           </p:nvPr>
@@ -3459,7 +3576,7 @@
             </a:solidFill>
           </a:ln>
           <a:effectLst>
-            <a:outerShdw sx="100000" sy="100000" kx="0" ky="0" algn="b" rotWithShape="0" blurRad="63500" dist="25400" dir="5400000">
+            <a:outerShdw blurRad="63500" dist="25400" dir="5400000" rotWithShape="0">
               <a:srgbClr val="000000">
                 <a:alpha val="50000"/>
               </a:srgbClr>
@@ -3487,7 +3604,6 @@
             </a:lvl1pPr>
           </a:lstStyle>
           <a:p>
-            <a:pPr/>
             <a:r>
               <a:t>print(classification_report(y_test, y_pred))</a:t>
             </a:r>
@@ -3497,7 +3613,9 @@
       <p:sp>
         <p:nvSpPr>
           <p:cNvPr id="164" name="Отчет о классификации в sklearn"/>
-          <p:cNvSpPr txBox="1"/>
+          <p:cNvSpPr txBox="1">
+            <a:spLocks noGrp="1"/>
+          </p:cNvSpPr>
           <p:nvPr>
             <p:ph type="title"/>
           </p:nvPr>
@@ -3515,7 +3633,6 @@
           <a:bodyPr/>
           <a:lstStyle/>
           <a:p>
-            <a:pPr/>
             <a:r>
               <a:t>Отчет о классификации в sklearn </a:t>
             </a:r>
@@ -3531,9 +3648,7 @@
           <p:nvPr/>
         </p:nvPicPr>
         <p:blipFill>
-          <a:blip r:embed="rId2">
-            <a:extLst/>
-          </a:blip>
+          <a:blip r:embed="rId2"/>
           <a:stretch>
             <a:fillRect/>
           </a:stretch>
@@ -3556,12 +3671,12 @@
   <p:clrMapOvr>
     <a:masterClrMapping/>
   </p:clrMapOvr>
-  <p:transition xmlns:p14="http://schemas.microsoft.com/office/powerpoint/2010/main" spd="med" advClick="1"/>
+  <p:transition spd="med"/>
 </p:sld>
 </file>
 
 <file path=ppt/slides/slide12.xml><?xml version="1.0" encoding="utf-8"?>
-<p:sld xmlns:a="http://schemas.openxmlformats.org/drawingml/2006/main" xmlns:r="http://schemas.openxmlformats.org/officeDocument/2006/relationships" xmlns:p="http://schemas.openxmlformats.org/presentationml/2006/main" xmlns:m="http://schemas.openxmlformats.org/officeDocument/2006/math" xmlns:a14="http://schemas.microsoft.com/office/drawing/2010/main" showMasterSp="1" showMasterPhAnim="1">
+<p:sld xmlns:a="http://schemas.openxmlformats.org/drawingml/2006/main" xmlns:r="http://schemas.openxmlformats.org/officeDocument/2006/relationships" xmlns:p="http://schemas.openxmlformats.org/presentationml/2006/main">
   <p:cSld>
     <p:spTree>
       <p:nvGrpSpPr>
@@ -3580,7 +3695,9 @@
       <p:sp>
         <p:nvSpPr>
           <p:cNvPr id="167" name="Логистическая регрессия и ROC-кривая"/>
-          <p:cNvSpPr txBox="1"/>
+          <p:cNvSpPr txBox="1">
+            <a:spLocks noGrp="1"/>
+          </p:cNvSpPr>
           <p:nvPr>
             <p:ph type="title"/>
           </p:nvPr>
@@ -3594,7 +3711,6 @@
           <a:bodyPr/>
           <a:lstStyle/>
           <a:p>
-            <a:pPr/>
             <a:r>
               <a:t>Логистическая регрессия и ROC-кривая</a:t>
             </a:r>
@@ -3606,12 +3722,12 @@
   <p:clrMapOvr>
     <a:masterClrMapping/>
   </p:clrMapOvr>
-  <p:transition xmlns:p14="http://schemas.microsoft.com/office/powerpoint/2010/main" spd="med" advClick="1"/>
+  <p:transition spd="med"/>
 </p:sld>
 </file>
 
 <file path=ppt/slides/slide13.xml><?xml version="1.0" encoding="utf-8"?>
-<p:sld xmlns:a="http://schemas.openxmlformats.org/drawingml/2006/main" xmlns:r="http://schemas.openxmlformats.org/officeDocument/2006/relationships" xmlns:p="http://schemas.openxmlformats.org/presentationml/2006/main" xmlns:m="http://schemas.openxmlformats.org/officeDocument/2006/math" xmlns:a14="http://schemas.microsoft.com/office/drawing/2010/main" showMasterSp="1" showMasterPhAnim="1">
+<p:sld xmlns:a="http://schemas.openxmlformats.org/drawingml/2006/main" xmlns:r="http://schemas.openxmlformats.org/officeDocument/2006/relationships" xmlns:p="http://schemas.openxmlformats.org/presentationml/2006/main">
   <p:cSld>
     <p:spTree>
       <p:nvGrpSpPr>
@@ -3646,17 +3762,17 @@
           </a:ln>
           <a:extLst>
             <a:ext uri="{C572A759-6A51-4108-AA02-DFA0A04FC94B}">
-              <ma14:wrappingTextBoxFlag xmlns:ma14="http://schemas.microsoft.com/office/mac/drawingml/2011/main" val="1"/>
+              <ma14:wrappingTextBoxFlag xmlns:ma14="http://schemas.microsoft.com/office/mac/drawingml/2011/main" xmlns:a14="http://schemas.microsoft.com/office/drawing/2010/main" xmlns:m="http://schemas.openxmlformats.org/officeDocument/2006/math" xmlns="" val="1"/>
             </a:ext>
           </a:extLst>
         </p:spPr>
         <p:txBody>
           <a:bodyPr lIns="50800" tIns="50800" rIns="50800" bIns="50800" anchor="ctr">
-            <a:normAutofit fontScale="100000" lnSpcReduction="0"/>
+            <a:normAutofit/>
           </a:bodyPr>
           <a:lstStyle>
             <a:lvl1pPr defTabSz="520065">
-              <a:defRPr b="0" sz="7056">
+              <a:defRPr sz="7056" b="0">
                 <a:latin typeface="+mn-lt"/>
                 <a:ea typeface="+mn-ea"/>
                 <a:cs typeface="+mn-cs"/>
@@ -3665,7 +3781,6 @@
             </a:lvl1pPr>
           </a:lstStyle>
           <a:p>
-            <a:pPr/>
             <a:r>
               <a:t>Логистическая регрессия для бинарной классификации</a:t>
             </a:r>
@@ -3691,7 +3806,7 @@
           </a:ln>
           <a:extLst>
             <a:ext uri="{C572A759-6A51-4108-AA02-DFA0A04FC94B}">
-              <ma14:wrappingTextBoxFlag xmlns:ma14="http://schemas.microsoft.com/office/mac/drawingml/2011/main" val="1"/>
+              <ma14:wrappingTextBoxFlag xmlns:ma14="http://schemas.microsoft.com/office/mac/drawingml/2011/main" xmlns:a14="http://schemas.microsoft.com/office/drawing/2010/main" xmlns:m="http://schemas.openxmlformats.org/officeDocument/2006/math" xmlns="" val="1"/>
             </a:ext>
           </a:extLst>
         </p:spPr>
@@ -3702,7 +3817,7 @@
           <a:lstStyle/>
           <a:p>
             <a:pPr algn="l">
-              <a:defRPr b="0" sz="5700"/>
+              <a:defRPr sz="5700" b="0"/>
             </a:pPr>
             <a:r>
               <a:t>Логистическая регрессия используется для задач классификации</a:t>
@@ -3710,7 +3825,7 @@
           </a:p>
           <a:p>
             <a:pPr algn="l">
-              <a:defRPr b="0" sz="5700"/>
+              <a:defRPr sz="5700" b="0"/>
             </a:pPr>
             <a:r>
               <a:t>Вероятности вывода логистической регрессии</a:t>
@@ -3718,7 +3833,7 @@
           </a:p>
           <a:p>
             <a:pPr algn="l">
-              <a:defRPr b="0" sz="5700"/>
+              <a:defRPr sz="5700" b="0"/>
             </a:pPr>
             <a:r>
               <a:t>Если вероятность, p&gt; 0,5:</a:t>
@@ -3726,7 +3841,7 @@
           </a:p>
           <a:p>
             <a:pPr algn="l">
-              <a:defRPr b="0" sz="5700"/>
+              <a:defRPr sz="5700" b="0"/>
             </a:pPr>
             <a:r>
               <a:t>Данные помечены 1</a:t>
@@ -3734,7 +3849,7 @@
           </a:p>
           <a:p>
             <a:pPr algn="l">
-              <a:defRPr b="0" sz="5700"/>
+              <a:defRPr sz="5700" b="0"/>
             </a:pPr>
             <a:r>
               <a:t>Если вероятность, р &lt;0,5:</a:t>
@@ -3742,7 +3857,7 @@
           </a:p>
           <a:p>
             <a:pPr algn="l">
-              <a:defRPr b="0" sz="5700"/>
+              <a:defRPr sz="5700" b="0"/>
             </a:pPr>
             <a:r>
               <a:t>Данные помечены 0</a:t>
@@ -3755,12 +3870,12 @@
   <p:clrMapOvr>
     <a:masterClrMapping/>
   </p:clrMapOvr>
-  <p:transition xmlns:p14="http://schemas.microsoft.com/office/powerpoint/2010/main" spd="med" advClick="1"/>
+  <p:transition spd="med"/>
 </p:sld>
 </file>
 
 <file path=ppt/slides/slide14.xml><?xml version="1.0" encoding="utf-8"?>
-<p:sld xmlns:a="http://schemas.openxmlformats.org/drawingml/2006/main" xmlns:r="http://schemas.openxmlformats.org/officeDocument/2006/relationships" xmlns:p="http://schemas.openxmlformats.org/presentationml/2006/main" xmlns:m="http://schemas.openxmlformats.org/officeDocument/2006/math" xmlns:a14="http://schemas.microsoft.com/office/drawing/2010/main" showMasterSp="1" showMasterPhAnim="1">
+<p:sld xmlns:a="http://schemas.openxmlformats.org/drawingml/2006/main" xmlns:r="http://schemas.openxmlformats.org/officeDocument/2006/relationships" xmlns:p="http://schemas.openxmlformats.org/presentationml/2006/main">
   <p:cSld>
     <p:spTree>
       <p:nvGrpSpPr>
@@ -3795,17 +3910,17 @@
           </a:ln>
           <a:extLst>
             <a:ext uri="{C572A759-6A51-4108-AA02-DFA0A04FC94B}">
-              <ma14:wrappingTextBoxFlag xmlns:ma14="http://schemas.microsoft.com/office/mac/drawingml/2011/main" val="1"/>
+              <ma14:wrappingTextBoxFlag xmlns:ma14="http://schemas.microsoft.com/office/mac/drawingml/2011/main" xmlns:a14="http://schemas.microsoft.com/office/drawing/2010/main" xmlns:m="http://schemas.openxmlformats.org/officeDocument/2006/math" xmlns="" val="1"/>
             </a:ext>
           </a:extLst>
         </p:spPr>
         <p:txBody>
           <a:bodyPr lIns="50800" tIns="50800" rIns="50800" bIns="50800" anchor="ctr">
-            <a:normAutofit fontScale="100000" lnSpcReduction="0"/>
+            <a:normAutofit/>
           </a:bodyPr>
           <a:lstStyle>
             <a:lvl1pPr>
-              <a:defRPr b="0" sz="11200">
+              <a:defRPr sz="11200" b="0">
                 <a:latin typeface="+mn-lt"/>
                 <a:ea typeface="+mn-ea"/>
                 <a:cs typeface="+mn-cs"/>
@@ -3814,7 +3929,6 @@
             </a:lvl1pPr>
           </a:lstStyle>
           <a:p>
-            <a:pPr/>
             <a:r>
               <a:t>Линейная граница решения</a:t>
             </a:r>
@@ -3830,9 +3944,7 @@
           <p:nvPr/>
         </p:nvPicPr>
         <p:blipFill>
-          <a:blip r:embed="rId2">
-            <a:extLst/>
-          </a:blip>
+          <a:blip r:embed="rId2"/>
           <a:stretch>
             <a:fillRect/>
           </a:stretch>
@@ -3855,12 +3967,12 @@
   <p:clrMapOvr>
     <a:masterClrMapping/>
   </p:clrMapOvr>
-  <p:transition xmlns:p14="http://schemas.microsoft.com/office/powerpoint/2010/main" spd="med" advClick="1"/>
+  <p:transition spd="med"/>
 </p:sld>
 </file>
 
 <file path=ppt/slides/slide15.xml><?xml version="1.0" encoding="utf-8"?>
-<p:sld xmlns:a="http://schemas.openxmlformats.org/drawingml/2006/main" xmlns:r="http://schemas.openxmlformats.org/officeDocument/2006/relationships" xmlns:p="http://schemas.openxmlformats.org/presentationml/2006/main" xmlns:m="http://schemas.openxmlformats.org/officeDocument/2006/math" xmlns:a14="http://schemas.microsoft.com/office/drawing/2010/main" showMasterSp="1" showMasterPhAnim="1">
+<p:sld xmlns:a="http://schemas.openxmlformats.org/drawingml/2006/main" xmlns:r="http://schemas.openxmlformats.org/officeDocument/2006/relationships" xmlns:p="http://schemas.openxmlformats.org/presentationml/2006/main">
   <p:cSld>
     <p:spTree>
       <p:nvGrpSpPr>
@@ -3879,7 +3991,9 @@
       <p:sp>
         <p:nvSpPr>
           <p:cNvPr id="175" name="Логистическая регрессия в sklearn"/>
-          <p:cNvSpPr txBox="1"/>
+          <p:cNvSpPr txBox="1">
+            <a:spLocks noGrp="1"/>
+          </p:cNvSpPr>
           <p:nvPr>
             <p:ph type="title"/>
           </p:nvPr>
@@ -3901,7 +4015,6 @@
             </a:lvl1pPr>
           </a:lstStyle>
           <a:p>
-            <a:pPr/>
             <a:r>
               <a:t>Логистическая регрессия в sklearn </a:t>
             </a:r>
@@ -3911,7 +4024,9 @@
       <p:sp>
         <p:nvSpPr>
           <p:cNvPr id="176" name="from sklearn.linear_model import LogisticRegression…"/>
-          <p:cNvSpPr txBox="1"/>
+          <p:cNvSpPr txBox="1">
+            <a:spLocks noGrp="1"/>
+          </p:cNvSpPr>
           <p:nvPr>
             <p:ph type="body" idx="1"/>
           </p:nvPr>
@@ -3933,7 +4048,7 @@
             </a:solidFill>
           </a:ln>
           <a:effectLst>
-            <a:outerShdw sx="100000" sy="100000" kx="0" ky="0" algn="b" rotWithShape="0" blurRad="63500" dist="25400" dir="5400000">
+            <a:outerShdw blurRad="63500" dist="25400" dir="5400000" rotWithShape="0">
               <a:srgbClr val="000000">
                 <a:alpha val="50000"/>
               </a:srgbClr>
@@ -4055,12 +4170,12 @@
   <p:clrMapOvr>
     <a:masterClrMapping/>
   </p:clrMapOvr>
-  <p:transition xmlns:p14="http://schemas.microsoft.com/office/powerpoint/2010/main" spd="med" advClick="1"/>
+  <p:transition spd="med"/>
 </p:sld>
 </file>
 
 <file path=ppt/slides/slide16.xml><?xml version="1.0" encoding="utf-8"?>
-<p:sld xmlns:a="http://schemas.openxmlformats.org/drawingml/2006/main" xmlns:r="http://schemas.openxmlformats.org/officeDocument/2006/relationships" xmlns:p="http://schemas.openxmlformats.org/presentationml/2006/main" xmlns:m="http://schemas.openxmlformats.org/officeDocument/2006/math" xmlns:a14="http://schemas.microsoft.com/office/drawing/2010/main" showMasterSp="1" showMasterPhAnim="1">
+<p:sld xmlns:a="http://schemas.openxmlformats.org/drawingml/2006/main" xmlns:r="http://schemas.openxmlformats.org/officeDocument/2006/relationships" xmlns:p="http://schemas.openxmlformats.org/presentationml/2006/main">
   <p:cSld>
     <p:spTree>
       <p:nvGrpSpPr>
@@ -4079,7 +4194,9 @@
       <p:sp>
         <p:nvSpPr>
           <p:cNvPr id="178" name="Предсказание вероятностей"/>
-          <p:cNvSpPr txBox="1"/>
+          <p:cNvSpPr txBox="1">
+            <a:spLocks noGrp="1"/>
+          </p:cNvSpPr>
           <p:nvPr>
             <p:ph type="title"/>
           </p:nvPr>
@@ -4097,7 +4214,6 @@
           <a:bodyPr/>
           <a:lstStyle/>
           <a:p>
-            <a:pPr/>
             <a:r>
               <a:t>Предсказание вероятностей</a:t>
             </a:r>
@@ -4107,7 +4223,9 @@
       <p:sp>
         <p:nvSpPr>
           <p:cNvPr id="179" name="y_pred_probs = logreg.predict_proba(X_test)[:, 1]…"/>
-          <p:cNvSpPr txBox="1"/>
+          <p:cNvSpPr txBox="1">
+            <a:spLocks noGrp="1"/>
+          </p:cNvSpPr>
           <p:nvPr>
             <p:ph type="body" sz="quarter" idx="1"/>
           </p:nvPr>
@@ -4129,7 +4247,7 @@
             </a:solidFill>
           </a:ln>
           <a:effectLst>
-            <a:outerShdw sx="100000" sy="100000" kx="0" ky="0" algn="b" rotWithShape="0" blurRad="63500" dist="25400" dir="5400000">
+            <a:outerShdw blurRad="63500" dist="25400" dir="5400000" rotWithShape="0">
               <a:srgbClr val="000000">
                 <a:alpha val="50000"/>
               </a:srgbClr>
@@ -4192,9 +4310,7 @@
           <p:nvPr/>
         </p:nvPicPr>
         <p:blipFill>
-          <a:blip r:embed="rId2">
-            <a:extLst/>
-          </a:blip>
+          <a:blip r:embed="rId2"/>
           <a:stretch>
             <a:fillRect/>
           </a:stretch>
@@ -4217,12 +4333,12 @@
   <p:clrMapOvr>
     <a:masterClrMapping/>
   </p:clrMapOvr>
-  <p:transition xmlns:p14="http://schemas.microsoft.com/office/powerpoint/2010/main" spd="med" advClick="1"/>
+  <p:transition spd="med"/>
 </p:sld>
 </file>
 
 <file path=ppt/slides/slide17.xml><?xml version="1.0" encoding="utf-8"?>
-<p:sld xmlns:a="http://schemas.openxmlformats.org/drawingml/2006/main" xmlns:r="http://schemas.openxmlformats.org/officeDocument/2006/relationships" xmlns:p="http://schemas.openxmlformats.org/presentationml/2006/main" xmlns:m="http://schemas.openxmlformats.org/officeDocument/2006/math" xmlns:a14="http://schemas.microsoft.com/office/drawing/2010/main" showMasterSp="1" showMasterPhAnim="1">
+<p:sld xmlns:a="http://schemas.openxmlformats.org/drawingml/2006/main" xmlns:r="http://schemas.openxmlformats.org/officeDocument/2006/relationships" xmlns:p="http://schemas.openxmlformats.org/presentationml/2006/main">
   <p:cSld>
     <p:spTree>
       <p:nvGrpSpPr>
@@ -4257,17 +4373,17 @@
           </a:ln>
           <a:extLst>
             <a:ext uri="{C572A759-6A51-4108-AA02-DFA0A04FC94B}">
-              <ma14:wrappingTextBoxFlag xmlns:ma14="http://schemas.microsoft.com/office/mac/drawingml/2011/main" val="1"/>
+              <ma14:wrappingTextBoxFlag xmlns:ma14="http://schemas.microsoft.com/office/mac/drawingml/2011/main" xmlns:a14="http://schemas.microsoft.com/office/drawing/2010/main" xmlns:m="http://schemas.openxmlformats.org/officeDocument/2006/math" xmlns="" val="1"/>
             </a:ext>
           </a:extLst>
         </p:spPr>
         <p:txBody>
           <a:bodyPr lIns="50800" tIns="50800" rIns="50800" bIns="50800" anchor="ctr">
-            <a:normAutofit fontScale="100000" lnSpcReduction="0"/>
+            <a:normAutofit/>
           </a:bodyPr>
           <a:lstStyle>
             <a:lvl1pPr>
-              <a:defRPr b="0" sz="11200">
+              <a:defRPr sz="11200" b="0">
                 <a:latin typeface="+mn-lt"/>
                 <a:ea typeface="+mn-ea"/>
                 <a:cs typeface="+mn-cs"/>
@@ -4276,7 +4392,6 @@
             </a:lvl1pPr>
           </a:lstStyle>
           <a:p>
-            <a:pPr/>
             <a:r>
               <a:t>Пороги вероятности</a:t>
             </a:r>
@@ -4302,7 +4417,7 @@
           </a:ln>
           <a:extLst>
             <a:ext uri="{C572A759-6A51-4108-AA02-DFA0A04FC94B}">
-              <ma14:wrappingTextBoxFlag xmlns:ma14="http://schemas.microsoft.com/office/mac/drawingml/2011/main" val="1"/>
+              <ma14:wrappingTextBoxFlag xmlns:ma14="http://schemas.microsoft.com/office/mac/drawingml/2011/main" xmlns:a14="http://schemas.microsoft.com/office/drawing/2010/main" xmlns:m="http://schemas.openxmlformats.org/officeDocument/2006/math" xmlns="" val="1"/>
             </a:ext>
           </a:extLst>
         </p:spPr>
@@ -4313,7 +4428,7 @@
           <a:lstStyle/>
           <a:p>
             <a:pPr algn="l">
-              <a:defRPr b="0" sz="5700"/>
+              <a:defRPr sz="5700" b="0"/>
             </a:pPr>
             <a:r>
               <a:t>• По умолчанию порог логистической регрессии = 0,5</a:t>
@@ -4321,7 +4436,7 @@
           </a:p>
           <a:p>
             <a:pPr algn="l">
-              <a:defRPr b="0" sz="5700"/>
+              <a:defRPr sz="5700" b="0"/>
             </a:pPr>
             <a:r>
               <a:t>• Не специфично для логистической регрессии</a:t>
@@ -4329,7 +4444,7 @@
           </a:p>
           <a:p>
             <a:pPr algn="l">
-              <a:defRPr b="0" sz="5700"/>
+              <a:defRPr sz="5700" b="0"/>
             </a:pPr>
             <a:r>
               <a:t>• Классификаторы KNN также имеют пороги</a:t>
@@ -4337,7 +4452,7 @@
           </a:p>
           <a:p>
             <a:pPr algn="l">
-              <a:defRPr b="0" sz="5700"/>
+              <a:defRPr sz="5700" b="0"/>
             </a:pPr>
             <a:r>
               <a:t>• Что произойдет, если мы изменим порог?</a:t>
@@ -4350,12 +4465,12 @@
   <p:clrMapOvr>
     <a:masterClrMapping/>
   </p:clrMapOvr>
-  <p:transition xmlns:p14="http://schemas.microsoft.com/office/powerpoint/2010/main" spd="med" advClick="1"/>
+  <p:transition spd="med"/>
 </p:sld>
 </file>
 
 <file path=ppt/slides/slide18.xml><?xml version="1.0" encoding="utf-8"?>
-<p:sld xmlns:a="http://schemas.openxmlformats.org/drawingml/2006/main" xmlns:r="http://schemas.openxmlformats.org/officeDocument/2006/relationships" xmlns:p="http://schemas.openxmlformats.org/presentationml/2006/main" xmlns:m="http://schemas.openxmlformats.org/officeDocument/2006/math" xmlns:a14="http://schemas.microsoft.com/office/drawing/2010/main" showMasterSp="1" showMasterPhAnim="1">
+<p:sld xmlns:a="http://schemas.openxmlformats.org/drawingml/2006/main" xmlns:r="http://schemas.openxmlformats.org/officeDocument/2006/relationships" xmlns:p="http://schemas.openxmlformats.org/presentationml/2006/main">
   <p:cSld>
     <p:spTree>
       <p:nvGrpSpPr>
@@ -4390,17 +4505,17 @@
           </a:ln>
           <a:extLst>
             <a:ext uri="{C572A759-6A51-4108-AA02-DFA0A04FC94B}">
-              <ma14:wrappingTextBoxFlag xmlns:ma14="http://schemas.microsoft.com/office/mac/drawingml/2011/main" val="1"/>
+              <ma14:wrappingTextBoxFlag xmlns:ma14="http://schemas.microsoft.com/office/mac/drawingml/2011/main" xmlns:a14="http://schemas.microsoft.com/office/drawing/2010/main" xmlns:m="http://schemas.openxmlformats.org/officeDocument/2006/math" xmlns="" val="1"/>
             </a:ext>
           </a:extLst>
         </p:spPr>
         <p:txBody>
           <a:bodyPr lIns="50800" tIns="50800" rIns="50800" bIns="50800" anchor="ctr">
-            <a:normAutofit fontScale="100000" lnSpcReduction="0"/>
+            <a:normAutofit/>
           </a:bodyPr>
           <a:lstStyle>
             <a:lvl1pPr>
-              <a:defRPr b="0" sz="11200">
+              <a:defRPr sz="11200" b="0">
                 <a:latin typeface="+mn-lt"/>
                 <a:ea typeface="+mn-ea"/>
                 <a:cs typeface="+mn-cs"/>
@@ -4409,7 +4524,6 @@
             </a:lvl1pPr>
           </a:lstStyle>
           <a:p>
-            <a:pPr/>
             <a:r>
               <a:t>ROC-кривая</a:t>
             </a:r>
@@ -4425,9 +4539,7 @@
           <p:nvPr/>
         </p:nvPicPr>
         <p:blipFill>
-          <a:blip r:embed="rId2">
-            <a:extLst/>
-          </a:blip>
+          <a:blip r:embed="rId2"/>
           <a:stretch>
             <a:fillRect/>
           </a:stretch>
@@ -4450,12 +4562,12 @@
   <p:clrMapOvr>
     <a:masterClrMapping/>
   </p:clrMapOvr>
-  <p:transition xmlns:p14="http://schemas.microsoft.com/office/powerpoint/2010/main" spd="med" advClick="1"/>
+  <p:transition spd="med"/>
 </p:sld>
 </file>
 
 <file path=ppt/slides/slide19.xml><?xml version="1.0" encoding="utf-8"?>
-<p:sld xmlns:a="http://schemas.openxmlformats.org/drawingml/2006/main" xmlns:r="http://schemas.openxmlformats.org/officeDocument/2006/relationships" xmlns:p="http://schemas.openxmlformats.org/presentationml/2006/main" xmlns:m="http://schemas.openxmlformats.org/officeDocument/2006/math" xmlns:a14="http://schemas.microsoft.com/office/drawing/2010/main" showMasterSp="1" showMasterPhAnim="1">
+<p:sld xmlns:a="http://schemas.openxmlformats.org/drawingml/2006/main" xmlns:r="http://schemas.openxmlformats.org/officeDocument/2006/relationships" xmlns:p="http://schemas.openxmlformats.org/presentationml/2006/main">
   <p:cSld>
     <p:spTree>
       <p:nvGrpSpPr>
@@ -4490,17 +4602,17 @@
           </a:ln>
           <a:extLst>
             <a:ext uri="{C572A759-6A51-4108-AA02-DFA0A04FC94B}">
-              <ma14:wrappingTextBoxFlag xmlns:ma14="http://schemas.microsoft.com/office/mac/drawingml/2011/main" val="1"/>
+              <ma14:wrappingTextBoxFlag xmlns:ma14="http://schemas.microsoft.com/office/mac/drawingml/2011/main" xmlns:a14="http://schemas.microsoft.com/office/drawing/2010/main" xmlns:m="http://schemas.openxmlformats.org/officeDocument/2006/math" xmlns="" val="1"/>
             </a:ext>
           </a:extLst>
         </p:spPr>
         <p:txBody>
           <a:bodyPr lIns="50800" tIns="50800" rIns="50800" bIns="50800" anchor="ctr">
-            <a:normAutofit fontScale="100000" lnSpcReduction="0"/>
+            <a:normAutofit/>
           </a:bodyPr>
           <a:lstStyle>
             <a:lvl1pPr>
-              <a:defRPr b="0" sz="11200">
+              <a:defRPr sz="11200" b="0">
                 <a:latin typeface="+mn-lt"/>
                 <a:ea typeface="+mn-ea"/>
                 <a:cs typeface="+mn-cs"/>
@@ -4509,7 +4621,6 @@
             </a:lvl1pPr>
           </a:lstStyle>
           <a:p>
-            <a:pPr/>
             <a:r>
               <a:t>ROC-кривая</a:t>
             </a:r>
@@ -4525,9 +4636,7 @@
           <p:nvPr/>
         </p:nvPicPr>
         <p:blipFill>
-          <a:blip r:embed="rId2">
-            <a:extLst/>
-          </a:blip>
+          <a:blip r:embed="rId2"/>
           <a:stretch>
             <a:fillRect/>
           </a:stretch>
@@ -4550,12 +4659,12 @@
   <p:clrMapOvr>
     <a:masterClrMapping/>
   </p:clrMapOvr>
-  <p:transition xmlns:p14="http://schemas.microsoft.com/office/powerpoint/2010/main" spd="med" advClick="1"/>
+  <p:transition spd="med"/>
 </p:sld>
 </file>
 
 <file path=ppt/slides/slide2.xml><?xml version="1.0" encoding="utf-8"?>
-<p:sld xmlns:a="http://schemas.openxmlformats.org/drawingml/2006/main" xmlns:r="http://schemas.openxmlformats.org/officeDocument/2006/relationships" xmlns:p="http://schemas.openxmlformats.org/presentationml/2006/main" xmlns:m="http://schemas.openxmlformats.org/officeDocument/2006/math" xmlns:a14="http://schemas.microsoft.com/office/drawing/2010/main" showMasterSp="1" showMasterPhAnim="1">
+<p:sld xmlns:a="http://schemas.openxmlformats.org/drawingml/2006/main" xmlns:r="http://schemas.openxmlformats.org/officeDocument/2006/relationships" xmlns:p="http://schemas.openxmlformats.org/presentationml/2006/main">
   <p:cSld>
     <p:spTree>
       <p:nvGrpSpPr>
@@ -4574,7 +4683,9 @@
       <p:sp>
         <p:nvSpPr>
           <p:cNvPr id="131" name="Метрики модели"/>
-          <p:cNvSpPr txBox="1"/>
+          <p:cNvSpPr txBox="1">
+            <a:spLocks noGrp="1"/>
+          </p:cNvSpPr>
           <p:nvPr>
             <p:ph type="title"/>
           </p:nvPr>
@@ -4588,7 +4699,6 @@
           <a:bodyPr/>
           <a:lstStyle/>
           <a:p>
-            <a:pPr/>
             <a:r>
               <a:t>Метрики модели</a:t>
             </a:r>
@@ -4600,12 +4710,12 @@
   <p:clrMapOvr>
     <a:masterClrMapping/>
   </p:clrMapOvr>
-  <p:transition xmlns:p14="http://schemas.microsoft.com/office/powerpoint/2010/main" spd="med" advClick="1"/>
+  <p:transition spd="med"/>
 </p:sld>
 </file>
 
 <file path=ppt/slides/slide20.xml><?xml version="1.0" encoding="utf-8"?>
-<p:sld xmlns:a="http://schemas.openxmlformats.org/drawingml/2006/main" xmlns:r="http://schemas.openxmlformats.org/officeDocument/2006/relationships" xmlns:p="http://schemas.openxmlformats.org/presentationml/2006/main" xmlns:m="http://schemas.openxmlformats.org/officeDocument/2006/math" xmlns:a14="http://schemas.microsoft.com/office/drawing/2010/main" showMasterSp="1" showMasterPhAnim="1">
+<p:sld xmlns:a="http://schemas.openxmlformats.org/drawingml/2006/main" xmlns:r="http://schemas.openxmlformats.org/officeDocument/2006/relationships" xmlns:p="http://schemas.openxmlformats.org/presentationml/2006/main">
   <p:cSld>
     <p:spTree>
       <p:nvGrpSpPr>
@@ -4624,7 +4734,9 @@
       <p:sp>
         <p:nvSpPr>
           <p:cNvPr id="191" name="Построение ROC-кривой"/>
-          <p:cNvSpPr txBox="1"/>
+          <p:cNvSpPr txBox="1">
+            <a:spLocks noGrp="1"/>
+          </p:cNvSpPr>
           <p:nvPr>
             <p:ph type="title"/>
           </p:nvPr>
@@ -4642,7 +4754,6 @@
           <a:bodyPr/>
           <a:lstStyle/>
           <a:p>
-            <a:pPr/>
             <a:r>
               <a:t>Построение ROC-кривой</a:t>
             </a:r>
@@ -4652,7 +4763,9 @@
       <p:sp>
         <p:nvSpPr>
           <p:cNvPr id="192" name="from sklearn.metrics import roc_curve…"/>
-          <p:cNvSpPr txBox="1"/>
+          <p:cNvSpPr txBox="1">
+            <a:spLocks noGrp="1"/>
+          </p:cNvSpPr>
           <p:nvPr>
             <p:ph type="body" idx="1"/>
           </p:nvPr>
@@ -4674,7 +4787,7 @@
             </a:solidFill>
           </a:ln>
           <a:effectLst>
-            <a:outerShdw sx="100000" sy="100000" kx="0" ky="0" algn="b" rotWithShape="0" blurRad="63500" dist="25400" dir="5400000">
+            <a:outerShdw blurRad="63500" dist="25400" dir="5400000" rotWithShape="0">
               <a:srgbClr val="000000">
                 <a:alpha val="50000"/>
               </a:srgbClr>
@@ -4859,12 +4972,12 @@
   <p:clrMapOvr>
     <a:masterClrMapping/>
   </p:clrMapOvr>
-  <p:transition xmlns:p14="http://schemas.microsoft.com/office/powerpoint/2010/main" spd="med" advClick="1"/>
+  <p:transition spd="med"/>
 </p:sld>
 </file>
 
 <file path=ppt/slides/slide21.xml><?xml version="1.0" encoding="utf-8"?>
-<p:sld xmlns:a="http://schemas.openxmlformats.org/drawingml/2006/main" xmlns:r="http://schemas.openxmlformats.org/officeDocument/2006/relationships" xmlns:p="http://schemas.openxmlformats.org/presentationml/2006/main" xmlns:m="http://schemas.openxmlformats.org/officeDocument/2006/math" xmlns:a14="http://schemas.microsoft.com/office/drawing/2010/main" showMasterSp="1" showMasterPhAnim="1">
+<p:sld xmlns:a="http://schemas.openxmlformats.org/drawingml/2006/main" xmlns:r="http://schemas.openxmlformats.org/officeDocument/2006/relationships" xmlns:p="http://schemas.openxmlformats.org/presentationml/2006/main">
   <p:cSld>
     <p:spTree>
       <p:nvGrpSpPr>
@@ -4883,7 +4996,9 @@
       <p:sp>
         <p:nvSpPr>
           <p:cNvPr id="194" name="Построение ROC-кривой"/>
-          <p:cNvSpPr txBox="1"/>
+          <p:cNvSpPr txBox="1">
+            <a:spLocks noGrp="1"/>
+          </p:cNvSpPr>
           <p:nvPr>
             <p:ph type="title"/>
           </p:nvPr>
@@ -4901,7 +5016,6 @@
           <a:bodyPr/>
           <a:lstStyle/>
           <a:p>
-            <a:pPr/>
             <a:r>
               <a:t>Построение ROC-кривой</a:t>
             </a:r>
@@ -4917,9 +5031,7 @@
           <p:nvPr/>
         </p:nvPicPr>
         <p:blipFill>
-          <a:blip r:embed="rId2">
-            <a:extLst/>
-          </a:blip>
+          <a:blip r:embed="rId2"/>
           <a:stretch>
             <a:fillRect/>
           </a:stretch>
@@ -4942,12 +5054,12 @@
   <p:clrMapOvr>
     <a:masterClrMapping/>
   </p:clrMapOvr>
-  <p:transition xmlns:p14="http://schemas.microsoft.com/office/powerpoint/2010/main" spd="med" advClick="1"/>
+  <p:transition spd="med"/>
 </p:sld>
 </file>
 
 <file path=ppt/slides/slide22.xml><?xml version="1.0" encoding="utf-8"?>
-<p:sld xmlns:a="http://schemas.openxmlformats.org/drawingml/2006/main" xmlns:r="http://schemas.openxmlformats.org/officeDocument/2006/relationships" xmlns:p="http://schemas.openxmlformats.org/presentationml/2006/main" xmlns:m="http://schemas.openxmlformats.org/officeDocument/2006/math" xmlns:a14="http://schemas.microsoft.com/office/drawing/2010/main" showMasterSp="1" showMasterPhAnim="1">
+<p:sld xmlns:a="http://schemas.openxmlformats.org/drawingml/2006/main" xmlns:r="http://schemas.openxmlformats.org/officeDocument/2006/relationships" xmlns:p="http://schemas.openxmlformats.org/presentationml/2006/main">
   <p:cSld>
     <p:spTree>
       <p:nvGrpSpPr>
@@ -4966,7 +5078,9 @@
       <p:sp>
         <p:nvSpPr>
           <p:cNvPr id="197" name="ROC AUC в sklearn"/>
-          <p:cNvSpPr txBox="1"/>
+          <p:cNvSpPr txBox="1">
+            <a:spLocks noGrp="1"/>
+          </p:cNvSpPr>
           <p:nvPr>
             <p:ph type="title"/>
           </p:nvPr>
@@ -4984,7 +5098,6 @@
           <a:bodyPr/>
           <a:lstStyle/>
           <a:p>
-            <a:pPr/>
             <a:r>
               <a:t>ROC AUC в sklearn</a:t>
             </a:r>
@@ -4994,7 +5107,9 @@
       <p:sp>
         <p:nvSpPr>
           <p:cNvPr id="198" name="from sklearn.metrics import roc_auc_score…"/>
-          <p:cNvSpPr txBox="1"/>
+          <p:cNvSpPr txBox="1">
+            <a:spLocks noGrp="1"/>
+          </p:cNvSpPr>
           <p:nvPr>
             <p:ph type="body" sz="quarter" idx="1"/>
           </p:nvPr>
@@ -5016,7 +5131,7 @@
             </a:solidFill>
           </a:ln>
           <a:effectLst>
-            <a:outerShdw sx="100000" sy="100000" kx="0" ky="0" algn="b" rotWithShape="0" blurRad="63500" dist="25400" dir="5400000">
+            <a:outerShdw blurRad="63500" dist="25400" dir="5400000" rotWithShape="0">
               <a:srgbClr val="000000">
                 <a:alpha val="50000"/>
               </a:srgbClr>
@@ -5079,9 +5194,7 @@
           <p:nvPr/>
         </p:nvPicPr>
         <p:blipFill>
-          <a:blip r:embed="rId2">
-            <a:extLst/>
-          </a:blip>
+          <a:blip r:embed="rId2"/>
           <a:stretch>
             <a:fillRect/>
           </a:stretch>
@@ -5104,12 +5217,12 @@
   <p:clrMapOvr>
     <a:masterClrMapping/>
   </p:clrMapOvr>
-  <p:transition xmlns:p14="http://schemas.microsoft.com/office/powerpoint/2010/main" spd="med" advClick="1"/>
+  <p:transition spd="med"/>
 </p:sld>
 </file>
 
 <file path=ppt/slides/slide23.xml><?xml version="1.0" encoding="utf-8"?>
-<p:sld xmlns:a="http://schemas.openxmlformats.org/drawingml/2006/main" xmlns:r="http://schemas.openxmlformats.org/officeDocument/2006/relationships" xmlns:p="http://schemas.openxmlformats.org/presentationml/2006/main" xmlns:m="http://schemas.openxmlformats.org/officeDocument/2006/math" xmlns:a14="http://schemas.microsoft.com/office/drawing/2010/main" showMasterSp="1" showMasterPhAnim="1">
+<p:sld xmlns:a="http://schemas.openxmlformats.org/drawingml/2006/main" xmlns:r="http://schemas.openxmlformats.org/officeDocument/2006/relationships" xmlns:p="http://schemas.openxmlformats.org/presentationml/2006/main">
   <p:cSld>
     <p:spTree>
       <p:nvGrpSpPr>
@@ -5128,7 +5241,9 @@
       <p:sp>
         <p:nvSpPr>
           <p:cNvPr id="201" name="Настройка гиперпараметров"/>
-          <p:cNvSpPr txBox="1"/>
+          <p:cNvSpPr txBox="1">
+            <a:spLocks noGrp="1"/>
+          </p:cNvSpPr>
           <p:nvPr>
             <p:ph type="title"/>
           </p:nvPr>
@@ -5142,7 +5257,6 @@
           <a:bodyPr/>
           <a:lstStyle/>
           <a:p>
-            <a:pPr/>
             <a:r>
               <a:t>Настройка гиперпараметров</a:t>
             </a:r>
@@ -5154,12 +5268,12 @@
   <p:clrMapOvr>
     <a:masterClrMapping/>
   </p:clrMapOvr>
-  <p:transition xmlns:p14="http://schemas.microsoft.com/office/powerpoint/2010/main" spd="med" advClick="1"/>
+  <p:transition spd="med"/>
 </p:sld>
 </file>
 
 <file path=ppt/slides/slide24.xml><?xml version="1.0" encoding="utf-8"?>
-<p:sld xmlns:a="http://schemas.openxmlformats.org/drawingml/2006/main" xmlns:r="http://schemas.openxmlformats.org/officeDocument/2006/relationships" xmlns:p="http://schemas.openxmlformats.org/presentationml/2006/main" xmlns:m="http://schemas.openxmlformats.org/officeDocument/2006/math" xmlns:a14="http://schemas.microsoft.com/office/drawing/2010/main" showMasterSp="1" showMasterPhAnim="1">
+<p:sld xmlns:a="http://schemas.openxmlformats.org/drawingml/2006/main" xmlns:r="http://schemas.openxmlformats.org/officeDocument/2006/relationships" xmlns:p="http://schemas.openxmlformats.org/presentationml/2006/main">
   <p:cSld>
     <p:spTree>
       <p:nvGrpSpPr>
@@ -5194,17 +5308,17 @@
           </a:ln>
           <a:extLst>
             <a:ext uri="{C572A759-6A51-4108-AA02-DFA0A04FC94B}">
-              <ma14:wrappingTextBoxFlag xmlns:ma14="http://schemas.microsoft.com/office/mac/drawingml/2011/main" val="1"/>
+              <ma14:wrappingTextBoxFlag xmlns:ma14="http://schemas.microsoft.com/office/mac/drawingml/2011/main" xmlns:a14="http://schemas.microsoft.com/office/drawing/2010/main" xmlns:m="http://schemas.openxmlformats.org/officeDocument/2006/math" xmlns="" val="1"/>
             </a:ext>
           </a:extLst>
         </p:spPr>
         <p:txBody>
           <a:bodyPr lIns="50800" tIns="50800" rIns="50800" bIns="50800" anchor="ctr">
-            <a:normAutofit fontScale="100000" lnSpcReduction="0"/>
+            <a:normAutofit/>
           </a:bodyPr>
           <a:lstStyle>
             <a:lvl1pPr>
-              <a:defRPr b="0" sz="11200">
+              <a:defRPr sz="11200" b="0">
                 <a:latin typeface="+mn-lt"/>
                 <a:ea typeface="+mn-ea"/>
                 <a:cs typeface="+mn-cs"/>
@@ -5213,7 +5327,6 @@
             </a:lvl1pPr>
           </a:lstStyle>
           <a:p>
-            <a:pPr/>
             <a:r>
               <a:t>Настройка гиперпараметров</a:t>
             </a:r>
@@ -5239,7 +5352,7 @@
           </a:ln>
           <a:extLst>
             <a:ext uri="{C572A759-6A51-4108-AA02-DFA0A04FC94B}">
-              <ma14:wrappingTextBoxFlag xmlns:ma14="http://schemas.microsoft.com/office/mac/drawingml/2011/main" val="1"/>
+              <ma14:wrappingTextBoxFlag xmlns:ma14="http://schemas.microsoft.com/office/mac/drawingml/2011/main" xmlns:a14="http://schemas.microsoft.com/office/drawing/2010/main" xmlns:m="http://schemas.openxmlformats.org/officeDocument/2006/math" xmlns="" val="1"/>
             </a:ext>
           </a:extLst>
         </p:spPr>
@@ -5250,7 +5363,7 @@
           <a:lstStyle/>
           <a:p>
             <a:pPr algn="l">
-              <a:defRPr b="0" sz="5700"/>
+              <a:defRPr sz="5700" b="0"/>
             </a:pPr>
             <a:r>
               <a:t>• Регрессия Ridge/lasso: выбор альфа</a:t>
@@ -5258,7 +5371,7 @@
           </a:p>
           <a:p>
             <a:pPr algn="l">
-              <a:defRPr b="0" sz="5700"/>
+              <a:defRPr sz="5700" b="0"/>
             </a:pPr>
             <a:r>
               <a:t>• KNN: выбор n_neighbors</a:t>
@@ -5266,7 +5379,7 @@
           </a:p>
           <a:p>
             <a:pPr algn="l">
-              <a:defRPr b="0" sz="5700"/>
+              <a:defRPr sz="5700" b="0"/>
             </a:pPr>
             <a:r>
               <a:t>• Гиперпараметры: параметры, которые мы указываем перед установкой модели</a:t>
@@ -5274,7 +5387,7 @@
           </a:p>
           <a:p>
             <a:pPr algn="l">
-              <a:defRPr b="0" sz="5700"/>
+              <a:defRPr sz="5700" b="0"/>
             </a:pPr>
             <a:r>
               <a:t>• Как альфа и n_neighbors</a:t>
@@ -5287,12 +5400,12 @@
   <p:clrMapOvr>
     <a:masterClrMapping/>
   </p:clrMapOvr>
-  <p:transition xmlns:p14="http://schemas.microsoft.com/office/powerpoint/2010/main" spd="med" advClick="1"/>
+  <p:transition spd="med"/>
 </p:sld>
 </file>
 
 <file path=ppt/slides/slide25.xml><?xml version="1.0" encoding="utf-8"?>
-<p:sld xmlns:a="http://schemas.openxmlformats.org/drawingml/2006/main" xmlns:r="http://schemas.openxmlformats.org/officeDocument/2006/relationships" xmlns:p="http://schemas.openxmlformats.org/presentationml/2006/main" xmlns:m="http://schemas.openxmlformats.org/officeDocument/2006/math" xmlns:a14="http://schemas.microsoft.com/office/drawing/2010/main" showMasterSp="1" showMasterPhAnim="1">
+<p:sld xmlns:a="http://schemas.openxmlformats.org/drawingml/2006/main" xmlns:r="http://schemas.openxmlformats.org/officeDocument/2006/relationships" xmlns:p="http://schemas.openxmlformats.org/presentationml/2006/main">
   <p:cSld>
     <p:spTree>
       <p:nvGrpSpPr>
@@ -5327,17 +5440,17 @@
           </a:ln>
           <a:extLst>
             <a:ext uri="{C572A759-6A51-4108-AA02-DFA0A04FC94B}">
-              <ma14:wrappingTextBoxFlag xmlns:ma14="http://schemas.microsoft.com/office/mac/drawingml/2011/main" val="1"/>
+              <ma14:wrappingTextBoxFlag xmlns:ma14="http://schemas.microsoft.com/office/mac/drawingml/2011/main" xmlns:a14="http://schemas.microsoft.com/office/drawing/2010/main" xmlns:m="http://schemas.openxmlformats.org/officeDocument/2006/math" xmlns="" val="1"/>
             </a:ext>
           </a:extLst>
         </p:spPr>
         <p:txBody>
           <a:bodyPr lIns="50800" tIns="50800" rIns="50800" bIns="50800" anchor="ctr">
-            <a:normAutofit fontScale="100000" lnSpcReduction="0"/>
+            <a:normAutofit/>
           </a:bodyPr>
           <a:lstStyle>
             <a:lvl1pPr defTabSz="759459">
-              <a:defRPr b="0" sz="10304">
+              <a:defRPr sz="10304" b="0">
                 <a:latin typeface="+mn-lt"/>
                 <a:ea typeface="+mn-ea"/>
                 <a:cs typeface="+mn-cs"/>
@@ -5346,7 +5459,6 @@
             </a:lvl1pPr>
           </a:lstStyle>
           <a:p>
-            <a:pPr/>
             <a:r>
               <a:t>Выбор правильных гиперпараметров</a:t>
             </a:r>
@@ -5372,7 +5484,7 @@
           </a:ln>
           <a:extLst>
             <a:ext uri="{C572A759-6A51-4108-AA02-DFA0A04FC94B}">
-              <ma14:wrappingTextBoxFlag xmlns:ma14="http://schemas.microsoft.com/office/mac/drawingml/2011/main" val="1"/>
+              <ma14:wrappingTextBoxFlag xmlns:ma14="http://schemas.microsoft.com/office/mac/drawingml/2011/main" xmlns:a14="http://schemas.microsoft.com/office/drawing/2010/main" xmlns:m="http://schemas.openxmlformats.org/officeDocument/2006/math" xmlns="" val="1"/>
             </a:ext>
           </a:extLst>
         </p:spPr>
@@ -5383,7 +5495,7 @@
           <a:lstStyle/>
           <a:p>
             <a:pPr algn="l">
-              <a:defRPr b="0" sz="5700"/>
+              <a:defRPr sz="5700" b="0"/>
             </a:pPr>
             <a:r>
               <a:t>1. Попробуйте много разных значений гиперпараметрических</a:t>
@@ -5391,7 +5503,7 @@
           </a:p>
           <a:p>
             <a:pPr algn="l">
-              <a:defRPr b="0" sz="5700"/>
+              <a:defRPr sz="5700" b="0"/>
             </a:pPr>
             <a:r>
               <a:t>2. Установите их все отдельно</a:t>
@@ -5399,7 +5511,7 @@
           </a:p>
           <a:p>
             <a:pPr algn="l">
-              <a:defRPr b="0" sz="5700"/>
+              <a:defRPr sz="5700" b="0"/>
             </a:pPr>
             <a:r>
               <a:t>3. Посмотрите, насколько хорошо они выполняют</a:t>
@@ -5407,7 +5519,7 @@
           </a:p>
           <a:p>
             <a:pPr algn="l">
-              <a:defRPr b="0" sz="5700"/>
+              <a:defRPr sz="5700" b="0"/>
             </a:pPr>
             <a:r>
               <a:t>4. Выберите наиболее эффективные значения</a:t>
@@ -5415,12 +5527,13 @@
           </a:p>
           <a:p>
             <a:pPr algn="l">
-              <a:defRPr b="0" sz="5700"/>
+              <a:defRPr sz="5700" b="0"/>
             </a:pPr>
+            <a:endParaRPr/>
           </a:p>
           <a:p>
             <a:pPr algn="l">
-              <a:defRPr b="0" sz="5700"/>
+              <a:defRPr sz="5700" b="0"/>
             </a:pPr>
             <a:r>
               <a:t>• Это называется настройкой гиперпараметров</a:t>
@@ -5428,7 +5541,7 @@
           </a:p>
           <a:p>
             <a:pPr algn="l">
-              <a:defRPr b="0" sz="5700"/>
+              <a:defRPr sz="5700" b="0"/>
             </a:pPr>
             <a:r>
               <a:t>• Очень важно использовать перекрестную проверку, чтобы избежать переобучения</a:t>
@@ -5436,7 +5549,7 @@
           </a:p>
           <a:p>
             <a:pPr algn="l">
-              <a:defRPr b="0" sz="5700"/>
+              <a:defRPr sz="5700" b="0"/>
             </a:pPr>
             <a:r>
               <a:t>• Мы все еще можем разделить данные и выполнить перекрестную проверку на учебном наборе</a:t>
@@ -5444,7 +5557,7 @@
           </a:p>
           <a:p>
             <a:pPr algn="l">
-              <a:defRPr b="0" sz="5700"/>
+              <a:defRPr sz="5700" b="0"/>
             </a:pPr>
             <a:r>
               <a:t>• Мы фиксируем набор тестов для окончательной оценки</a:t>
@@ -5457,12 +5570,12 @@
   <p:clrMapOvr>
     <a:masterClrMapping/>
   </p:clrMapOvr>
-  <p:transition xmlns:p14="http://schemas.microsoft.com/office/powerpoint/2010/main" spd="med" advClick="1"/>
+  <p:transition spd="med"/>
 </p:sld>
 </file>
 
 <file path=ppt/slides/slide26.xml><?xml version="1.0" encoding="utf-8"?>
-<p:sld xmlns:a="http://schemas.openxmlformats.org/drawingml/2006/main" xmlns:r="http://schemas.openxmlformats.org/officeDocument/2006/relationships" xmlns:p="http://schemas.openxmlformats.org/presentationml/2006/main" xmlns:m="http://schemas.openxmlformats.org/officeDocument/2006/math" xmlns:a14="http://schemas.microsoft.com/office/drawing/2010/main" showMasterSp="1" showMasterPhAnim="1">
+<p:sld xmlns:a="http://schemas.openxmlformats.org/drawingml/2006/main" xmlns:r="http://schemas.openxmlformats.org/officeDocument/2006/relationships" xmlns:p="http://schemas.openxmlformats.org/presentationml/2006/main">
   <p:cSld>
     <p:spTree>
       <p:nvGrpSpPr>
@@ -5497,17 +5610,17 @@
           </a:ln>
           <a:extLst>
             <a:ext uri="{C572A759-6A51-4108-AA02-DFA0A04FC94B}">
-              <ma14:wrappingTextBoxFlag xmlns:ma14="http://schemas.microsoft.com/office/mac/drawingml/2011/main" val="1"/>
+              <ma14:wrappingTextBoxFlag xmlns:ma14="http://schemas.microsoft.com/office/mac/drawingml/2011/main" xmlns:a14="http://schemas.microsoft.com/office/drawing/2010/main" xmlns:m="http://schemas.openxmlformats.org/officeDocument/2006/math" xmlns="" val="1"/>
             </a:ext>
           </a:extLst>
         </p:spPr>
         <p:txBody>
           <a:bodyPr lIns="50800" tIns="50800" rIns="50800" bIns="50800" anchor="ctr">
-            <a:normAutofit fontScale="100000" lnSpcReduction="0"/>
+            <a:normAutofit/>
           </a:bodyPr>
           <a:lstStyle>
             <a:lvl1pPr>
-              <a:defRPr b="0" sz="11200">
+              <a:defRPr sz="11200" b="0">
                 <a:latin typeface="+mn-lt"/>
                 <a:ea typeface="+mn-ea"/>
                 <a:cs typeface="+mn-cs"/>
@@ -5516,7 +5629,6 @@
             </a:lvl1pPr>
           </a:lstStyle>
           <a:p>
-            <a:pPr/>
             <a:r>
               <a:t>Поиск по сетки кроссвалидации</a:t>
             </a:r>
@@ -5532,9 +5644,7 @@
           <p:nvPr/>
         </p:nvPicPr>
         <p:blipFill>
-          <a:blip r:embed="rId2">
-            <a:extLst/>
-          </a:blip>
+          <a:blip r:embed="rId2"/>
           <a:stretch>
             <a:fillRect/>
           </a:stretch>
@@ -5557,12 +5667,12 @@
   <p:clrMapOvr>
     <a:masterClrMapping/>
   </p:clrMapOvr>
-  <p:transition xmlns:p14="http://schemas.microsoft.com/office/powerpoint/2010/main" spd="med" advClick="1"/>
+  <p:transition spd="med"/>
 </p:sld>
 </file>
 
 <file path=ppt/slides/slide27.xml><?xml version="1.0" encoding="utf-8"?>
-<p:sld xmlns:a="http://schemas.openxmlformats.org/drawingml/2006/main" xmlns:r="http://schemas.openxmlformats.org/officeDocument/2006/relationships" xmlns:p="http://schemas.openxmlformats.org/presentationml/2006/main" xmlns:m="http://schemas.openxmlformats.org/officeDocument/2006/math" xmlns:a14="http://schemas.microsoft.com/office/drawing/2010/main" showMasterSp="1" showMasterPhAnim="1">
+<p:sld xmlns:a="http://schemas.openxmlformats.org/drawingml/2006/main" xmlns:r="http://schemas.openxmlformats.org/officeDocument/2006/relationships" xmlns:p="http://schemas.openxmlformats.org/presentationml/2006/main">
   <p:cSld>
     <p:spTree>
       <p:nvGrpSpPr>
@@ -5597,17 +5707,17 @@
           </a:ln>
           <a:extLst>
             <a:ext uri="{C572A759-6A51-4108-AA02-DFA0A04FC94B}">
-              <ma14:wrappingTextBoxFlag xmlns:ma14="http://schemas.microsoft.com/office/mac/drawingml/2011/main" val="1"/>
+              <ma14:wrappingTextBoxFlag xmlns:ma14="http://schemas.microsoft.com/office/mac/drawingml/2011/main" xmlns:a14="http://schemas.microsoft.com/office/drawing/2010/main" xmlns:m="http://schemas.openxmlformats.org/officeDocument/2006/math" xmlns="" val="1"/>
             </a:ext>
           </a:extLst>
         </p:spPr>
         <p:txBody>
           <a:bodyPr lIns="50800" tIns="50800" rIns="50800" bIns="50800" anchor="ctr">
-            <a:normAutofit fontScale="100000" lnSpcReduction="0"/>
+            <a:normAutofit/>
           </a:bodyPr>
           <a:lstStyle>
             <a:lvl1pPr>
-              <a:defRPr b="0" sz="11200">
+              <a:defRPr sz="11200" b="0">
                 <a:latin typeface="+mn-lt"/>
                 <a:ea typeface="+mn-ea"/>
                 <a:cs typeface="+mn-cs"/>
@@ -5616,7 +5726,6 @@
             </a:lvl1pPr>
           </a:lstStyle>
           <a:p>
-            <a:pPr/>
             <a:r>
               <a:t>Поиск по сетки кроссвалидации</a:t>
             </a:r>
@@ -5632,9 +5741,7 @@
           <p:nvPr/>
         </p:nvPicPr>
         <p:blipFill>
-          <a:blip r:embed="rId2">
-            <a:extLst/>
-          </a:blip>
+          <a:blip r:embed="rId2"/>
           <a:stretch>
             <a:fillRect/>
           </a:stretch>
@@ -5657,12 +5764,12 @@
   <p:clrMapOvr>
     <a:masterClrMapping/>
   </p:clrMapOvr>
-  <p:transition xmlns:p14="http://schemas.microsoft.com/office/powerpoint/2010/main" spd="med" advClick="1"/>
+  <p:transition spd="med"/>
 </p:sld>
 </file>
 
 <file path=ppt/slides/slide28.xml><?xml version="1.0" encoding="utf-8"?>
-<p:sld xmlns:a="http://schemas.openxmlformats.org/drawingml/2006/main" xmlns:r="http://schemas.openxmlformats.org/officeDocument/2006/relationships" xmlns:p="http://schemas.openxmlformats.org/presentationml/2006/main" xmlns:m="http://schemas.openxmlformats.org/officeDocument/2006/math" xmlns:a14="http://schemas.microsoft.com/office/drawing/2010/main" showMasterSp="1" showMasterPhAnim="1">
+<p:sld xmlns:a="http://schemas.openxmlformats.org/drawingml/2006/main" xmlns:r="http://schemas.openxmlformats.org/officeDocument/2006/relationships" xmlns:p="http://schemas.openxmlformats.org/presentationml/2006/main">
   <p:cSld>
     <p:spTree>
       <p:nvGrpSpPr>
@@ -5697,17 +5804,17 @@
           </a:ln>
           <a:extLst>
             <a:ext uri="{C572A759-6A51-4108-AA02-DFA0A04FC94B}">
-              <ma14:wrappingTextBoxFlag xmlns:ma14="http://schemas.microsoft.com/office/mac/drawingml/2011/main" val="1"/>
+              <ma14:wrappingTextBoxFlag xmlns:ma14="http://schemas.microsoft.com/office/mac/drawingml/2011/main" xmlns:a14="http://schemas.microsoft.com/office/drawing/2010/main" xmlns:m="http://schemas.openxmlformats.org/officeDocument/2006/math" xmlns="" val="1"/>
             </a:ext>
           </a:extLst>
         </p:spPr>
         <p:txBody>
           <a:bodyPr lIns="50800" tIns="50800" rIns="50800" bIns="50800" anchor="ctr">
-            <a:normAutofit fontScale="100000" lnSpcReduction="0"/>
+            <a:normAutofit/>
           </a:bodyPr>
           <a:lstStyle>
             <a:lvl1pPr>
-              <a:defRPr b="0" sz="11200">
+              <a:defRPr sz="11200" b="0">
                 <a:latin typeface="+mn-lt"/>
                 <a:ea typeface="+mn-ea"/>
                 <a:cs typeface="+mn-cs"/>
@@ -5716,7 +5823,6 @@
             </a:lvl1pPr>
           </a:lstStyle>
           <a:p>
-            <a:pPr/>
             <a:r>
               <a:t>Поиск по сетки кроссвалидации</a:t>
             </a:r>
@@ -5732,9 +5838,7 @@
           <p:nvPr/>
         </p:nvPicPr>
         <p:blipFill>
-          <a:blip r:embed="rId2">
-            <a:extLst/>
-          </a:blip>
+          <a:blip r:embed="rId2"/>
           <a:stretch>
             <a:fillRect/>
           </a:stretch>
@@ -5757,12 +5861,12 @@
   <p:clrMapOvr>
     <a:masterClrMapping/>
   </p:clrMapOvr>
-  <p:transition xmlns:p14="http://schemas.microsoft.com/office/powerpoint/2010/main" spd="med" advClick="1"/>
+  <p:transition spd="med"/>
 </p:sld>
 </file>
 
 <file path=ppt/slides/slide29.xml><?xml version="1.0" encoding="utf-8"?>
-<p:sld xmlns:a="http://schemas.openxmlformats.org/drawingml/2006/main" xmlns:r="http://schemas.openxmlformats.org/officeDocument/2006/relationships" xmlns:p="http://schemas.openxmlformats.org/presentationml/2006/main" xmlns:m="http://schemas.openxmlformats.org/officeDocument/2006/math" xmlns:a14="http://schemas.microsoft.com/office/drawing/2010/main" showMasterSp="1" showMasterPhAnim="1">
+<p:sld xmlns:a="http://schemas.openxmlformats.org/drawingml/2006/main" xmlns:r="http://schemas.openxmlformats.org/officeDocument/2006/relationships" xmlns:p="http://schemas.openxmlformats.org/presentationml/2006/main">
   <p:cSld>
     <p:spTree>
       <p:nvGrpSpPr>
@@ -5797,17 +5901,17 @@
           </a:ln>
           <a:extLst>
             <a:ext uri="{C572A759-6A51-4108-AA02-DFA0A04FC94B}">
-              <ma14:wrappingTextBoxFlag xmlns:ma14="http://schemas.microsoft.com/office/mac/drawingml/2011/main" val="1"/>
+              <ma14:wrappingTextBoxFlag xmlns:ma14="http://schemas.microsoft.com/office/mac/drawingml/2011/main" xmlns:a14="http://schemas.microsoft.com/office/drawing/2010/main" xmlns:m="http://schemas.openxmlformats.org/officeDocument/2006/math" xmlns="" val="1"/>
             </a:ext>
           </a:extLst>
         </p:spPr>
         <p:txBody>
           <a:bodyPr lIns="50800" tIns="50800" rIns="50800" bIns="50800" anchor="ctr">
-            <a:normAutofit fontScale="100000" lnSpcReduction="0"/>
+            <a:normAutofit/>
           </a:bodyPr>
           <a:lstStyle>
             <a:lvl1pPr defTabSz="676909">
-              <a:defRPr b="0" sz="9184">
+              <a:defRPr sz="9184" b="0">
                 <a:latin typeface="+mn-lt"/>
                 <a:ea typeface="+mn-ea"/>
                 <a:cs typeface="+mn-cs"/>
@@ -5816,7 +5920,6 @@
             </a:lvl1pPr>
           </a:lstStyle>
           <a:p>
-            <a:pPr/>
             <a:r>
               <a:t>Поиск по сетки кроссвалидации в sklearn</a:t>
             </a:r>
@@ -5826,7 +5929,9 @@
       <p:sp>
         <p:nvSpPr>
           <p:cNvPr id="219" name="from sklearn.model_selection import GridSearchCV…"/>
-          <p:cNvSpPr txBox="1"/>
+          <p:cNvSpPr txBox="1">
+            <a:spLocks noGrp="1"/>
+          </p:cNvSpPr>
           <p:nvPr>
             <p:ph type="body" idx="4294967295"/>
           </p:nvPr>
@@ -5848,7 +5953,7 @@
             </a:solidFill>
           </a:ln>
           <a:effectLst>
-            <a:outerShdw sx="100000" sy="100000" kx="0" ky="0" algn="b" rotWithShape="0" blurRad="63500" dist="25400" dir="5400000">
+            <a:outerShdw blurRad="63500" dist="25400" dir="5400000" rotWithShape="0">
               <a:srgbClr val="000000">
                 <a:alpha val="50000"/>
               </a:srgbClr>
@@ -6037,9 +6142,7 @@
           <p:nvPr/>
         </p:nvPicPr>
         <p:blipFill>
-          <a:blip r:embed="rId2">
-            <a:extLst/>
-          </a:blip>
+          <a:blip r:embed="rId2"/>
           <a:stretch>
             <a:fillRect/>
           </a:stretch>
@@ -6062,12 +6165,12 @@
   <p:clrMapOvr>
     <a:masterClrMapping/>
   </p:clrMapOvr>
-  <p:transition xmlns:p14="http://schemas.microsoft.com/office/powerpoint/2010/main" spd="med" advClick="1"/>
+  <p:transition spd="med"/>
 </p:sld>
 </file>
 
 <file path=ppt/slides/slide3.xml><?xml version="1.0" encoding="utf-8"?>
-<p:sld xmlns:a="http://schemas.openxmlformats.org/drawingml/2006/main" xmlns:r="http://schemas.openxmlformats.org/officeDocument/2006/relationships" xmlns:p="http://schemas.openxmlformats.org/presentationml/2006/main" xmlns:m="http://schemas.openxmlformats.org/officeDocument/2006/math" xmlns:a14="http://schemas.microsoft.com/office/drawing/2010/main" showMasterSp="1" showMasterPhAnim="1">
+<p:sld xmlns:a="http://schemas.openxmlformats.org/drawingml/2006/main" xmlns:r="http://schemas.openxmlformats.org/officeDocument/2006/relationships" xmlns:p="http://schemas.openxmlformats.org/presentationml/2006/main">
   <p:cSld>
     <p:spTree>
       <p:nvGrpSpPr>
@@ -6102,17 +6205,17 @@
           </a:ln>
           <a:extLst>
             <a:ext uri="{C572A759-6A51-4108-AA02-DFA0A04FC94B}">
-              <ma14:wrappingTextBoxFlag xmlns:ma14="http://schemas.microsoft.com/office/mac/drawingml/2011/main" val="1"/>
+              <ma14:wrappingTextBoxFlag xmlns:ma14="http://schemas.microsoft.com/office/mac/drawingml/2011/main" xmlns:a14="http://schemas.microsoft.com/office/drawing/2010/main" xmlns:m="http://schemas.openxmlformats.org/officeDocument/2006/math" xmlns="" val="1"/>
             </a:ext>
           </a:extLst>
         </p:spPr>
         <p:txBody>
           <a:bodyPr lIns="50800" tIns="50800" rIns="50800" bIns="50800" anchor="ctr">
-            <a:normAutofit fontScale="100000" lnSpcReduction="0"/>
+            <a:normAutofit/>
           </a:bodyPr>
           <a:lstStyle>
             <a:lvl1pPr>
-              <a:defRPr b="0" sz="11200">
+              <a:defRPr sz="11200" b="0">
                 <a:latin typeface="+mn-lt"/>
                 <a:ea typeface="+mn-ea"/>
                 <a:cs typeface="+mn-cs"/>
@@ -6121,7 +6224,6 @@
             </a:lvl1pPr>
           </a:lstStyle>
           <a:p>
-            <a:pPr/>
             <a:r>
               <a:t>Метрики классификации</a:t>
             </a:r>
@@ -6147,7 +6249,7 @@
           </a:ln>
           <a:extLst>
             <a:ext uri="{C572A759-6A51-4108-AA02-DFA0A04FC94B}">
-              <ma14:wrappingTextBoxFlag xmlns:ma14="http://schemas.microsoft.com/office/mac/drawingml/2011/main" val="1"/>
+              <ma14:wrappingTextBoxFlag xmlns:ma14="http://schemas.microsoft.com/office/mac/drawingml/2011/main" xmlns:a14="http://schemas.microsoft.com/office/drawing/2010/main" xmlns:m="http://schemas.openxmlformats.org/officeDocument/2006/math" xmlns="" val="1"/>
             </a:ext>
           </a:extLst>
         </p:spPr>
@@ -6160,7 +6262,7 @@
             <a:pPr marL="754062" indent="-754062" algn="l">
               <a:buSzPct val="125000"/>
               <a:buChar char="•"/>
-              <a:defRPr b="0" sz="5700"/>
+              <a:defRPr sz="5700" b="0"/>
             </a:pPr>
             <a:r>
               <a:t>Измерение качества модели с помощью точности (Accuracy) не всегда эффективно </a:t>
@@ -6170,7 +6272,7 @@
             <a:pPr marL="754062" indent="-754062" algn="l">
               <a:buSzPct val="125000"/>
               <a:buChar char="•"/>
-              <a:defRPr b="0" sz="5700"/>
+              <a:defRPr sz="5700" b="0"/>
             </a:pPr>
             <a:r>
               <a:t>Подходит только для классических распределений</a:t>
@@ -6180,7 +6282,7 @@
             <a:pPr marL="754062" indent="-754062" algn="l">
               <a:buSzPct val="125000"/>
               <a:buChar char="•"/>
-              <a:defRPr b="0" sz="5700"/>
+              <a:defRPr sz="5700" b="0"/>
             </a:pPr>
             <a:r>
               <a:t>Не всегда полезный показатель</a:t>
@@ -6193,12 +6295,12 @@
   <p:clrMapOvr>
     <a:masterClrMapping/>
   </p:clrMapOvr>
-  <p:transition xmlns:p14="http://schemas.microsoft.com/office/powerpoint/2010/main" spd="med" advClick="1"/>
+  <p:transition spd="med"/>
 </p:sld>
 </file>
 
 <file path=ppt/slides/slide30.xml><?xml version="1.0" encoding="utf-8"?>
-<p:sld xmlns:a="http://schemas.openxmlformats.org/drawingml/2006/main" xmlns:r="http://schemas.openxmlformats.org/officeDocument/2006/relationships" xmlns:p="http://schemas.openxmlformats.org/presentationml/2006/main" xmlns:m="http://schemas.openxmlformats.org/officeDocument/2006/math" xmlns:a14="http://schemas.microsoft.com/office/drawing/2010/main" showMasterSp="1" showMasterPhAnim="1">
+<p:sld xmlns:a="http://schemas.openxmlformats.org/drawingml/2006/main" xmlns:r="http://schemas.openxmlformats.org/officeDocument/2006/relationships" xmlns:p="http://schemas.openxmlformats.org/presentationml/2006/main">
   <p:cSld>
     <p:spTree>
       <p:nvGrpSpPr>
@@ -6233,17 +6335,17 @@
           </a:ln>
           <a:extLst>
             <a:ext uri="{C572A759-6A51-4108-AA02-DFA0A04FC94B}">
-              <ma14:wrappingTextBoxFlag xmlns:ma14="http://schemas.microsoft.com/office/mac/drawingml/2011/main" val="1"/>
+              <ma14:wrappingTextBoxFlag xmlns:ma14="http://schemas.microsoft.com/office/mac/drawingml/2011/main" xmlns:a14="http://schemas.microsoft.com/office/drawing/2010/main" xmlns:m="http://schemas.openxmlformats.org/officeDocument/2006/math" xmlns="" val="1"/>
             </a:ext>
           </a:extLst>
         </p:spPr>
         <p:txBody>
           <a:bodyPr lIns="50800" tIns="50800" rIns="50800" bIns="50800" anchor="ctr">
-            <a:normAutofit fontScale="100000" lnSpcReduction="0"/>
+            <a:normAutofit/>
           </a:bodyPr>
           <a:lstStyle>
             <a:lvl1pPr defTabSz="709930">
-              <a:defRPr b="0" sz="9632">
+              <a:defRPr sz="9632" b="0">
                 <a:latin typeface="+mn-lt"/>
                 <a:ea typeface="+mn-ea"/>
                 <a:cs typeface="+mn-cs"/>
@@ -6252,7 +6354,6 @@
             </a:lvl1pPr>
           </a:lstStyle>
           <a:p>
-            <a:pPr/>
             <a:r>
               <a:t>Ограничения и альтернативный подход</a:t>
             </a:r>
@@ -6278,7 +6379,7 @@
           </a:ln>
           <a:extLst>
             <a:ext uri="{C572A759-6A51-4108-AA02-DFA0A04FC94B}">
-              <ma14:wrappingTextBoxFlag xmlns:ma14="http://schemas.microsoft.com/office/mac/drawingml/2011/main" val="1"/>
+              <ma14:wrappingTextBoxFlag xmlns:ma14="http://schemas.microsoft.com/office/mac/drawingml/2011/main" xmlns:a14="http://schemas.microsoft.com/office/drawing/2010/main" xmlns:m="http://schemas.openxmlformats.org/officeDocument/2006/math" xmlns="" val="1"/>
             </a:ext>
           </a:extLst>
         </p:spPr>
@@ -6289,7 +6390,7 @@
           <a:lstStyle/>
           <a:p>
             <a:pPr algn="l">
-              <a:defRPr b="0" sz="5700"/>
+              <a:defRPr sz="5700" b="0"/>
             </a:pPr>
             <a:r>
               <a:t>• 3-кратная перекрестная проверка, 1 гиперпараметр, 10 общих значений = 30 проходов</a:t>
@@ -6297,7 +6398,7 @@
           </a:p>
           <a:p>
             <a:pPr algn="l">
-              <a:defRPr b="0" sz="5700"/>
+              <a:defRPr sz="5700" b="0"/>
             </a:pPr>
             <a:r>
               <a:t>• 10-кратная перекрестная проверка, 3 гиперпараметра, 30 общих значений = 900 проходов</a:t>
@@ -6310,12 +6411,12 @@
   <p:clrMapOvr>
     <a:masterClrMapping/>
   </p:clrMapOvr>
-  <p:transition xmlns:p14="http://schemas.microsoft.com/office/powerpoint/2010/main" spd="med" advClick="1"/>
+  <p:transition spd="med"/>
 </p:sld>
 </file>
 
 <file path=ppt/slides/slide31.xml><?xml version="1.0" encoding="utf-8"?>
-<p:sld xmlns:a="http://schemas.openxmlformats.org/drawingml/2006/main" xmlns:r="http://schemas.openxmlformats.org/officeDocument/2006/relationships" xmlns:p="http://schemas.openxmlformats.org/presentationml/2006/main" xmlns:m="http://schemas.openxmlformats.org/officeDocument/2006/math" xmlns:a14="http://schemas.microsoft.com/office/drawing/2010/main" showMasterSp="1" showMasterPhAnim="1">
+<p:sld xmlns:a="http://schemas.openxmlformats.org/drawingml/2006/main" xmlns:r="http://schemas.openxmlformats.org/officeDocument/2006/relationships" xmlns:p="http://schemas.openxmlformats.org/presentationml/2006/main">
   <p:cSld>
     <p:spTree>
       <p:nvGrpSpPr>
@@ -6350,17 +6451,17 @@
           </a:ln>
           <a:extLst>
             <a:ext uri="{C572A759-6A51-4108-AA02-DFA0A04FC94B}">
-              <ma14:wrappingTextBoxFlag xmlns:ma14="http://schemas.microsoft.com/office/mac/drawingml/2011/main" val="1"/>
+              <ma14:wrappingTextBoxFlag xmlns:ma14="http://schemas.microsoft.com/office/mac/drawingml/2011/main" xmlns:a14="http://schemas.microsoft.com/office/drawing/2010/main" xmlns:m="http://schemas.openxmlformats.org/officeDocument/2006/math" xmlns="" val="1"/>
             </a:ext>
           </a:extLst>
         </p:spPr>
         <p:txBody>
           <a:bodyPr lIns="50800" tIns="50800" rIns="50800" bIns="50800" anchor="ctr">
-            <a:normAutofit fontScale="100000" lnSpcReduction="0"/>
+            <a:normAutofit/>
           </a:bodyPr>
           <a:lstStyle>
             <a:lvl1pPr>
-              <a:defRPr b="0" sz="11200">
+              <a:defRPr sz="11200" b="0">
                 <a:latin typeface="+mn-lt"/>
                 <a:ea typeface="+mn-ea"/>
                 <a:cs typeface="+mn-cs"/>
@@ -6369,7 +6470,6 @@
             </a:lvl1pPr>
           </a:lstStyle>
           <a:p>
-            <a:pPr/>
             <a:r>
               <a:t>RandomizedSearchCV</a:t>
             </a:r>
@@ -6379,7 +6479,9 @@
       <p:sp>
         <p:nvSpPr>
           <p:cNvPr id="226" name="from sklearn.model_selection import RandomizedSearchCV…"/>
-          <p:cNvSpPr txBox="1"/>
+          <p:cNvSpPr txBox="1">
+            <a:spLocks noGrp="1"/>
+          </p:cNvSpPr>
           <p:nvPr>
             <p:ph type="body" idx="4294967295"/>
           </p:nvPr>
@@ -6401,7 +6503,7 @@
             </a:solidFill>
           </a:ln>
           <a:effectLst>
-            <a:outerShdw sx="100000" sy="100000" kx="0" ky="0" algn="b" rotWithShape="0" blurRad="63500" dist="25400" dir="5400000">
+            <a:outerShdw blurRad="63500" dist="25400" dir="5400000" rotWithShape="0">
               <a:srgbClr val="000000">
                 <a:alpha val="50000"/>
               </a:srgbClr>
@@ -6590,9 +6692,7 @@
           <p:nvPr/>
         </p:nvPicPr>
         <p:blipFill>
-          <a:blip r:embed="rId2">
-            <a:extLst/>
-          </a:blip>
+          <a:blip r:embed="rId2"/>
           <a:stretch>
             <a:fillRect/>
           </a:stretch>
@@ -6615,12 +6715,12 @@
   <p:clrMapOvr>
     <a:masterClrMapping/>
   </p:clrMapOvr>
-  <p:transition xmlns:p14="http://schemas.microsoft.com/office/powerpoint/2010/main" spd="med" advClick="1"/>
+  <p:transition spd="med"/>
 </p:sld>
 </file>
 
 <file path=ppt/slides/slide32.xml><?xml version="1.0" encoding="utf-8"?>
-<p:sld xmlns:a="http://schemas.openxmlformats.org/drawingml/2006/main" xmlns:r="http://schemas.openxmlformats.org/officeDocument/2006/relationships" xmlns:p="http://schemas.openxmlformats.org/presentationml/2006/main" xmlns:m="http://schemas.openxmlformats.org/officeDocument/2006/math" xmlns:a14="http://schemas.microsoft.com/office/drawing/2010/main" showMasterSp="1" showMasterPhAnim="1">
+<p:sld xmlns:a="http://schemas.openxmlformats.org/drawingml/2006/main" xmlns:r="http://schemas.openxmlformats.org/officeDocument/2006/relationships" xmlns:p="http://schemas.openxmlformats.org/presentationml/2006/main">
   <p:cSld>
     <p:spTree>
       <p:nvGrpSpPr>
@@ -6655,17 +6755,17 @@
           </a:ln>
           <a:extLst>
             <a:ext uri="{C572A759-6A51-4108-AA02-DFA0A04FC94B}">
-              <ma14:wrappingTextBoxFlag xmlns:ma14="http://schemas.microsoft.com/office/mac/drawingml/2011/main" val="1"/>
+              <ma14:wrappingTextBoxFlag xmlns:ma14="http://schemas.microsoft.com/office/mac/drawingml/2011/main" xmlns:a14="http://schemas.microsoft.com/office/drawing/2010/main" xmlns:m="http://schemas.openxmlformats.org/officeDocument/2006/math" xmlns="" val="1"/>
             </a:ext>
           </a:extLst>
         </p:spPr>
         <p:txBody>
           <a:bodyPr lIns="50800" tIns="50800" rIns="50800" bIns="50800" anchor="ctr">
-            <a:normAutofit fontScale="100000" lnSpcReduction="0"/>
+            <a:normAutofit/>
           </a:bodyPr>
           <a:lstStyle>
             <a:lvl1pPr>
-              <a:defRPr b="0" sz="11200">
+              <a:defRPr sz="11200" b="0">
                 <a:latin typeface="+mn-lt"/>
                 <a:ea typeface="+mn-ea"/>
                 <a:cs typeface="+mn-cs"/>
@@ -6674,7 +6774,6 @@
             </a:lvl1pPr>
           </a:lstStyle>
           <a:p>
-            <a:pPr/>
             <a:r>
               <a:t>Оценка тестовых значений</a:t>
             </a:r>
@@ -6684,7 +6783,9 @@
       <p:sp>
         <p:nvSpPr>
           <p:cNvPr id="230" name="test_score = ridge_cv.score(X_test, y_test)…"/>
-          <p:cNvSpPr txBox="1"/>
+          <p:cNvSpPr txBox="1">
+            <a:spLocks noGrp="1"/>
+          </p:cNvSpPr>
           <p:nvPr>
             <p:ph type="body" sz="quarter" idx="4294967295"/>
           </p:nvPr>
@@ -6706,7 +6807,7 @@
             </a:solidFill>
           </a:ln>
           <a:effectLst>
-            <a:outerShdw sx="100000" sy="100000" kx="0" ky="0" algn="b" rotWithShape="0" blurRad="63500" dist="25400" dir="5400000">
+            <a:outerShdw blurRad="63500" dist="25400" dir="5400000" rotWithShape="0">
               <a:srgbClr val="000000">
                 <a:alpha val="50000"/>
               </a:srgbClr>
@@ -6769,9 +6870,7 @@
           <p:nvPr/>
         </p:nvPicPr>
         <p:blipFill>
-          <a:blip r:embed="rId2">
-            <a:extLst/>
-          </a:blip>
+          <a:blip r:embed="rId2"/>
           <a:stretch>
             <a:fillRect/>
           </a:stretch>
@@ -6794,12 +6893,12 @@
   <p:clrMapOvr>
     <a:masterClrMapping/>
   </p:clrMapOvr>
-  <p:transition xmlns:p14="http://schemas.microsoft.com/office/powerpoint/2010/main" spd="med" advClick="1"/>
+  <p:transition spd="med"/>
 </p:sld>
 </file>
 
 <file path=ppt/slides/slide4.xml><?xml version="1.0" encoding="utf-8"?>
-<p:sld xmlns:a="http://schemas.openxmlformats.org/drawingml/2006/main" xmlns:r="http://schemas.openxmlformats.org/officeDocument/2006/relationships" xmlns:p="http://schemas.openxmlformats.org/presentationml/2006/main" xmlns:m="http://schemas.openxmlformats.org/officeDocument/2006/math" xmlns:a14="http://schemas.microsoft.com/office/drawing/2010/main" showMasterSp="1" showMasterPhAnim="1">
+<p:sld xmlns:a="http://schemas.openxmlformats.org/drawingml/2006/main" xmlns:r="http://schemas.openxmlformats.org/officeDocument/2006/relationships" xmlns:p="http://schemas.openxmlformats.org/presentationml/2006/main">
   <p:cSld>
     <p:spTree>
       <p:nvGrpSpPr>
@@ -6834,17 +6933,17 @@
           </a:ln>
           <a:extLst>
             <a:ext uri="{C572A759-6A51-4108-AA02-DFA0A04FC94B}">
-              <ma14:wrappingTextBoxFlag xmlns:ma14="http://schemas.microsoft.com/office/mac/drawingml/2011/main" val="1"/>
+              <ma14:wrappingTextBoxFlag xmlns:ma14="http://schemas.microsoft.com/office/mac/drawingml/2011/main" xmlns:a14="http://schemas.microsoft.com/office/drawing/2010/main" xmlns:m="http://schemas.openxmlformats.org/officeDocument/2006/math" xmlns="" val="1"/>
             </a:ext>
           </a:extLst>
         </p:spPr>
         <p:txBody>
           <a:bodyPr lIns="50800" tIns="50800" rIns="50800" bIns="50800" anchor="ctr">
-            <a:normAutofit fontScale="100000" lnSpcReduction="0"/>
+            <a:normAutofit/>
           </a:bodyPr>
           <a:lstStyle>
             <a:lvl1pPr>
-              <a:defRPr b="0" sz="11200">
+              <a:defRPr sz="11200" b="0">
                 <a:latin typeface="+mn-lt"/>
                 <a:ea typeface="+mn-ea"/>
                 <a:cs typeface="+mn-cs"/>
@@ -6853,7 +6952,6 @@
             </a:lvl1pPr>
           </a:lstStyle>
           <a:p>
-            <a:pPr/>
             <a:r>
               <a:t>Дисбаланс классов</a:t>
             </a:r>
@@ -6879,7 +6977,7 @@
           </a:ln>
           <a:extLst>
             <a:ext uri="{C572A759-6A51-4108-AA02-DFA0A04FC94B}">
-              <ma14:wrappingTextBoxFlag xmlns:ma14="http://schemas.microsoft.com/office/mac/drawingml/2011/main" val="1"/>
+              <ma14:wrappingTextBoxFlag xmlns:ma14="http://schemas.microsoft.com/office/mac/drawingml/2011/main" xmlns:a14="http://schemas.microsoft.com/office/drawing/2010/main" xmlns:m="http://schemas.openxmlformats.org/officeDocument/2006/math" xmlns="" val="1"/>
             </a:ext>
           </a:extLst>
         </p:spPr>
@@ -6890,7 +6988,7 @@
           <a:lstStyle/>
           <a:p>
             <a:pPr algn="l">
-              <a:defRPr b="0" sz="5700"/>
+              <a:defRPr sz="5700" b="0"/>
             </a:pPr>
             <a:r>
               <a:t>Классификация для прогнозирования мошеннических банковских транзакций</a:t>
@@ -6900,7 +6998,7 @@
             <a:pPr marL="754062" indent="-754062" algn="l">
               <a:buSzPct val="125000"/>
               <a:buChar char="•"/>
-              <a:defRPr b="0" sz="5700"/>
+              <a:defRPr sz="5700" b="0"/>
             </a:pPr>
             <a:r>
               <a:t>• 99% транзакций являются законными; 1% мошеннические</a:t>
@@ -6908,7 +7006,7 @@
           </a:p>
           <a:p>
             <a:pPr algn="l">
-              <a:defRPr b="0" sz="5700"/>
+              <a:defRPr sz="5700" b="0"/>
             </a:pPr>
             <a:r>
               <a:t>Можно создать классификатор, который предсказывает, что ни одна из транзакций не мошеннична</a:t>
@@ -6918,7 +7016,7 @@
             <a:pPr marL="754062" indent="-754062" algn="l">
               <a:buSzPct val="125000"/>
               <a:buChar char="•"/>
-              <a:defRPr b="0" sz="5700"/>
+              <a:defRPr sz="5700" b="0"/>
             </a:pPr>
             <a:r>
               <a:t>Точно на 99%!</a:t>
@@ -6928,7 +7026,7 @@
             <a:pPr marL="754062" indent="-754062" algn="l">
               <a:buSzPct val="125000"/>
               <a:buChar char="•"/>
-              <a:defRPr b="0" sz="5700"/>
+              <a:defRPr sz="5700" b="0"/>
             </a:pPr>
             <a:r>
               <a:t>Но ужасно в предсказании мошеннических транзакций</a:t>
@@ -6938,7 +7036,7 @@
             <a:pPr marL="754062" indent="-754062" algn="l">
               <a:buSzPct val="125000"/>
               <a:buChar char="•"/>
-              <a:defRPr b="0" sz="5700"/>
+              <a:defRPr sz="5700" b="0"/>
             </a:pPr>
             <a:r>
               <a:t>Не выполняет его первоначальной цели</a:t>
@@ -6946,7 +7044,7 @@
           </a:p>
           <a:p>
             <a:pPr algn="l">
-              <a:defRPr b="0" sz="5700"/>
+              <a:defRPr sz="5700" b="0"/>
             </a:pPr>
             <a:r>
               <a:t>Дисбаланс класса: неровная частота классов</a:t>
@@ -6954,7 +7052,7 @@
           </a:p>
           <a:p>
             <a:pPr algn="l">
-              <a:defRPr b="0" sz="5700"/>
+              <a:defRPr sz="5700" b="0"/>
             </a:pPr>
             <a:r>
               <a:t>Нужен другой способ оценить производительность</a:t>
@@ -6967,12 +7065,12 @@
   <p:clrMapOvr>
     <a:masterClrMapping/>
   </p:clrMapOvr>
-  <p:transition xmlns:p14="http://schemas.microsoft.com/office/powerpoint/2010/main" spd="med" advClick="1"/>
+  <p:transition spd="med"/>
 </p:sld>
 </file>
 
 <file path=ppt/slides/slide5.xml><?xml version="1.0" encoding="utf-8"?>
-<p:sld xmlns:a="http://schemas.openxmlformats.org/drawingml/2006/main" xmlns:r="http://schemas.openxmlformats.org/officeDocument/2006/relationships" xmlns:p="http://schemas.openxmlformats.org/presentationml/2006/main" xmlns:m="http://schemas.openxmlformats.org/officeDocument/2006/math" xmlns:a14="http://schemas.microsoft.com/office/drawing/2010/main" showMasterSp="1" showMasterPhAnim="1">
+<p:sld xmlns:a="http://schemas.openxmlformats.org/drawingml/2006/main" xmlns:r="http://schemas.openxmlformats.org/officeDocument/2006/relationships" xmlns:p="http://schemas.openxmlformats.org/presentationml/2006/main">
   <p:cSld>
     <p:spTree>
       <p:nvGrpSpPr>
@@ -7007,17 +7105,17 @@
           </a:ln>
           <a:extLst>
             <a:ext uri="{C572A759-6A51-4108-AA02-DFA0A04FC94B}">
-              <ma14:wrappingTextBoxFlag xmlns:ma14="http://schemas.microsoft.com/office/mac/drawingml/2011/main" val="1"/>
+              <ma14:wrappingTextBoxFlag xmlns:ma14="http://schemas.microsoft.com/office/mac/drawingml/2011/main" xmlns:a14="http://schemas.microsoft.com/office/drawing/2010/main" xmlns:m="http://schemas.openxmlformats.org/officeDocument/2006/math" xmlns="" val="1"/>
             </a:ext>
           </a:extLst>
         </p:spPr>
         <p:txBody>
           <a:bodyPr lIns="50800" tIns="50800" rIns="50800" bIns="50800" anchor="ctr">
-            <a:normAutofit fontScale="100000" lnSpcReduction="0"/>
+            <a:normAutofit/>
           </a:bodyPr>
           <a:lstStyle>
             <a:lvl1pPr defTabSz="520065">
-              <a:defRPr b="0" sz="7056">
+              <a:defRPr sz="7056" b="0">
                 <a:latin typeface="+mn-lt"/>
                 <a:ea typeface="+mn-ea"/>
                 <a:cs typeface="+mn-cs"/>
@@ -7026,7 +7124,6 @@
             </a:lvl1pPr>
           </a:lstStyle>
           <a:p>
-            <a:pPr/>
             <a:r>
               <a:t>Матрица ошибок для оценки эффективности классификации</a:t>
             </a:r>
@@ -7042,9 +7139,7 @@
           <p:nvPr/>
         </p:nvPicPr>
         <p:blipFill>
-          <a:blip r:embed="rId2">
-            <a:extLst/>
-          </a:blip>
+          <a:blip r:embed="rId2"/>
           <a:stretch>
             <a:fillRect/>
           </a:stretch>
@@ -7067,12 +7162,12 @@
   <p:clrMapOvr>
     <a:masterClrMapping/>
   </p:clrMapOvr>
-  <p:transition xmlns:p14="http://schemas.microsoft.com/office/powerpoint/2010/main" spd="med" advClick="1"/>
+  <p:transition spd="med"/>
 </p:sld>
 </file>
 
 <file path=ppt/slides/slide6.xml><?xml version="1.0" encoding="utf-8"?>
-<p:sld xmlns:a="http://schemas.openxmlformats.org/drawingml/2006/main" xmlns:r="http://schemas.openxmlformats.org/officeDocument/2006/relationships" xmlns:p="http://schemas.openxmlformats.org/presentationml/2006/main" xmlns:m="http://schemas.openxmlformats.org/officeDocument/2006/math" xmlns:a14="http://schemas.microsoft.com/office/drawing/2010/main" showMasterSp="1" showMasterPhAnim="1">
+<p:sld xmlns:a="http://schemas.openxmlformats.org/drawingml/2006/main" xmlns:r="http://schemas.openxmlformats.org/officeDocument/2006/relationships" xmlns:p="http://schemas.openxmlformats.org/presentationml/2006/main">
   <p:cSld>
     <p:spTree>
       <p:nvGrpSpPr>
@@ -7107,17 +7202,17 @@
           </a:ln>
           <a:extLst>
             <a:ext uri="{C572A759-6A51-4108-AA02-DFA0A04FC94B}">
-              <ma14:wrappingTextBoxFlag xmlns:ma14="http://schemas.microsoft.com/office/mac/drawingml/2011/main" val="1"/>
+              <ma14:wrappingTextBoxFlag xmlns:ma14="http://schemas.microsoft.com/office/mac/drawingml/2011/main" xmlns:a14="http://schemas.microsoft.com/office/drawing/2010/main" xmlns:m="http://schemas.openxmlformats.org/officeDocument/2006/math" xmlns="" val="1"/>
             </a:ext>
           </a:extLst>
         </p:spPr>
         <p:txBody>
           <a:bodyPr lIns="50800" tIns="50800" rIns="50800" bIns="50800" anchor="ctr">
-            <a:normAutofit fontScale="100000" lnSpcReduction="0"/>
+            <a:normAutofit/>
           </a:bodyPr>
           <a:lstStyle>
             <a:lvl1pPr defTabSz="520065">
-              <a:defRPr b="0" sz="7056">
+              <a:defRPr sz="7056" b="0">
                 <a:latin typeface="+mn-lt"/>
                 <a:ea typeface="+mn-ea"/>
                 <a:cs typeface="+mn-cs"/>
@@ -7126,7 +7221,6 @@
             </a:lvl1pPr>
           </a:lstStyle>
           <a:p>
-            <a:pPr/>
             <a:r>
               <a:t>Матрица ошибок для оценки эффективности классификации. Точность (Accuracy)</a:t>
             </a:r>
@@ -7142,9 +7236,7 @@
           <p:nvPr/>
         </p:nvPicPr>
         <p:blipFill>
-          <a:blip r:embed="rId2">
-            <a:extLst/>
-          </a:blip>
+          <a:blip r:embed="rId2"/>
           <a:stretch>
             <a:fillRect/>
           </a:stretch>
@@ -7171,9 +7263,7 @@
           <p:nvPr/>
         </p:nvPicPr>
         <p:blipFill>
-          <a:blip r:embed="rId3">
-            <a:extLst/>
-          </a:blip>
+          <a:blip r:embed="rId3"/>
           <a:stretch>
             <a:fillRect/>
           </a:stretch>
@@ -7196,12 +7286,12 @@
   <p:clrMapOvr>
     <a:masterClrMapping/>
   </p:clrMapOvr>
-  <p:transition xmlns:p14="http://schemas.microsoft.com/office/powerpoint/2010/main" spd="med" advClick="1"/>
+  <p:transition spd="med"/>
 </p:sld>
 </file>
 
 <file path=ppt/slides/slide7.xml><?xml version="1.0" encoding="utf-8"?>
-<p:sld xmlns:a="http://schemas.openxmlformats.org/drawingml/2006/main" xmlns:r="http://schemas.openxmlformats.org/officeDocument/2006/relationships" xmlns:p="http://schemas.openxmlformats.org/presentationml/2006/main" xmlns:m="http://schemas.openxmlformats.org/officeDocument/2006/math" xmlns:a14="http://schemas.microsoft.com/office/drawing/2010/main" showMasterSp="1" showMasterPhAnim="1">
+<p:sld xmlns:a="http://schemas.openxmlformats.org/drawingml/2006/main" xmlns:r="http://schemas.openxmlformats.org/officeDocument/2006/relationships" xmlns:p="http://schemas.openxmlformats.org/presentationml/2006/main">
   <p:cSld>
     <p:spTree>
       <p:nvGrpSpPr>
@@ -7236,17 +7326,17 @@
           </a:ln>
           <a:extLst>
             <a:ext uri="{C572A759-6A51-4108-AA02-DFA0A04FC94B}">
-              <ma14:wrappingTextBoxFlag xmlns:ma14="http://schemas.microsoft.com/office/mac/drawingml/2011/main" val="1"/>
+              <ma14:wrappingTextBoxFlag xmlns:ma14="http://schemas.microsoft.com/office/mac/drawingml/2011/main" xmlns:a14="http://schemas.microsoft.com/office/drawing/2010/main" xmlns:m="http://schemas.openxmlformats.org/officeDocument/2006/math" xmlns="" val="1"/>
             </a:ext>
           </a:extLst>
         </p:spPr>
         <p:txBody>
           <a:bodyPr lIns="50800" tIns="50800" rIns="50800" bIns="50800" anchor="ctr">
-            <a:normAutofit fontScale="100000" lnSpcReduction="0"/>
+            <a:normAutofit/>
           </a:bodyPr>
           <a:lstStyle>
             <a:lvl1pPr defTabSz="520065">
-              <a:defRPr b="0" sz="7056">
+              <a:defRPr sz="7056" b="0">
                 <a:latin typeface="+mn-lt"/>
                 <a:ea typeface="+mn-ea"/>
                 <a:cs typeface="+mn-cs"/>
@@ -7255,7 +7345,6 @@
             </a:lvl1pPr>
           </a:lstStyle>
           <a:p>
-            <a:pPr/>
             <a:r>
               <a:t>Матрица ошибок для оценки эффективности классификации. Точность (Precision)</a:t>
             </a:r>
@@ -7271,9 +7360,7 @@
           <p:nvPr/>
         </p:nvPicPr>
         <p:blipFill>
-          <a:blip r:embed="rId2">
-            <a:extLst/>
-          </a:blip>
+          <a:blip r:embed="rId2"/>
           <a:stretch>
             <a:fillRect/>
           </a:stretch>
@@ -7300,9 +7387,7 @@
           <p:nvPr/>
         </p:nvPicPr>
         <p:blipFill>
-          <a:blip r:embed="rId3">
-            <a:extLst/>
-          </a:blip>
+          <a:blip r:embed="rId3"/>
           <a:stretch>
             <a:fillRect/>
           </a:stretch>
@@ -7328,8 +7413,8 @@
         </p:nvSpPr>
         <p:spPr>
           <a:xfrm>
-            <a:off x="438203" y="10764698"/>
-            <a:ext cx="22436481" cy="2672132"/>
+            <a:off x="438203" y="10733723"/>
+            <a:ext cx="20994441" cy="2734082"/>
           </a:xfrm>
           <a:prstGeom prst="rect">
             <a:avLst/>
@@ -7339,30 +7424,146 @@
           </a:ln>
           <a:extLst>
             <a:ext uri="{C572A759-6A51-4108-AA02-DFA0A04FC94B}">
-              <ma14:wrappingTextBoxFlag xmlns:ma14="http://schemas.microsoft.com/office/mac/drawingml/2011/main" val="1"/>
+              <ma14:wrappingTextBoxFlag xmlns:ma14="http://schemas.microsoft.com/office/mac/drawingml/2011/main" xmlns:a14="http://schemas.microsoft.com/office/drawing/2010/main" xmlns:m="http://schemas.openxmlformats.org/officeDocument/2006/math" xmlns="" val="1"/>
             </a:ext>
           </a:extLst>
         </p:spPr>
         <p:txBody>
-          <a:bodyPr wrap="none" lIns="50800" tIns="50800" rIns="50800" bIns="50800" anchor="ctr">
+          <a:bodyPr wrap="square" lIns="50800" tIns="50800" rIns="50800" bIns="50800" anchor="ctr">
             <a:spAutoFit/>
           </a:bodyPr>
           <a:lstStyle/>
           <a:p>
             <a:pPr algn="l">
-              <a:defRPr b="0" sz="5700"/>
+              <a:defRPr sz="5700" b="0"/>
             </a:pPr>
             <a:r>
-              <a:t>Высокая точность = меньшая ложноположительная оценка</a:t>
-            </a:r>
+              <a:rPr dirty="0" err="1"/>
+              <a:t>Высокая</a:t>
+            </a:r>
+            <a:r>
+              <a:rPr dirty="0"/>
+              <a:t> </a:t>
+            </a:r>
+            <a:r>
+              <a:rPr dirty="0" err="1"/>
+              <a:t>точность</a:t>
+            </a:r>
+            <a:r>
+              <a:rPr dirty="0"/>
+              <a:t> = </a:t>
+            </a:r>
+            <a:r>
+              <a:rPr dirty="0" err="1"/>
+              <a:t>меньшая</a:t>
+            </a:r>
+            <a:r>
+              <a:rPr dirty="0"/>
+              <a:t> </a:t>
+            </a:r>
+            <a:r>
+              <a:rPr dirty="0" err="1"/>
+              <a:t>ложноположительная</a:t>
+            </a:r>
+            <a:r>
+              <a:rPr dirty="0"/>
+              <a:t> </a:t>
+            </a:r>
+            <a:r>
+              <a:rPr dirty="0" err="1"/>
+              <a:t>оценка</a:t>
+            </a:r>
+            <a:endParaRPr dirty="0"/>
           </a:p>
           <a:p>
             <a:pPr algn="l">
-              <a:defRPr b="0" sz="5700"/>
+              <a:defRPr sz="5700" b="0"/>
             </a:pPr>
             <a:r>
-              <a:t>Высокая точность: предсказывается, что не так много законных транзакций будут мошенническими</a:t>
-            </a:r>
+              <a:rPr dirty="0" err="1"/>
+              <a:t>Высокая</a:t>
+            </a:r>
+            <a:r>
+              <a:rPr dirty="0"/>
+              <a:t> </a:t>
+            </a:r>
+            <a:r>
+              <a:rPr dirty="0" err="1"/>
+              <a:t>точность</a:t>
+            </a:r>
+            <a:r>
+              <a:rPr dirty="0"/>
+              <a:t>: </a:t>
+            </a:r>
+            <a:r>
+              <a:rPr dirty="0" err="1"/>
+              <a:t>предсказывается</a:t>
+            </a:r>
+            <a:r>
+              <a:rPr dirty="0"/>
+              <a:t>, </a:t>
+            </a:r>
+            <a:r>
+              <a:rPr dirty="0" err="1"/>
+              <a:t>что</a:t>
+            </a:r>
+            <a:r>
+              <a:rPr dirty="0"/>
+              <a:t> </a:t>
+            </a:r>
+            <a:r>
+              <a:rPr dirty="0" err="1"/>
+              <a:t>не</a:t>
+            </a:r>
+            <a:r>
+              <a:rPr dirty="0"/>
+              <a:t> </a:t>
+            </a:r>
+            <a:r>
+              <a:rPr dirty="0" err="1"/>
+              <a:t>так</a:t>
+            </a:r>
+            <a:r>
+              <a:rPr dirty="0"/>
+              <a:t> </a:t>
+            </a:r>
+            <a:r>
+              <a:rPr dirty="0" err="1"/>
+              <a:t>много</a:t>
+            </a:r>
+            <a:r>
+              <a:rPr dirty="0"/>
+              <a:t> </a:t>
+            </a:r>
+            <a:r>
+              <a:rPr dirty="0" err="1"/>
+              <a:t>законных</a:t>
+            </a:r>
+            <a:r>
+              <a:rPr dirty="0"/>
+              <a:t> </a:t>
+            </a:r>
+            <a:r>
+              <a:rPr dirty="0" err="1"/>
+              <a:t>транзакций</a:t>
+            </a:r>
+            <a:r>
+              <a:rPr dirty="0"/>
+              <a:t> </a:t>
+            </a:r>
+            <a:r>
+              <a:rPr dirty="0" err="1"/>
+              <a:t>будут</a:t>
+            </a:r>
+            <a:r>
+              <a:rPr dirty="0"/>
+              <a:t> </a:t>
+            </a:r>
+            <a:r>
+              <a:rPr dirty="0" err="1"/>
+              <a:t>мошенническими</a:t>
+            </a:r>
+            <a:endParaRPr dirty="0"/>
           </a:p>
         </p:txBody>
       </p:sp>
@@ -7371,12 +7572,12 @@
   <p:clrMapOvr>
     <a:masterClrMapping/>
   </p:clrMapOvr>
-  <p:transition xmlns:p14="http://schemas.microsoft.com/office/powerpoint/2010/main" spd="med" advClick="1"/>
+  <p:transition spd="med"/>
 </p:sld>
 </file>
 
 <file path=ppt/slides/slide8.xml><?xml version="1.0" encoding="utf-8"?>
-<p:sld xmlns:a="http://schemas.openxmlformats.org/drawingml/2006/main" xmlns:r="http://schemas.openxmlformats.org/officeDocument/2006/relationships" xmlns:p="http://schemas.openxmlformats.org/presentationml/2006/main" xmlns:m="http://schemas.openxmlformats.org/officeDocument/2006/math" xmlns:a14="http://schemas.microsoft.com/office/drawing/2010/main" showMasterSp="1" showMasterPhAnim="1">
+<p:sld xmlns:a="http://schemas.openxmlformats.org/drawingml/2006/main" xmlns:r="http://schemas.openxmlformats.org/officeDocument/2006/relationships" xmlns:p="http://schemas.openxmlformats.org/presentationml/2006/main">
   <p:cSld>
     <p:spTree>
       <p:nvGrpSpPr>
@@ -7411,17 +7612,17 @@
           </a:ln>
           <a:extLst>
             <a:ext uri="{C572A759-6A51-4108-AA02-DFA0A04FC94B}">
-              <ma14:wrappingTextBoxFlag xmlns:ma14="http://schemas.microsoft.com/office/mac/drawingml/2011/main" val="1"/>
+              <ma14:wrappingTextBoxFlag xmlns:ma14="http://schemas.microsoft.com/office/mac/drawingml/2011/main" xmlns:a14="http://schemas.microsoft.com/office/drawing/2010/main" xmlns:m="http://schemas.openxmlformats.org/officeDocument/2006/math" xmlns="" val="1"/>
             </a:ext>
           </a:extLst>
         </p:spPr>
         <p:txBody>
           <a:bodyPr lIns="50800" tIns="50800" rIns="50800" bIns="50800" anchor="ctr">
-            <a:normAutofit fontScale="100000" lnSpcReduction="0"/>
+            <a:normAutofit/>
           </a:bodyPr>
           <a:lstStyle>
             <a:lvl1pPr defTabSz="520065">
-              <a:defRPr b="0" sz="7056">
+              <a:defRPr sz="7056" b="0">
                 <a:latin typeface="+mn-lt"/>
                 <a:ea typeface="+mn-ea"/>
                 <a:cs typeface="+mn-cs"/>
@@ -7430,7 +7631,6 @@
             </a:lvl1pPr>
           </a:lstStyle>
           <a:p>
-            <a:pPr/>
             <a:r>
               <a:t>Матрица ошибок для оценки эффективности классификации. Полнота (Recall)</a:t>
             </a:r>
@@ -7446,9 +7646,7 @@
           <p:nvPr/>
         </p:nvPicPr>
         <p:blipFill>
-          <a:blip r:embed="rId2">
-            <a:extLst/>
-          </a:blip>
+          <a:blip r:embed="rId2"/>
           <a:stretch>
             <a:fillRect/>
           </a:stretch>
@@ -7474,8 +7672,8 @@
         </p:nvSpPr>
         <p:spPr>
           <a:xfrm>
-            <a:off x="438203" y="10764698"/>
-            <a:ext cx="24079010" cy="2672132"/>
+            <a:off x="438203" y="10733723"/>
+            <a:ext cx="22154168" cy="2734082"/>
           </a:xfrm>
           <a:prstGeom prst="rect">
             <a:avLst/>
@@ -7485,30 +7683,130 @@
           </a:ln>
           <a:extLst>
             <a:ext uri="{C572A759-6A51-4108-AA02-DFA0A04FC94B}">
-              <ma14:wrappingTextBoxFlag xmlns:ma14="http://schemas.microsoft.com/office/mac/drawingml/2011/main" val="1"/>
+              <ma14:wrappingTextBoxFlag xmlns:ma14="http://schemas.microsoft.com/office/mac/drawingml/2011/main" xmlns:a14="http://schemas.microsoft.com/office/drawing/2010/main" xmlns:m="http://schemas.openxmlformats.org/officeDocument/2006/math" xmlns="" val="1"/>
             </a:ext>
           </a:extLst>
         </p:spPr>
         <p:txBody>
-          <a:bodyPr wrap="none" lIns="50800" tIns="50800" rIns="50800" bIns="50800" anchor="ctr">
+          <a:bodyPr wrap="square" lIns="50800" tIns="50800" rIns="50800" bIns="50800" anchor="ctr">
             <a:spAutoFit/>
           </a:bodyPr>
           <a:lstStyle/>
           <a:p>
             <a:pPr algn="l">
-              <a:defRPr b="0" sz="5700"/>
+              <a:defRPr sz="5700" b="0"/>
             </a:pPr>
             <a:r>
-              <a:t>Высокий отзыв = более низкая ложная отрицательная оценка</a:t>
-            </a:r>
+              <a:rPr dirty="0" err="1"/>
+              <a:t>Высокий</a:t>
+            </a:r>
+            <a:r>
+              <a:rPr dirty="0"/>
+              <a:t> </a:t>
+            </a:r>
+            <a:r>
+              <a:rPr dirty="0" err="1"/>
+              <a:t>отзыв</a:t>
+            </a:r>
+            <a:r>
+              <a:rPr dirty="0"/>
+              <a:t> = </a:t>
+            </a:r>
+            <a:r>
+              <a:rPr dirty="0" err="1"/>
+              <a:t>более</a:t>
+            </a:r>
+            <a:r>
+              <a:rPr dirty="0"/>
+              <a:t> </a:t>
+            </a:r>
+            <a:r>
+              <a:rPr dirty="0" err="1"/>
+              <a:t>низкая</a:t>
+            </a:r>
+            <a:r>
+              <a:rPr dirty="0"/>
+              <a:t> </a:t>
+            </a:r>
+            <a:r>
+              <a:rPr dirty="0" err="1"/>
+              <a:t>ложная</a:t>
+            </a:r>
+            <a:r>
+              <a:rPr dirty="0"/>
+              <a:t> </a:t>
+            </a:r>
+            <a:r>
+              <a:rPr dirty="0" err="1"/>
+              <a:t>отрицательная</a:t>
+            </a:r>
+            <a:r>
+              <a:rPr dirty="0"/>
+              <a:t> </a:t>
+            </a:r>
+            <a:r>
+              <a:rPr dirty="0" err="1"/>
+              <a:t>оценка</a:t>
+            </a:r>
+            <a:endParaRPr dirty="0"/>
           </a:p>
           <a:p>
             <a:pPr algn="l">
-              <a:defRPr b="0" sz="5700"/>
+              <a:defRPr sz="5700" b="0"/>
             </a:pPr>
             <a:r>
-              <a:t>Высокий отзыв: правильно предсказал большинство мошеннических транзакций</a:t>
-            </a:r>
+              <a:rPr dirty="0" err="1"/>
+              <a:t>Высокий</a:t>
+            </a:r>
+            <a:r>
+              <a:rPr dirty="0"/>
+              <a:t> </a:t>
+            </a:r>
+            <a:r>
+              <a:rPr dirty="0" err="1"/>
+              <a:t>отзыв</a:t>
+            </a:r>
+            <a:r>
+              <a:rPr dirty="0"/>
+              <a:t>: </a:t>
+            </a:r>
+            <a:r>
+              <a:rPr dirty="0" err="1"/>
+              <a:t>правильно</a:t>
+            </a:r>
+            <a:r>
+              <a:rPr dirty="0"/>
+              <a:t> </a:t>
+            </a:r>
+            <a:r>
+              <a:rPr dirty="0" err="1"/>
+              <a:t>предсказал</a:t>
+            </a:r>
+            <a:r>
+              <a:rPr dirty="0"/>
+              <a:t> </a:t>
+            </a:r>
+            <a:r>
+              <a:rPr dirty="0" err="1"/>
+              <a:t>большинство</a:t>
+            </a:r>
+            <a:r>
+              <a:rPr dirty="0"/>
+              <a:t> </a:t>
+            </a:r>
+            <a:r>
+              <a:rPr dirty="0" err="1"/>
+              <a:t>мошеннических</a:t>
+            </a:r>
+            <a:r>
+              <a:rPr dirty="0"/>
+              <a:t> </a:t>
+            </a:r>
+            <a:r>
+              <a:rPr dirty="0" err="1"/>
+              <a:t>транзакций</a:t>
+            </a:r>
+            <a:endParaRPr dirty="0"/>
           </a:p>
         </p:txBody>
       </p:sp>
@@ -7521,9 +7819,7 @@
           <p:nvPr/>
         </p:nvPicPr>
         <p:blipFill>
-          <a:blip r:embed="rId3">
-            <a:extLst/>
-          </a:blip>
+          <a:blip r:embed="rId3"/>
           <a:stretch>
             <a:fillRect/>
           </a:stretch>
@@ -7546,12 +7842,12 @@
   <p:clrMapOvr>
     <a:masterClrMapping/>
   </p:clrMapOvr>
-  <p:transition xmlns:p14="http://schemas.microsoft.com/office/powerpoint/2010/main" spd="med" advClick="1"/>
+  <p:transition spd="med"/>
 </p:sld>
 </file>
 
 <file path=ppt/slides/slide9.xml><?xml version="1.0" encoding="utf-8"?>
-<p:sld xmlns:a="http://schemas.openxmlformats.org/drawingml/2006/main" xmlns:r="http://schemas.openxmlformats.org/officeDocument/2006/relationships" xmlns:p="http://schemas.openxmlformats.org/presentationml/2006/main" xmlns:m="http://schemas.openxmlformats.org/officeDocument/2006/math" xmlns:a14="http://schemas.microsoft.com/office/drawing/2010/main" showMasterSp="1" showMasterPhAnim="1">
+<p:sld xmlns:a="http://schemas.openxmlformats.org/drawingml/2006/main" xmlns:r="http://schemas.openxmlformats.org/officeDocument/2006/relationships" xmlns:p="http://schemas.openxmlformats.org/presentationml/2006/main">
   <p:cSld>
     <p:spTree>
       <p:nvGrpSpPr>
@@ -7586,17 +7882,17 @@
           </a:ln>
           <a:extLst>
             <a:ext uri="{C572A759-6A51-4108-AA02-DFA0A04FC94B}">
-              <ma14:wrappingTextBoxFlag xmlns:ma14="http://schemas.microsoft.com/office/mac/drawingml/2011/main" val="1"/>
+              <ma14:wrappingTextBoxFlag xmlns:ma14="http://schemas.microsoft.com/office/mac/drawingml/2011/main" xmlns:a14="http://schemas.microsoft.com/office/drawing/2010/main" xmlns:m="http://schemas.openxmlformats.org/officeDocument/2006/math" xmlns="" val="1"/>
             </a:ext>
           </a:extLst>
         </p:spPr>
         <p:txBody>
           <a:bodyPr lIns="50800" tIns="50800" rIns="50800" bIns="50800" anchor="ctr">
-            <a:normAutofit fontScale="100000" lnSpcReduction="0"/>
+            <a:normAutofit/>
           </a:bodyPr>
           <a:lstStyle>
             <a:lvl1pPr>
-              <a:defRPr b="0" sz="11200">
+              <a:defRPr sz="11200" b="0">
                 <a:latin typeface="+mn-lt"/>
                 <a:ea typeface="+mn-ea"/>
                 <a:cs typeface="+mn-cs"/>
@@ -7605,7 +7901,6 @@
             </a:lvl1pPr>
           </a:lstStyle>
           <a:p>
-            <a:pPr/>
             <a:r>
               <a:t>F-1 оценка</a:t>
             </a:r>
@@ -7621,9 +7916,7 @@
           <p:nvPr/>
         </p:nvPicPr>
         <p:blipFill>
-          <a:blip r:embed="rId2">
-            <a:extLst/>
-          </a:blip>
+          <a:blip r:embed="rId2"/>
           <a:stretch>
             <a:fillRect/>
           </a:stretch>
@@ -7646,12 +7939,12 @@
   <p:clrMapOvr>
     <a:masterClrMapping/>
   </p:clrMapOvr>
-  <p:transition xmlns:p14="http://schemas.microsoft.com/office/powerpoint/2010/main" spd="med" advClick="1"/>
+  <p:transition spd="med"/>
 </p:sld>
 </file>
 
 <file path=ppt/theme/theme1.xml><?xml version="1.0" encoding="utf-8"?>
-<a:theme xmlns:a="http://schemas.openxmlformats.org/drawingml/2006/main" xmlns:r="http://schemas.openxmlformats.org/officeDocument/2006/relationships" name="White">
+<a:theme xmlns:a="http://schemas.openxmlformats.org/drawingml/2006/main" name="White">
   <a:themeElements>
     <a:clrScheme name="White">
       <a:dk1>
@@ -7850,7 +8143,7 @@
         <a:effectLst/>
         <a:sp3d/>
       </a:spPr>
-      <a:bodyPr rot="0" spcFirstLastPara="1" vertOverflow="overflow" horzOverflow="overflow" vert="horz" wrap="square" lIns="0" tIns="0" rIns="0" bIns="0" numCol="1" spcCol="38100" rtlCol="0" anchor="ctr" upright="0">
+      <a:bodyPr rot="0" spcFirstLastPara="1" vertOverflow="overflow" horzOverflow="overflow" vert="horz" wrap="square" lIns="0" tIns="0" rIns="0" bIns="0" numCol="1" spcCol="38100" rtlCol="0" anchor="ctr">
         <a:spAutoFit/>
       </a:bodyPr>
       <a:lstStyle>
@@ -7869,7 +8162,7 @@
           <a:buFontTx/>
           <a:buNone/>
           <a:tabLst/>
-          <a:defRPr b="0" baseline="0" cap="none" i="0" spc="0" strike="noStrike" sz="3200" u="none" kumimoji="0" normalizeH="0">
+          <a:defRPr kumimoji="0" sz="3200" b="0" i="0" u="none" strike="noStrike" cap="none" spc="0" normalizeH="0" baseline="0">
             <a:ln>
               <a:noFill/>
             </a:ln>
@@ -7899,7 +8192,7 @@
           <a:buFontTx/>
           <a:buNone/>
           <a:tabLst/>
-          <a:defRPr b="0" baseline="0" cap="none" i="0" spc="0" strike="noStrike" sz="1800" u="none" kumimoji="0" normalizeH="0">
+          <a:defRPr kumimoji="0" sz="1800" b="0" i="0" u="none" strike="noStrike" cap="none" spc="0" normalizeH="0" baseline="0">
             <a:ln>
               <a:noFill/>
             </a:ln>
@@ -7925,7 +8218,7 @@
           <a:buFontTx/>
           <a:buNone/>
           <a:tabLst/>
-          <a:defRPr b="0" baseline="0" cap="none" i="0" spc="0" strike="noStrike" sz="1800" u="none" kumimoji="0" normalizeH="0">
+          <a:defRPr kumimoji="0" sz="1800" b="0" i="0" u="none" strike="noStrike" cap="none" spc="0" normalizeH="0" baseline="0">
             <a:ln>
               <a:noFill/>
             </a:ln>
@@ -7951,7 +8244,7 @@
           <a:buFontTx/>
           <a:buNone/>
           <a:tabLst/>
-          <a:defRPr b="0" baseline="0" cap="none" i="0" spc="0" strike="noStrike" sz="1800" u="none" kumimoji="0" normalizeH="0">
+          <a:defRPr kumimoji="0" sz="1800" b="0" i="0" u="none" strike="noStrike" cap="none" spc="0" normalizeH="0" baseline="0">
             <a:ln>
               <a:noFill/>
             </a:ln>
@@ -7977,7 +8270,7 @@
           <a:buFontTx/>
           <a:buNone/>
           <a:tabLst/>
-          <a:defRPr b="0" baseline="0" cap="none" i="0" spc="0" strike="noStrike" sz="1800" u="none" kumimoji="0" normalizeH="0">
+          <a:defRPr kumimoji="0" sz="1800" b="0" i="0" u="none" strike="noStrike" cap="none" spc="0" normalizeH="0" baseline="0">
             <a:ln>
               <a:noFill/>
             </a:ln>
@@ -8003,7 +8296,7 @@
           <a:buFontTx/>
           <a:buNone/>
           <a:tabLst/>
-          <a:defRPr b="0" baseline="0" cap="none" i="0" spc="0" strike="noStrike" sz="1800" u="none" kumimoji="0" normalizeH="0">
+          <a:defRPr kumimoji="0" sz="1800" b="0" i="0" u="none" strike="noStrike" cap="none" spc="0" normalizeH="0" baseline="0">
             <a:ln>
               <a:noFill/>
             </a:ln>
@@ -8029,7 +8322,7 @@
           <a:buFontTx/>
           <a:buNone/>
           <a:tabLst/>
-          <a:defRPr b="0" baseline="0" cap="none" i="0" spc="0" strike="noStrike" sz="1800" u="none" kumimoji="0" normalizeH="0">
+          <a:defRPr kumimoji="0" sz="1800" b="0" i="0" u="none" strike="noStrike" cap="none" spc="0" normalizeH="0" baseline="0">
             <a:ln>
               <a:noFill/>
             </a:ln>
@@ -8055,7 +8348,7 @@
           <a:buFontTx/>
           <a:buNone/>
           <a:tabLst/>
-          <a:defRPr b="0" baseline="0" cap="none" i="0" spc="0" strike="noStrike" sz="1800" u="none" kumimoji="0" normalizeH="0">
+          <a:defRPr kumimoji="0" sz="1800" b="0" i="0" u="none" strike="noStrike" cap="none" spc="0" normalizeH="0" baseline="0">
             <a:ln>
               <a:noFill/>
             </a:ln>
@@ -8081,7 +8374,7 @@
           <a:buFontTx/>
           <a:buNone/>
           <a:tabLst/>
-          <a:defRPr b="0" baseline="0" cap="none" i="0" spc="0" strike="noStrike" sz="1800" u="none" kumimoji="0" normalizeH="0">
+          <a:defRPr kumimoji="0" sz="1800" b="0" i="0" u="none" strike="noStrike" cap="none" spc="0" normalizeH="0" baseline="0">
             <a:ln>
               <a:noFill/>
             </a:ln>
@@ -8107,7 +8400,7 @@
           <a:buFontTx/>
           <a:buNone/>
           <a:tabLst/>
-          <a:defRPr b="0" baseline="0" cap="none" i="0" spc="0" strike="noStrike" sz="1800" u="none" kumimoji="0" normalizeH="0">
+          <a:defRPr kumimoji="0" sz="1800" b="0" i="0" u="none" strike="noStrike" cap="none" spc="0" normalizeH="0" baseline="0">
             <a:ln>
               <a:noFill/>
             </a:ln>
@@ -8120,9 +8413,15 @@
         </a:lvl9pPr>
       </a:lstStyle>
       <a:style>
-        <a:lnRef idx="0"/>
-        <a:fillRef idx="0"/>
-        <a:effectRef idx="0"/>
+        <a:lnRef idx="0">
+          <a:scrgbClr r="0" g="0" b="0"/>
+        </a:lnRef>
+        <a:fillRef idx="0">
+          <a:scrgbClr r="0" g="0" b="0"/>
+        </a:fillRef>
+        <a:effectRef idx="0">
+          <a:scrgbClr r="0" g="0" b="0"/>
+        </a:effectRef>
         <a:fontRef idx="none"/>
       </a:style>
     </a:spDef>
@@ -8139,7 +8438,7 @@
         <a:effectLst/>
         <a:sp3d/>
       </a:spPr>
-      <a:bodyPr rot="0" spcFirstLastPara="1" vertOverflow="overflow" horzOverflow="overflow" vert="horz" wrap="square" lIns="91439" tIns="45719" rIns="91439" bIns="45719" numCol="1" spcCol="38100" rtlCol="0" anchor="t" upright="0">
+      <a:bodyPr rot="0" spcFirstLastPara="1" vertOverflow="overflow" horzOverflow="overflow" vert="horz" wrap="square" lIns="91439" tIns="45719" rIns="91439" bIns="45719" numCol="1" spcCol="38100" rtlCol="0" anchor="t">
         <a:noAutofit/>
       </a:bodyPr>
       <a:lstStyle>
@@ -8158,7 +8457,7 @@
           <a:buFontTx/>
           <a:buNone/>
           <a:tabLst/>
-          <a:defRPr b="0" baseline="0" cap="none" i="0" spc="0" strike="noStrike" sz="1800" u="none" kumimoji="0" normalizeH="0">
+          <a:defRPr kumimoji="0" sz="1800" b="0" i="0" u="none" strike="noStrike" cap="none" spc="0" normalizeH="0" baseline="0">
             <a:ln>
               <a:noFill/>
             </a:ln>
@@ -8184,7 +8483,7 @@
           <a:buFontTx/>
           <a:buNone/>
           <a:tabLst/>
-          <a:defRPr b="0" baseline="0" cap="none" i="0" spc="0" strike="noStrike" sz="1800" u="none" kumimoji="0" normalizeH="0">
+          <a:defRPr kumimoji="0" sz="1800" b="0" i="0" u="none" strike="noStrike" cap="none" spc="0" normalizeH="0" baseline="0">
             <a:ln>
               <a:noFill/>
             </a:ln>
@@ -8210,7 +8509,7 @@
           <a:buFontTx/>
           <a:buNone/>
           <a:tabLst/>
-          <a:defRPr b="0" baseline="0" cap="none" i="0" spc="0" strike="noStrike" sz="1800" u="none" kumimoji="0" normalizeH="0">
+          <a:defRPr kumimoji="0" sz="1800" b="0" i="0" u="none" strike="noStrike" cap="none" spc="0" normalizeH="0" baseline="0">
             <a:ln>
               <a:noFill/>
             </a:ln>
@@ -8236,7 +8535,7 @@
           <a:buFontTx/>
           <a:buNone/>
           <a:tabLst/>
-          <a:defRPr b="0" baseline="0" cap="none" i="0" spc="0" strike="noStrike" sz="1800" u="none" kumimoji="0" normalizeH="0">
+          <a:defRPr kumimoji="0" sz="1800" b="0" i="0" u="none" strike="noStrike" cap="none" spc="0" normalizeH="0" baseline="0">
             <a:ln>
               <a:noFill/>
             </a:ln>
@@ -8262,7 +8561,7 @@
           <a:buFontTx/>
           <a:buNone/>
           <a:tabLst/>
-          <a:defRPr b="0" baseline="0" cap="none" i="0" spc="0" strike="noStrike" sz="1800" u="none" kumimoji="0" normalizeH="0">
+          <a:defRPr kumimoji="0" sz="1800" b="0" i="0" u="none" strike="noStrike" cap="none" spc="0" normalizeH="0" baseline="0">
             <a:ln>
               <a:noFill/>
             </a:ln>
@@ -8288,7 +8587,7 @@
           <a:buFontTx/>
           <a:buNone/>
           <a:tabLst/>
-          <a:defRPr b="0" baseline="0" cap="none" i="0" spc="0" strike="noStrike" sz="1800" u="none" kumimoji="0" normalizeH="0">
+          <a:defRPr kumimoji="0" sz="1800" b="0" i="0" u="none" strike="noStrike" cap="none" spc="0" normalizeH="0" baseline="0">
             <a:ln>
               <a:noFill/>
             </a:ln>
@@ -8314,7 +8613,7 @@
           <a:buFontTx/>
           <a:buNone/>
           <a:tabLst/>
-          <a:defRPr b="0" baseline="0" cap="none" i="0" spc="0" strike="noStrike" sz="1800" u="none" kumimoji="0" normalizeH="0">
+          <a:defRPr kumimoji="0" sz="1800" b="0" i="0" u="none" strike="noStrike" cap="none" spc="0" normalizeH="0" baseline="0">
             <a:ln>
               <a:noFill/>
             </a:ln>
@@ -8340,7 +8639,7 @@
           <a:buFontTx/>
           <a:buNone/>
           <a:tabLst/>
-          <a:defRPr b="0" baseline="0" cap="none" i="0" spc="0" strike="noStrike" sz="1800" u="none" kumimoji="0" normalizeH="0">
+          <a:defRPr kumimoji="0" sz="1800" b="0" i="0" u="none" strike="noStrike" cap="none" spc="0" normalizeH="0" baseline="0">
             <a:ln>
               <a:noFill/>
             </a:ln>
@@ -8366,7 +8665,7 @@
           <a:buFontTx/>
           <a:buNone/>
           <a:tabLst/>
-          <a:defRPr b="0" baseline="0" cap="none" i="0" spc="0" strike="noStrike" sz="1800" u="none" kumimoji="0" normalizeH="0">
+          <a:defRPr kumimoji="0" sz="1800" b="0" i="0" u="none" strike="noStrike" cap="none" spc="0" normalizeH="0" baseline="0">
             <a:ln>
               <a:noFill/>
             </a:ln>
@@ -8392,7 +8691,7 @@
           <a:buFontTx/>
           <a:buNone/>
           <a:tabLst/>
-          <a:defRPr b="0" baseline="0" cap="none" i="0" spc="0" strike="noStrike" sz="1800" u="none" kumimoji="0" normalizeH="0">
+          <a:defRPr kumimoji="0" sz="1800" b="0" i="0" u="none" strike="noStrike" cap="none" spc="0" normalizeH="0" baseline="0">
             <a:ln>
               <a:noFill/>
             </a:ln>
@@ -8405,9 +8704,15 @@
         </a:lvl9pPr>
       </a:lstStyle>
       <a:style>
-        <a:lnRef idx="0"/>
-        <a:fillRef idx="0"/>
-        <a:effectRef idx="0"/>
+        <a:lnRef idx="0">
+          <a:scrgbClr r="0" g="0" b="0"/>
+        </a:lnRef>
+        <a:fillRef idx="0">
+          <a:scrgbClr r="0" g="0" b="0"/>
+        </a:fillRef>
+        <a:effectRef idx="0">
+          <a:scrgbClr r="0" g="0" b="0"/>
+        </a:effectRef>
         <a:fontRef idx="none"/>
       </a:style>
     </a:lnDef>
@@ -8421,7 +8726,7 @@
         <a:effectLst/>
         <a:sp3d/>
       </a:spPr>
-      <a:bodyPr rot="0" spcFirstLastPara="1" vertOverflow="overflow" horzOverflow="overflow" vert="horz" wrap="square" lIns="50800" tIns="50800" rIns="50800" bIns="50800" numCol="1" spcCol="38100" rtlCol="0" anchor="ctr" upright="0">
+      <a:bodyPr rot="0" spcFirstLastPara="1" vertOverflow="overflow" horzOverflow="overflow" vert="horz" wrap="square" lIns="50800" tIns="50800" rIns="50800" bIns="50800" numCol="1" spcCol="38100" rtlCol="0" anchor="ctr">
         <a:spAutoFit/>
       </a:bodyPr>
       <a:lstStyle>
@@ -8440,7 +8745,7 @@
           <a:buFontTx/>
           <a:buNone/>
           <a:tabLst/>
-          <a:defRPr b="1" baseline="0" cap="none" i="0" spc="0" strike="noStrike" sz="3000" u="none" kumimoji="0" normalizeH="0">
+          <a:defRPr kumimoji="0" sz="3000" b="1" i="0" u="none" strike="noStrike" cap="none" spc="0" normalizeH="0" baseline="0">
             <a:ln>
               <a:noFill/>
             </a:ln>
@@ -8470,7 +8775,7 @@
           <a:buFontTx/>
           <a:buNone/>
           <a:tabLst/>
-          <a:defRPr b="0" baseline="0" cap="none" i="0" spc="0" strike="noStrike" sz="1800" u="none" kumimoji="0" normalizeH="0">
+          <a:defRPr kumimoji="0" sz="1800" b="0" i="0" u="none" strike="noStrike" cap="none" spc="0" normalizeH="0" baseline="0">
             <a:ln>
               <a:noFill/>
             </a:ln>
@@ -8496,7 +8801,7 @@
           <a:buFontTx/>
           <a:buNone/>
           <a:tabLst/>
-          <a:defRPr b="0" baseline="0" cap="none" i="0" spc="0" strike="noStrike" sz="1800" u="none" kumimoji="0" normalizeH="0">
+          <a:defRPr kumimoji="0" sz="1800" b="0" i="0" u="none" strike="noStrike" cap="none" spc="0" normalizeH="0" baseline="0">
             <a:ln>
               <a:noFill/>
             </a:ln>
@@ -8522,7 +8827,7 @@
           <a:buFontTx/>
           <a:buNone/>
           <a:tabLst/>
-          <a:defRPr b="0" baseline="0" cap="none" i="0" spc="0" strike="noStrike" sz="1800" u="none" kumimoji="0" normalizeH="0">
+          <a:defRPr kumimoji="0" sz="1800" b="0" i="0" u="none" strike="noStrike" cap="none" spc="0" normalizeH="0" baseline="0">
             <a:ln>
               <a:noFill/>
             </a:ln>
@@ -8548,7 +8853,7 @@
           <a:buFontTx/>
           <a:buNone/>
           <a:tabLst/>
-          <a:defRPr b="0" baseline="0" cap="none" i="0" spc="0" strike="noStrike" sz="1800" u="none" kumimoji="0" normalizeH="0">
+          <a:defRPr kumimoji="0" sz="1800" b="0" i="0" u="none" strike="noStrike" cap="none" spc="0" normalizeH="0" baseline="0">
             <a:ln>
               <a:noFill/>
             </a:ln>
@@ -8574,7 +8879,7 @@
           <a:buFontTx/>
           <a:buNone/>
           <a:tabLst/>
-          <a:defRPr b="0" baseline="0" cap="none" i="0" spc="0" strike="noStrike" sz="1800" u="none" kumimoji="0" normalizeH="0">
+          <a:defRPr kumimoji="0" sz="1800" b="0" i="0" u="none" strike="noStrike" cap="none" spc="0" normalizeH="0" baseline="0">
             <a:ln>
               <a:noFill/>
             </a:ln>
@@ -8600,7 +8905,7 @@
           <a:buFontTx/>
           <a:buNone/>
           <a:tabLst/>
-          <a:defRPr b="0" baseline="0" cap="none" i="0" spc="0" strike="noStrike" sz="1800" u="none" kumimoji="0" normalizeH="0">
+          <a:defRPr kumimoji="0" sz="1800" b="0" i="0" u="none" strike="noStrike" cap="none" spc="0" normalizeH="0" baseline="0">
             <a:ln>
               <a:noFill/>
             </a:ln>
@@ -8626,7 +8931,7 @@
           <a:buFontTx/>
           <a:buNone/>
           <a:tabLst/>
-          <a:defRPr b="0" baseline="0" cap="none" i="0" spc="0" strike="noStrike" sz="1800" u="none" kumimoji="0" normalizeH="0">
+          <a:defRPr kumimoji="0" sz="1800" b="0" i="0" u="none" strike="noStrike" cap="none" spc="0" normalizeH="0" baseline="0">
             <a:ln>
               <a:noFill/>
             </a:ln>
@@ -8652,7 +8957,7 @@
           <a:buFontTx/>
           <a:buNone/>
           <a:tabLst/>
-          <a:defRPr b="0" baseline="0" cap="none" i="0" spc="0" strike="noStrike" sz="1800" u="none" kumimoji="0" normalizeH="0">
+          <a:defRPr kumimoji="0" sz="1800" b="0" i="0" u="none" strike="noStrike" cap="none" spc="0" normalizeH="0" baseline="0">
             <a:ln>
               <a:noFill/>
             </a:ln>
@@ -8678,7 +8983,7 @@
           <a:buFontTx/>
           <a:buNone/>
           <a:tabLst/>
-          <a:defRPr b="0" baseline="0" cap="none" i="0" spc="0" strike="noStrike" sz="1800" u="none" kumimoji="0" normalizeH="0">
+          <a:defRPr kumimoji="0" sz="1800" b="0" i="0" u="none" strike="noStrike" cap="none" spc="0" normalizeH="0" baseline="0">
             <a:ln>
               <a:noFill/>
             </a:ln>
@@ -8691,18 +8996,25 @@
         </a:lvl9pPr>
       </a:lstStyle>
       <a:style>
-        <a:lnRef idx="0"/>
-        <a:fillRef idx="0"/>
-        <a:effectRef idx="0"/>
+        <a:lnRef idx="0">
+          <a:scrgbClr r="0" g="0" b="0"/>
+        </a:lnRef>
+        <a:fillRef idx="0">
+          <a:scrgbClr r="0" g="0" b="0"/>
+        </a:fillRef>
+        <a:effectRef idx="0">
+          <a:scrgbClr r="0" g="0" b="0"/>
+        </a:effectRef>
         <a:fontRef idx="none"/>
       </a:style>
     </a:txDef>
   </a:objectDefaults>
+  <a:extraClrSchemeLst/>
 </a:theme>
 </file>
 
 <file path=ppt/theme/theme2.xml><?xml version="1.0" encoding="utf-8"?>
-<a:theme xmlns:a="http://schemas.openxmlformats.org/drawingml/2006/main" xmlns:r="http://schemas.openxmlformats.org/officeDocument/2006/relationships" name="White">
+<a:theme xmlns:a="http://schemas.openxmlformats.org/drawingml/2006/main" name="White">
   <a:themeElements>
     <a:clrScheme name="White">
       <a:dk1>
@@ -8901,7 +9213,7 @@
         <a:effectLst/>
         <a:sp3d/>
       </a:spPr>
-      <a:bodyPr rot="0" spcFirstLastPara="1" vertOverflow="overflow" horzOverflow="overflow" vert="horz" wrap="square" lIns="0" tIns="0" rIns="0" bIns="0" numCol="1" spcCol="38100" rtlCol="0" anchor="ctr" upright="0">
+      <a:bodyPr rot="0" spcFirstLastPara="1" vertOverflow="overflow" horzOverflow="overflow" vert="horz" wrap="square" lIns="0" tIns="0" rIns="0" bIns="0" numCol="1" spcCol="38100" rtlCol="0" anchor="ctr">
         <a:spAutoFit/>
       </a:bodyPr>
       <a:lstStyle>
@@ -8920,7 +9232,7 @@
           <a:buFontTx/>
           <a:buNone/>
           <a:tabLst/>
-          <a:defRPr b="0" baseline="0" cap="none" i="0" spc="0" strike="noStrike" sz="3200" u="none" kumimoji="0" normalizeH="0">
+          <a:defRPr kumimoji="0" sz="3200" b="0" i="0" u="none" strike="noStrike" cap="none" spc="0" normalizeH="0" baseline="0">
             <a:ln>
               <a:noFill/>
             </a:ln>
@@ -8950,7 +9262,7 @@
           <a:buFontTx/>
           <a:buNone/>
           <a:tabLst/>
-          <a:defRPr b="0" baseline="0" cap="none" i="0" spc="0" strike="noStrike" sz="1800" u="none" kumimoji="0" normalizeH="0">
+          <a:defRPr kumimoji="0" sz="1800" b="0" i="0" u="none" strike="noStrike" cap="none" spc="0" normalizeH="0" baseline="0">
             <a:ln>
               <a:noFill/>
             </a:ln>
@@ -8976,7 +9288,7 @@
           <a:buFontTx/>
           <a:buNone/>
           <a:tabLst/>
-          <a:defRPr b="0" baseline="0" cap="none" i="0" spc="0" strike="noStrike" sz="1800" u="none" kumimoji="0" normalizeH="0">
+          <a:defRPr kumimoji="0" sz="1800" b="0" i="0" u="none" strike="noStrike" cap="none" spc="0" normalizeH="0" baseline="0">
             <a:ln>
               <a:noFill/>
             </a:ln>
@@ -9002,7 +9314,7 @@
           <a:buFontTx/>
           <a:buNone/>
           <a:tabLst/>
-          <a:defRPr b="0" baseline="0" cap="none" i="0" spc="0" strike="noStrike" sz="1800" u="none" kumimoji="0" normalizeH="0">
+          <a:defRPr kumimoji="0" sz="1800" b="0" i="0" u="none" strike="noStrike" cap="none" spc="0" normalizeH="0" baseline="0">
             <a:ln>
               <a:noFill/>
             </a:ln>
@@ -9028,7 +9340,7 @@
           <a:buFontTx/>
           <a:buNone/>
           <a:tabLst/>
-          <a:defRPr b="0" baseline="0" cap="none" i="0" spc="0" strike="noStrike" sz="1800" u="none" kumimoji="0" normalizeH="0">
+          <a:defRPr kumimoji="0" sz="1800" b="0" i="0" u="none" strike="noStrike" cap="none" spc="0" normalizeH="0" baseline="0">
             <a:ln>
               <a:noFill/>
             </a:ln>
@@ -9054,7 +9366,7 @@
           <a:buFontTx/>
           <a:buNone/>
           <a:tabLst/>
-          <a:defRPr b="0" baseline="0" cap="none" i="0" spc="0" strike="noStrike" sz="1800" u="none" kumimoji="0" normalizeH="0">
+          <a:defRPr kumimoji="0" sz="1800" b="0" i="0" u="none" strike="noStrike" cap="none" spc="0" normalizeH="0" baseline="0">
             <a:ln>
               <a:noFill/>
             </a:ln>
@@ -9080,7 +9392,7 @@
           <a:buFontTx/>
           <a:buNone/>
           <a:tabLst/>
-          <a:defRPr b="0" baseline="0" cap="none" i="0" spc="0" strike="noStrike" sz="1800" u="none" kumimoji="0" normalizeH="0">
+          <a:defRPr kumimoji="0" sz="1800" b="0" i="0" u="none" strike="noStrike" cap="none" spc="0" normalizeH="0" baseline="0">
             <a:ln>
               <a:noFill/>
             </a:ln>
@@ -9106,7 +9418,7 @@
           <a:buFontTx/>
           <a:buNone/>
           <a:tabLst/>
-          <a:defRPr b="0" baseline="0" cap="none" i="0" spc="0" strike="noStrike" sz="1800" u="none" kumimoji="0" normalizeH="0">
+          <a:defRPr kumimoji="0" sz="1800" b="0" i="0" u="none" strike="noStrike" cap="none" spc="0" normalizeH="0" baseline="0">
             <a:ln>
               <a:noFill/>
             </a:ln>
@@ -9132,7 +9444,7 @@
           <a:buFontTx/>
           <a:buNone/>
           <a:tabLst/>
-          <a:defRPr b="0" baseline="0" cap="none" i="0" spc="0" strike="noStrike" sz="1800" u="none" kumimoji="0" normalizeH="0">
+          <a:defRPr kumimoji="0" sz="1800" b="0" i="0" u="none" strike="noStrike" cap="none" spc="0" normalizeH="0" baseline="0">
             <a:ln>
               <a:noFill/>
             </a:ln>
@@ -9158,7 +9470,7 @@
           <a:buFontTx/>
           <a:buNone/>
           <a:tabLst/>
-          <a:defRPr b="0" baseline="0" cap="none" i="0" spc="0" strike="noStrike" sz="1800" u="none" kumimoji="0" normalizeH="0">
+          <a:defRPr kumimoji="0" sz="1800" b="0" i="0" u="none" strike="noStrike" cap="none" spc="0" normalizeH="0" baseline="0">
             <a:ln>
               <a:noFill/>
             </a:ln>
@@ -9171,9 +9483,15 @@
         </a:lvl9pPr>
       </a:lstStyle>
       <a:style>
-        <a:lnRef idx="0"/>
-        <a:fillRef idx="0"/>
-        <a:effectRef idx="0"/>
+        <a:lnRef idx="0">
+          <a:scrgbClr r="0" g="0" b="0"/>
+        </a:lnRef>
+        <a:fillRef idx="0">
+          <a:scrgbClr r="0" g="0" b="0"/>
+        </a:fillRef>
+        <a:effectRef idx="0">
+          <a:scrgbClr r="0" g="0" b="0"/>
+        </a:effectRef>
         <a:fontRef idx="none"/>
       </a:style>
     </a:spDef>
@@ -9190,7 +9508,7 @@
         <a:effectLst/>
         <a:sp3d/>
       </a:spPr>
-      <a:bodyPr rot="0" spcFirstLastPara="1" vertOverflow="overflow" horzOverflow="overflow" vert="horz" wrap="square" lIns="91439" tIns="45719" rIns="91439" bIns="45719" numCol="1" spcCol="38100" rtlCol="0" anchor="t" upright="0">
+      <a:bodyPr rot="0" spcFirstLastPara="1" vertOverflow="overflow" horzOverflow="overflow" vert="horz" wrap="square" lIns="91439" tIns="45719" rIns="91439" bIns="45719" numCol="1" spcCol="38100" rtlCol="0" anchor="t">
         <a:noAutofit/>
       </a:bodyPr>
       <a:lstStyle>
@@ -9209,7 +9527,7 @@
           <a:buFontTx/>
           <a:buNone/>
           <a:tabLst/>
-          <a:defRPr b="0" baseline="0" cap="none" i="0" spc="0" strike="noStrike" sz="1800" u="none" kumimoji="0" normalizeH="0">
+          <a:defRPr kumimoji="0" sz="1800" b="0" i="0" u="none" strike="noStrike" cap="none" spc="0" normalizeH="0" baseline="0">
             <a:ln>
               <a:noFill/>
             </a:ln>
@@ -9235,7 +9553,7 @@
           <a:buFontTx/>
           <a:buNone/>
           <a:tabLst/>
-          <a:defRPr b="0" baseline="0" cap="none" i="0" spc="0" strike="noStrike" sz="1800" u="none" kumimoji="0" normalizeH="0">
+          <a:defRPr kumimoji="0" sz="1800" b="0" i="0" u="none" strike="noStrike" cap="none" spc="0" normalizeH="0" baseline="0">
             <a:ln>
               <a:noFill/>
             </a:ln>
@@ -9261,7 +9579,7 @@
           <a:buFontTx/>
           <a:buNone/>
           <a:tabLst/>
-          <a:defRPr b="0" baseline="0" cap="none" i="0" spc="0" strike="noStrike" sz="1800" u="none" kumimoji="0" normalizeH="0">
+          <a:defRPr kumimoji="0" sz="1800" b="0" i="0" u="none" strike="noStrike" cap="none" spc="0" normalizeH="0" baseline="0">
             <a:ln>
               <a:noFill/>
             </a:ln>
@@ -9287,7 +9605,7 @@
           <a:buFontTx/>
           <a:buNone/>
           <a:tabLst/>
-          <a:defRPr b="0" baseline="0" cap="none" i="0" spc="0" strike="noStrike" sz="1800" u="none" kumimoji="0" normalizeH="0">
+          <a:defRPr kumimoji="0" sz="1800" b="0" i="0" u="none" strike="noStrike" cap="none" spc="0" normalizeH="0" baseline="0">
             <a:ln>
               <a:noFill/>
             </a:ln>
@@ -9313,7 +9631,7 @@
           <a:buFontTx/>
           <a:buNone/>
           <a:tabLst/>
-          <a:defRPr b="0" baseline="0" cap="none" i="0" spc="0" strike="noStrike" sz="1800" u="none" kumimoji="0" normalizeH="0">
+          <a:defRPr kumimoji="0" sz="1800" b="0" i="0" u="none" strike="noStrike" cap="none" spc="0" normalizeH="0" baseline="0">
             <a:ln>
               <a:noFill/>
             </a:ln>
@@ -9339,7 +9657,7 @@
           <a:buFontTx/>
           <a:buNone/>
           <a:tabLst/>
-          <a:defRPr b="0" baseline="0" cap="none" i="0" spc="0" strike="noStrike" sz="1800" u="none" kumimoji="0" normalizeH="0">
+          <a:defRPr kumimoji="0" sz="1800" b="0" i="0" u="none" strike="noStrike" cap="none" spc="0" normalizeH="0" baseline="0">
             <a:ln>
               <a:noFill/>
             </a:ln>
@@ -9365,7 +9683,7 @@
           <a:buFontTx/>
           <a:buNone/>
           <a:tabLst/>
-          <a:defRPr b="0" baseline="0" cap="none" i="0" spc="0" strike="noStrike" sz="1800" u="none" kumimoji="0" normalizeH="0">
+          <a:defRPr kumimoji="0" sz="1800" b="0" i="0" u="none" strike="noStrike" cap="none" spc="0" normalizeH="0" baseline="0">
             <a:ln>
               <a:noFill/>
             </a:ln>
@@ -9391,7 +9709,7 @@
           <a:buFontTx/>
           <a:buNone/>
           <a:tabLst/>
-          <a:defRPr b="0" baseline="0" cap="none" i="0" spc="0" strike="noStrike" sz="1800" u="none" kumimoji="0" normalizeH="0">
+          <a:defRPr kumimoji="0" sz="1800" b="0" i="0" u="none" strike="noStrike" cap="none" spc="0" normalizeH="0" baseline="0">
             <a:ln>
               <a:noFill/>
             </a:ln>
@@ -9417,7 +9735,7 @@
           <a:buFontTx/>
           <a:buNone/>
           <a:tabLst/>
-          <a:defRPr b="0" baseline="0" cap="none" i="0" spc="0" strike="noStrike" sz="1800" u="none" kumimoji="0" normalizeH="0">
+          <a:defRPr kumimoji="0" sz="1800" b="0" i="0" u="none" strike="noStrike" cap="none" spc="0" normalizeH="0" baseline="0">
             <a:ln>
               <a:noFill/>
             </a:ln>
@@ -9443,7 +9761,7 @@
           <a:buFontTx/>
           <a:buNone/>
           <a:tabLst/>
-          <a:defRPr b="0" baseline="0" cap="none" i="0" spc="0" strike="noStrike" sz="1800" u="none" kumimoji="0" normalizeH="0">
+          <a:defRPr kumimoji="0" sz="1800" b="0" i="0" u="none" strike="noStrike" cap="none" spc="0" normalizeH="0" baseline="0">
             <a:ln>
               <a:noFill/>
             </a:ln>
@@ -9456,9 +9774,15 @@
         </a:lvl9pPr>
       </a:lstStyle>
       <a:style>
-        <a:lnRef idx="0"/>
-        <a:fillRef idx="0"/>
-        <a:effectRef idx="0"/>
+        <a:lnRef idx="0">
+          <a:scrgbClr r="0" g="0" b="0"/>
+        </a:lnRef>
+        <a:fillRef idx="0">
+          <a:scrgbClr r="0" g="0" b="0"/>
+        </a:fillRef>
+        <a:effectRef idx="0">
+          <a:scrgbClr r="0" g="0" b="0"/>
+        </a:effectRef>
         <a:fontRef idx="none"/>
       </a:style>
     </a:lnDef>
@@ -9472,7 +9796,7 @@
         <a:effectLst/>
         <a:sp3d/>
       </a:spPr>
-      <a:bodyPr rot="0" spcFirstLastPara="1" vertOverflow="overflow" horzOverflow="overflow" vert="horz" wrap="square" lIns="50800" tIns="50800" rIns="50800" bIns="50800" numCol="1" spcCol="38100" rtlCol="0" anchor="ctr" upright="0">
+      <a:bodyPr rot="0" spcFirstLastPara="1" vertOverflow="overflow" horzOverflow="overflow" vert="horz" wrap="square" lIns="50800" tIns="50800" rIns="50800" bIns="50800" numCol="1" spcCol="38100" rtlCol="0" anchor="ctr">
         <a:spAutoFit/>
       </a:bodyPr>
       <a:lstStyle>
@@ -9491,7 +9815,7 @@
           <a:buFontTx/>
           <a:buNone/>
           <a:tabLst/>
-          <a:defRPr b="1" baseline="0" cap="none" i="0" spc="0" strike="noStrike" sz="3000" u="none" kumimoji="0" normalizeH="0">
+          <a:defRPr kumimoji="0" sz="3000" b="1" i="0" u="none" strike="noStrike" cap="none" spc="0" normalizeH="0" baseline="0">
             <a:ln>
               <a:noFill/>
             </a:ln>
@@ -9521,7 +9845,7 @@
           <a:buFontTx/>
           <a:buNone/>
           <a:tabLst/>
-          <a:defRPr b="0" baseline="0" cap="none" i="0" spc="0" strike="noStrike" sz="1800" u="none" kumimoji="0" normalizeH="0">
+          <a:defRPr kumimoji="0" sz="1800" b="0" i="0" u="none" strike="noStrike" cap="none" spc="0" normalizeH="0" baseline="0">
             <a:ln>
               <a:noFill/>
             </a:ln>
@@ -9547,7 +9871,7 @@
           <a:buFontTx/>
           <a:buNone/>
           <a:tabLst/>
-          <a:defRPr b="0" baseline="0" cap="none" i="0" spc="0" strike="noStrike" sz="1800" u="none" kumimoji="0" normalizeH="0">
+          <a:defRPr kumimoji="0" sz="1800" b="0" i="0" u="none" strike="noStrike" cap="none" spc="0" normalizeH="0" baseline="0">
             <a:ln>
               <a:noFill/>
             </a:ln>
@@ -9573,7 +9897,7 @@
           <a:buFontTx/>
           <a:buNone/>
           <a:tabLst/>
-          <a:defRPr b="0" baseline="0" cap="none" i="0" spc="0" strike="noStrike" sz="1800" u="none" kumimoji="0" normalizeH="0">
+          <a:defRPr kumimoji="0" sz="1800" b="0" i="0" u="none" strike="noStrike" cap="none" spc="0" normalizeH="0" baseline="0">
             <a:ln>
               <a:noFill/>
             </a:ln>
@@ -9599,7 +9923,7 @@
           <a:buFontTx/>
           <a:buNone/>
           <a:tabLst/>
-          <a:defRPr b="0" baseline="0" cap="none" i="0" spc="0" strike="noStrike" sz="1800" u="none" kumimoji="0" normalizeH="0">
+          <a:defRPr kumimoji="0" sz="1800" b="0" i="0" u="none" strike="noStrike" cap="none" spc="0" normalizeH="0" baseline="0">
             <a:ln>
               <a:noFill/>
             </a:ln>
@@ -9625,7 +9949,7 @@
           <a:buFontTx/>
           <a:buNone/>
           <a:tabLst/>
-          <a:defRPr b="0" baseline="0" cap="none" i="0" spc="0" strike="noStrike" sz="1800" u="none" kumimoji="0" normalizeH="0">
+          <a:defRPr kumimoji="0" sz="1800" b="0" i="0" u="none" strike="noStrike" cap="none" spc="0" normalizeH="0" baseline="0">
             <a:ln>
               <a:noFill/>
             </a:ln>
@@ -9651,7 +9975,7 @@
           <a:buFontTx/>
           <a:buNone/>
           <a:tabLst/>
-          <a:defRPr b="0" baseline="0" cap="none" i="0" spc="0" strike="noStrike" sz="1800" u="none" kumimoji="0" normalizeH="0">
+          <a:defRPr kumimoji="0" sz="1800" b="0" i="0" u="none" strike="noStrike" cap="none" spc="0" normalizeH="0" baseline="0">
             <a:ln>
               <a:noFill/>
             </a:ln>
@@ -9677,7 +10001,7 @@
           <a:buFontTx/>
           <a:buNone/>
           <a:tabLst/>
-          <a:defRPr b="0" baseline="0" cap="none" i="0" spc="0" strike="noStrike" sz="1800" u="none" kumimoji="0" normalizeH="0">
+          <a:defRPr kumimoji="0" sz="1800" b="0" i="0" u="none" strike="noStrike" cap="none" spc="0" normalizeH="0" baseline="0">
             <a:ln>
               <a:noFill/>
             </a:ln>
@@ -9703,7 +10027,7 @@
           <a:buFontTx/>
           <a:buNone/>
           <a:tabLst/>
-          <a:defRPr b="0" baseline="0" cap="none" i="0" spc="0" strike="noStrike" sz="1800" u="none" kumimoji="0" normalizeH="0">
+          <a:defRPr kumimoji="0" sz="1800" b="0" i="0" u="none" strike="noStrike" cap="none" spc="0" normalizeH="0" baseline="0">
             <a:ln>
               <a:noFill/>
             </a:ln>
@@ -9729,7 +10053,7 @@
           <a:buFontTx/>
           <a:buNone/>
           <a:tabLst/>
-          <a:defRPr b="0" baseline="0" cap="none" i="0" spc="0" strike="noStrike" sz="1800" u="none" kumimoji="0" normalizeH="0">
+          <a:defRPr kumimoji="0" sz="1800" b="0" i="0" u="none" strike="noStrike" cap="none" spc="0" normalizeH="0" baseline="0">
             <a:ln>
               <a:noFill/>
             </a:ln>
@@ -9742,12 +10066,19 @@
         </a:lvl9pPr>
       </a:lstStyle>
       <a:style>
-        <a:lnRef idx="0"/>
-        <a:fillRef idx="0"/>
-        <a:effectRef idx="0"/>
+        <a:lnRef idx="0">
+          <a:scrgbClr r="0" g="0" b="0"/>
+        </a:lnRef>
+        <a:fillRef idx="0">
+          <a:scrgbClr r="0" g="0" b="0"/>
+        </a:fillRef>
+        <a:effectRef idx="0">
+          <a:scrgbClr r="0" g="0" b="0"/>
+        </a:effectRef>
         <a:fontRef idx="none"/>
       </a:style>
     </a:txDef>
   </a:objectDefaults>
+  <a:extraClrSchemeLst/>
 </a:theme>
 </file>